--- a/LectureFiles/cshl/2016/RNASeq_Module2_Lecture.pptx
+++ b/LectureFiles/cshl/2016/RNASeq_Module2_Lecture.pptx
@@ -5,10 +5,10 @@
     <p:sldMasterId id="2147483648" r:id="rId1"/>
   </p:sldMasterIdLst>
   <p:notesMasterIdLst>
-    <p:notesMasterId r:id="rId39"/>
+    <p:notesMasterId r:id="rId42"/>
   </p:notesMasterIdLst>
   <p:handoutMasterIdLst>
-    <p:handoutMasterId r:id="rId40"/>
+    <p:handoutMasterId r:id="rId43"/>
   </p:handoutMasterIdLst>
   <p:sldIdLst>
     <p:sldId id="341" r:id="rId2"/>
@@ -21,33 +21,36 @@
     <p:sldId id="519" r:id="rId9"/>
     <p:sldId id="520" r:id="rId10"/>
     <p:sldId id="521" r:id="rId11"/>
-    <p:sldId id="550" r:id="rId12"/>
-    <p:sldId id="525" r:id="rId13"/>
-    <p:sldId id="526" r:id="rId14"/>
-    <p:sldId id="527" r:id="rId15"/>
-    <p:sldId id="528" r:id="rId16"/>
-    <p:sldId id="529" r:id="rId17"/>
-    <p:sldId id="530" r:id="rId18"/>
-    <p:sldId id="531" r:id="rId19"/>
-    <p:sldId id="532" r:id="rId20"/>
-    <p:sldId id="533" r:id="rId21"/>
-    <p:sldId id="534" r:id="rId22"/>
-    <p:sldId id="535" r:id="rId23"/>
-    <p:sldId id="536" r:id="rId24"/>
-    <p:sldId id="537" r:id="rId25"/>
-    <p:sldId id="538" r:id="rId26"/>
-    <p:sldId id="539" r:id="rId27"/>
-    <p:sldId id="540" r:id="rId28"/>
-    <p:sldId id="541" r:id="rId29"/>
-    <p:sldId id="542" r:id="rId30"/>
-    <p:sldId id="543" r:id="rId31"/>
-    <p:sldId id="544" r:id="rId32"/>
-    <p:sldId id="545" r:id="rId33"/>
-    <p:sldId id="546" r:id="rId34"/>
-    <p:sldId id="547" r:id="rId35"/>
-    <p:sldId id="548" r:id="rId36"/>
-    <p:sldId id="549" r:id="rId37"/>
-    <p:sldId id="512" r:id="rId38"/>
+    <p:sldId id="551" r:id="rId12"/>
+    <p:sldId id="550" r:id="rId13"/>
+    <p:sldId id="552" r:id="rId14"/>
+    <p:sldId id="553" r:id="rId15"/>
+    <p:sldId id="525" r:id="rId16"/>
+    <p:sldId id="526" r:id="rId17"/>
+    <p:sldId id="527" r:id="rId18"/>
+    <p:sldId id="528" r:id="rId19"/>
+    <p:sldId id="529" r:id="rId20"/>
+    <p:sldId id="530" r:id="rId21"/>
+    <p:sldId id="531" r:id="rId22"/>
+    <p:sldId id="532" r:id="rId23"/>
+    <p:sldId id="533" r:id="rId24"/>
+    <p:sldId id="534" r:id="rId25"/>
+    <p:sldId id="535" r:id="rId26"/>
+    <p:sldId id="536" r:id="rId27"/>
+    <p:sldId id="537" r:id="rId28"/>
+    <p:sldId id="538" r:id="rId29"/>
+    <p:sldId id="539" r:id="rId30"/>
+    <p:sldId id="540" r:id="rId31"/>
+    <p:sldId id="541" r:id="rId32"/>
+    <p:sldId id="542" r:id="rId33"/>
+    <p:sldId id="543" r:id="rId34"/>
+    <p:sldId id="544" r:id="rId35"/>
+    <p:sldId id="545" r:id="rId36"/>
+    <p:sldId id="546" r:id="rId37"/>
+    <p:sldId id="547" r:id="rId38"/>
+    <p:sldId id="548" r:id="rId39"/>
+    <p:sldId id="549" r:id="rId40"/>
+    <p:sldId id="512" r:id="rId41"/>
   </p:sldIdLst>
   <p:sldSz cx="9144000" cy="6858000" type="screen4x3"/>
   <p:notesSz cx="7315200" cy="9601200"/>
@@ -1265,218 +1268,44 @@
         </p:nvSpPr>
         <p:spPr/>
         <p:txBody>
-          <a:bodyPr>
-            <a:normAutofit fontScale="70000" lnSpcReduction="20000"/>
-          </a:bodyPr>
+          <a:bodyPr/>
           <a:lstStyle/>
           <a:p>
-            <a:r>
-              <a:rPr lang="en-US" dirty="0" smtClean="0"/>
-              <a:t>Alignment of </a:t>
-            </a:r>
-            <a:r>
-              <a:rPr lang="en-US" dirty="0" err="1" smtClean="0"/>
-              <a:t>exonic</a:t>
-            </a:r>
-            <a:r>
-              <a:rPr lang="en-US" dirty="0" smtClean="0"/>
-              <a:t> reads and long- and intermediate-anchored reads.</a:t>
-            </a:r>
-          </a:p>
-          <a:p>
-            <a:r>
-              <a:rPr lang="en-US" dirty="0" smtClean="0"/>
-              <a:t>Given two exons from a gene on human chromosome 22, separated by a 3,899-bp intron, suppose the genomic region is transcribed and spliced and we have three reads sequenced from the resulting transcript: (</a:t>
-            </a:r>
-            <a:r>
-              <a:rPr lang="en-US" dirty="0" err="1" smtClean="0"/>
-              <a:t>i</a:t>
-            </a:r>
-            <a:r>
-              <a:rPr lang="en-US" dirty="0" smtClean="0"/>
-              <a:t>) an </a:t>
-            </a:r>
-            <a:r>
-              <a:rPr lang="en-US" dirty="0" err="1" smtClean="0"/>
-              <a:t>exonic</a:t>
-            </a:r>
-            <a:r>
-              <a:rPr lang="en-US" dirty="0" smtClean="0"/>
-              <a:t> read, (ii) a read spanning two exons with an 8-bp anchor in one exon and (iii) a read spanning two exons with 50 </a:t>
-            </a:r>
-            <a:r>
-              <a:rPr lang="en-US" dirty="0" err="1" smtClean="0"/>
-              <a:t>bp</a:t>
-            </a:r>
-            <a:r>
-              <a:rPr lang="en-US" dirty="0" smtClean="0"/>
-              <a:t> in each exon (Supplementary Fig. 8). All the reads are assumed to be error free and 100 </a:t>
-            </a:r>
-            <a:r>
-              <a:rPr lang="en-US" dirty="0" err="1" smtClean="0"/>
-              <a:t>bp</a:t>
-            </a:r>
-            <a:r>
-              <a:rPr lang="en-US" dirty="0" smtClean="0"/>
-              <a:t> long. We can apply hierarchical indexing to align each of these reads rapidly and correctly. We align the first read using the global FM-index (Supplementary Fig. 8a). Because global search is relatively time consuming, we change strategies when the partial alignment meets two conditions: (</a:t>
-            </a:r>
-            <a:r>
-              <a:rPr lang="en-US" dirty="0" err="1" smtClean="0"/>
-              <a:t>i</a:t>
-            </a:r>
-            <a:r>
-              <a:rPr lang="en-US" dirty="0" smtClean="0"/>
-              <a:t>) it is at least 28 </a:t>
-            </a:r>
-            <a:r>
-              <a:rPr lang="en-US" dirty="0" err="1" smtClean="0"/>
-              <a:t>bp</a:t>
-            </a:r>
-            <a:r>
-              <a:rPr lang="en-US" dirty="0" smtClean="0"/>
-              <a:t> long and (ii) it maps onto exactly one location. For the read shown in the figure, the 28-bp sequence on its right end maps uniquely, allowing us to stop the global search operation at that point. From there, we extend the partial alignment by directly comparing the remaining sequence and the corresponding genomic sequence, which we can extract directly from the genome using the mapped location as an index. Because the read is error free and contained within one exon, the extension operation sweeps across the remaining 72 </a:t>
-            </a:r>
-            <a:r>
-              <a:rPr lang="en-US" dirty="0" err="1" smtClean="0"/>
-              <a:t>bp</a:t>
-            </a:r>
-            <a:r>
-              <a:rPr lang="en-US" dirty="0" smtClean="0"/>
-              <a:t>, completing the alignment for the read. Note that we could perform this alignment using the global FM index, as TopHat2 does, but the combination of global search and local extension is faster.</a:t>
-            </a:r>
-          </a:p>
-          <a:p>
-            <a:endParaRPr lang="en-US" dirty="0" smtClean="0"/>
-          </a:p>
-          <a:p>
-            <a:r>
-              <a:rPr lang="en-US" dirty="0" smtClean="0"/>
-              <a:t>For the second read, which has a very short 8-bp anchor on the left side, we first try to map the read using global search, moving right to left (Supplementary Fig. 8b). The first 28 </a:t>
-            </a:r>
-            <a:r>
-              <a:rPr lang="en-US" dirty="0" err="1" smtClean="0"/>
-              <a:t>bp</a:t>
-            </a:r>
-            <a:r>
-              <a:rPr lang="en-US" dirty="0" smtClean="0"/>
-              <a:t> on the right end of the read maps uniquely, allowing us to anchor the alignment and halt the global search. We then extend the alignment until we encounter a mismatch at the 93rd base. This mismatch occurs when the alignment extension reaches the intron. At this point we pause the search, retrieve the local FM index that contains this location and align the remaining 8 </a:t>
-            </a:r>
-            <a:r>
-              <a:rPr lang="en-US" dirty="0" err="1" smtClean="0"/>
-              <a:t>bp</a:t>
-            </a:r>
-            <a:r>
-              <a:rPr lang="en-US" dirty="0" smtClean="0"/>
-              <a:t> using this index. Because the index covers only a small region, in this case we find just one match for the 8-bp segment. Finally, we check whether the two partial alignments (8 </a:t>
-            </a:r>
-            <a:r>
-              <a:rPr lang="en-US" dirty="0" err="1" smtClean="0"/>
-              <a:t>bp</a:t>
-            </a:r>
-            <a:r>
-              <a:rPr lang="en-US" dirty="0" smtClean="0"/>
-              <a:t> and 92 </a:t>
-            </a:r>
-            <a:r>
-              <a:rPr lang="en-US" dirty="0" err="1" smtClean="0"/>
-              <a:t>bp</a:t>
-            </a:r>
-            <a:r>
-              <a:rPr lang="en-US" dirty="0" smtClean="0"/>
-              <a:t>) are compatible with each other (for example, in the correct orientation) and then combine them to produce a spliced alignment of the original read.</a:t>
-            </a:r>
-          </a:p>
-          <a:p>
-            <a:endParaRPr lang="en-US" dirty="0" smtClean="0"/>
-          </a:p>
-          <a:p>
-            <a:r>
-              <a:rPr lang="en-US" dirty="0" smtClean="0"/>
-              <a:t>Note that if we searched for an 8-bp sequence in the global index, we would expect to find an average of ~48,000 matching locations in the human genome (and sometimes many more). Instead of examining 48,000 possible locations, we use one of the local FM indexes, which is expected to contain just one copy of a given 8-bp sequence, on average. This two-stage hierarchical indexing allows us to avoid examining tens of thousands of candidate locations for short anchors, which in turn dramatically speeds up the overall alignment algorithm.</a:t>
-            </a:r>
-          </a:p>
-          <a:p>
-            <a:endParaRPr lang="en-US" dirty="0" smtClean="0"/>
-          </a:p>
-          <a:p>
-            <a:r>
-              <a:rPr lang="en-US" dirty="0" smtClean="0"/>
-              <a:t>The third read has long anchors (50 </a:t>
-            </a:r>
-            <a:r>
-              <a:rPr lang="en-US" dirty="0" err="1" smtClean="0"/>
-              <a:t>bp</a:t>
-            </a:r>
-            <a:r>
-              <a:rPr lang="en-US" dirty="0" smtClean="0"/>
-              <a:t> each) in each exon. We first align the read beginning on the right, using global search as we did before. After the first 28 </a:t>
-            </a:r>
-            <a:r>
-              <a:rPr lang="en-US" dirty="0" err="1" smtClean="0"/>
-              <a:t>bp</a:t>
-            </a:r>
-            <a:r>
-              <a:rPr lang="en-US" dirty="0" smtClean="0"/>
-              <a:t> is uniquely mapped, we switch to the extension operation, which further aligns 22 </a:t>
-            </a:r>
-            <a:r>
-              <a:rPr lang="en-US" dirty="0" err="1" smtClean="0"/>
-              <a:t>bp</a:t>
-            </a:r>
-            <a:r>
-              <a:rPr lang="en-US" dirty="0" smtClean="0"/>
-              <a:t> and stops after a mismatch at the 51st base. We then choose a local FM index and perform a local search using the first 8 </a:t>
-            </a:r>
-            <a:r>
-              <a:rPr lang="en-US" dirty="0" err="1" smtClean="0"/>
-              <a:t>bp</a:t>
-            </a:r>
-            <a:r>
-              <a:rPr lang="en-US" dirty="0" smtClean="0"/>
-              <a:t> of the remaining part of the read. Once this 8 </a:t>
-            </a:r>
-            <a:r>
-              <a:rPr lang="en-US" dirty="0" err="1" smtClean="0"/>
-              <a:t>bp</a:t>
-            </a:r>
-            <a:r>
-              <a:rPr lang="en-US" dirty="0" smtClean="0"/>
-              <a:t> is found, HISAT again uses the extension operation to align the rest of the read (Supplementary Fig. 8c). Note that if the 8-bp prefix mapped to too many locations, HISAT would use a longer prefix to reduce the number of potential locations to 5 or fewer.</a:t>
-            </a:r>
-          </a:p>
-          <a:p>
-            <a:endParaRPr lang="en-US" dirty="0" smtClean="0"/>
-          </a:p>
-          <a:p>
-            <a:r>
-              <a:rPr lang="en-US" dirty="0" smtClean="0"/>
-              <a:t>As we can see from these examples, we can combine global search, local search and directed read extension to achieve rapid yet sensitive alignment. Note that when a read has multiple spliced alignments, HISAT prefers to report alignments that use the canonical GT and AG </a:t>
-            </a:r>
-            <a:r>
-              <a:rPr lang="en-US" dirty="0" err="1" smtClean="0"/>
-              <a:t>dinucleotides</a:t>
-            </a:r>
-            <a:r>
-              <a:rPr lang="en-US" dirty="0" smtClean="0"/>
-              <a:t> on the ends of the intron. From any remaining alignments after this filter, it reports the one with the shortest intron length. HISAT provides several parameters with which users can customize its alignment strategy, including adjustable penalties for mismatches, </a:t>
-            </a:r>
-            <a:r>
-              <a:rPr lang="en-US" dirty="0" err="1" smtClean="0"/>
-              <a:t>indels</a:t>
-            </a:r>
-            <a:r>
-              <a:rPr lang="en-US" dirty="0" smtClean="0"/>
-              <a:t> and </a:t>
-            </a:r>
-            <a:r>
-              <a:rPr lang="en-US" dirty="0" err="1" smtClean="0"/>
-              <a:t>noncanonical</a:t>
-            </a:r>
-            <a:r>
-              <a:rPr lang="en-US" dirty="0" smtClean="0"/>
-              <a:t> splice sites (Supplementary Note).</a:t>
-            </a:r>
-            <a:endParaRPr lang="en-US" dirty="0"/>
+            <a:pPr marL="0" marR="0" lvl="1" indent="0" algn="l" defTabSz="914400" rtl="0" eaLnBrk="0" fontAlgn="base" latinLnBrk="0" hangingPunct="0">
+              <a:lnSpc>
+                <a:spcPct val="100000"/>
+              </a:lnSpc>
+              <a:spcBef>
+                <a:spcPct val="30000"/>
+              </a:spcBef>
+              <a:spcAft>
+                <a:spcPct val="0"/>
+              </a:spcAft>
+              <a:buClrTx/>
+              <a:buSzTx/>
+              <a:buFontTx/>
+              <a:buNone/>
+              <a:tabLst/>
+              <a:defRPr/>
+            </a:pPr>
+            <a:r>
+              <a:rPr lang="en-US" dirty="0" smtClean="0">
+                <a:latin typeface="Calibri" charset="0"/>
+                <a:ea typeface="ＭＳ Ｐゴシック" charset="0"/>
+              </a:rPr>
+              <a:t>HISAT's hierarchical index for the human genome contains 48,000 local FM indexes, each representing a genomic region of ~64,000 </a:t>
+            </a:r>
+            <a:r>
+              <a:rPr lang="en-US" dirty="0" err="1" smtClean="0">
+                <a:latin typeface="Calibri" charset="0"/>
+                <a:ea typeface="ＭＳ Ｐゴシック" charset="0"/>
+              </a:rPr>
+              <a:t>bp.</a:t>
+            </a:r>
+            <a:endParaRPr lang="en-US" dirty="0" smtClean="0">
+              <a:latin typeface="Calibri" charset="0"/>
+              <a:ea typeface="ＭＳ Ｐゴシック" charset="0"/>
+            </a:endParaRPr>
           </a:p>
         </p:txBody>
       </p:sp>
@@ -1504,6 +1333,900 @@
                 <a:defRPr/>
               </a:pPr>
               <a:t>11</a:t>
+            </a:fld>
+            <a:endParaRPr lang="en-US"/>
+          </a:p>
+        </p:txBody>
+      </p:sp>
+    </p:spTree>
+    <p:extLst>
+      <p:ext uri="{BB962C8B-B14F-4D97-AF65-F5344CB8AC3E}">
+        <p14:creationId xmlns:p14="http://schemas.microsoft.com/office/powerpoint/2010/main" val="2002211894"/>
+      </p:ext>
+    </p:extLst>
+  </p:cSld>
+  <p:clrMapOvr>
+    <a:masterClrMapping/>
+  </p:clrMapOvr>
+</p:notes>
+</file>
+
+<file path=ppt/notesSlides/notesSlide4.xml><?xml version="1.0" encoding="utf-8"?>
+<p:notes xmlns:a="http://schemas.openxmlformats.org/drawingml/2006/main" xmlns:r="http://schemas.openxmlformats.org/officeDocument/2006/relationships" xmlns:p="http://schemas.openxmlformats.org/presentationml/2006/main">
+  <p:cSld>
+    <p:spTree>
+      <p:nvGrpSpPr>
+        <p:cNvPr id="1" name=""/>
+        <p:cNvGrpSpPr/>
+        <p:nvPr/>
+      </p:nvGrpSpPr>
+      <p:grpSpPr>
+        <a:xfrm>
+          <a:off x="0" y="0"/>
+          <a:ext cx="0" cy="0"/>
+          <a:chOff x="0" y="0"/>
+          <a:chExt cx="0" cy="0"/>
+        </a:xfrm>
+      </p:grpSpPr>
+      <p:sp>
+        <p:nvSpPr>
+          <p:cNvPr id="2" name="Slide Image Placeholder 1"/>
+          <p:cNvSpPr>
+            <a:spLocks noGrp="1" noRot="1" noChangeAspect="1"/>
+          </p:cNvSpPr>
+          <p:nvPr>
+            <p:ph type="sldImg"/>
+          </p:nvPr>
+        </p:nvSpPr>
+        <p:spPr/>
+      </p:sp>
+      <p:sp>
+        <p:nvSpPr>
+          <p:cNvPr id="3" name="Notes Placeholder 2"/>
+          <p:cNvSpPr>
+            <a:spLocks noGrp="1"/>
+          </p:cNvSpPr>
+          <p:nvPr>
+            <p:ph type="body" idx="1"/>
+          </p:nvPr>
+        </p:nvSpPr>
+        <p:spPr/>
+        <p:txBody>
+          <a:bodyPr>
+            <a:normAutofit fontScale="70000" lnSpcReduction="20000"/>
+          </a:bodyPr>
+          <a:lstStyle/>
+          <a:p>
+            <a:r>
+              <a:rPr lang="en-US" dirty="0" smtClean="0"/>
+              <a:t>Alignment of </a:t>
+            </a:r>
+            <a:r>
+              <a:rPr lang="en-US" dirty="0" err="1" smtClean="0"/>
+              <a:t>exonic</a:t>
+            </a:r>
+            <a:r>
+              <a:rPr lang="en-US" dirty="0" smtClean="0"/>
+              <a:t> reads and long- and intermediate-anchored reads.</a:t>
+            </a:r>
+          </a:p>
+          <a:p>
+            <a:r>
+              <a:rPr lang="en-US" dirty="0" smtClean="0"/>
+              <a:t>Given two exons from a gene on human chromosome 22, separated by a 3,899-bp intron, suppose the genomic region is transcribed and spliced and we have three reads sequenced from the resulting transcript: (</a:t>
+            </a:r>
+            <a:r>
+              <a:rPr lang="en-US" dirty="0" err="1" smtClean="0"/>
+              <a:t>i</a:t>
+            </a:r>
+            <a:r>
+              <a:rPr lang="en-US" dirty="0" smtClean="0"/>
+              <a:t>) an </a:t>
+            </a:r>
+            <a:r>
+              <a:rPr lang="en-US" dirty="0" err="1" smtClean="0"/>
+              <a:t>exonic</a:t>
+            </a:r>
+            <a:r>
+              <a:rPr lang="en-US" dirty="0" smtClean="0"/>
+              <a:t> read, (ii) a read spanning two exons with an 8-bp anchor in one exon and (iii) a read spanning two exons with 50 </a:t>
+            </a:r>
+            <a:r>
+              <a:rPr lang="en-US" dirty="0" err="1" smtClean="0"/>
+              <a:t>bp</a:t>
+            </a:r>
+            <a:r>
+              <a:rPr lang="en-US" dirty="0" smtClean="0"/>
+              <a:t> in each exon (Supplementary Fig. 8). All the reads are assumed to be error free and 100 </a:t>
+            </a:r>
+            <a:r>
+              <a:rPr lang="en-US" dirty="0" err="1" smtClean="0"/>
+              <a:t>bp</a:t>
+            </a:r>
+            <a:r>
+              <a:rPr lang="en-US" dirty="0" smtClean="0"/>
+              <a:t> long. We can apply hierarchical indexing to align each of these reads rapidly and correctly. We align the first read using the global FM-index (Supplementary Fig. 8a). Because global search is relatively time consuming, we change strategies when the partial alignment meets two conditions: (</a:t>
+            </a:r>
+            <a:r>
+              <a:rPr lang="en-US" dirty="0" err="1" smtClean="0"/>
+              <a:t>i</a:t>
+            </a:r>
+            <a:r>
+              <a:rPr lang="en-US" dirty="0" smtClean="0"/>
+              <a:t>) it is at least 28 </a:t>
+            </a:r>
+            <a:r>
+              <a:rPr lang="en-US" dirty="0" err="1" smtClean="0"/>
+              <a:t>bp</a:t>
+            </a:r>
+            <a:r>
+              <a:rPr lang="en-US" dirty="0" smtClean="0"/>
+              <a:t> long and (ii) it maps onto exactly one location. For the read shown in the figure, the 28-bp sequence on its right end maps uniquely, allowing us to stop the global search operation at that point. From there, we extend the partial alignment by directly comparing the remaining sequence and the corresponding genomic sequence, which we can extract directly from the genome using the mapped location as an index. Because the read is error free and contained within one exon, the extension operation sweeps across the remaining 72 </a:t>
+            </a:r>
+            <a:r>
+              <a:rPr lang="en-US" dirty="0" err="1" smtClean="0"/>
+              <a:t>bp</a:t>
+            </a:r>
+            <a:r>
+              <a:rPr lang="en-US" dirty="0" smtClean="0"/>
+              <a:t>, completing the alignment for the read. Note that we could perform this alignment using the global FM index, as TopHat2 does, but the combination of global search and local extension is faster.</a:t>
+            </a:r>
+          </a:p>
+          <a:p>
+            <a:endParaRPr lang="en-US" dirty="0" smtClean="0"/>
+          </a:p>
+          <a:p>
+            <a:r>
+              <a:rPr lang="en-US" dirty="0" smtClean="0"/>
+              <a:t>For the second read, which has a very short 8-bp anchor on the left side, we first try to map the read using global search, moving right to left (Supplementary Fig. 8b). The first 28 </a:t>
+            </a:r>
+            <a:r>
+              <a:rPr lang="en-US" dirty="0" err="1" smtClean="0"/>
+              <a:t>bp</a:t>
+            </a:r>
+            <a:r>
+              <a:rPr lang="en-US" dirty="0" smtClean="0"/>
+              <a:t> on the right end of the read maps uniquely, allowing us to anchor the alignment and halt the global search. We then extend the alignment until we encounter a mismatch at the 93rd base. This mismatch occurs when the alignment extension reaches the intron. At this point we pause the search, retrieve the local FM index that contains this location and align the remaining 8 </a:t>
+            </a:r>
+            <a:r>
+              <a:rPr lang="en-US" dirty="0" err="1" smtClean="0"/>
+              <a:t>bp</a:t>
+            </a:r>
+            <a:r>
+              <a:rPr lang="en-US" dirty="0" smtClean="0"/>
+              <a:t> using this index. Because the index covers only a small region, in this case we find just one match for the 8-bp segment. Finally, we check whether the two partial alignments (8 </a:t>
+            </a:r>
+            <a:r>
+              <a:rPr lang="en-US" dirty="0" err="1" smtClean="0"/>
+              <a:t>bp</a:t>
+            </a:r>
+            <a:r>
+              <a:rPr lang="en-US" dirty="0" smtClean="0"/>
+              <a:t> and 92 </a:t>
+            </a:r>
+            <a:r>
+              <a:rPr lang="en-US" dirty="0" err="1" smtClean="0"/>
+              <a:t>bp</a:t>
+            </a:r>
+            <a:r>
+              <a:rPr lang="en-US" dirty="0" smtClean="0"/>
+              <a:t>) are compatible with each other (for example, in the correct orientation) and then combine them to produce a spliced alignment of the original read.</a:t>
+            </a:r>
+          </a:p>
+          <a:p>
+            <a:endParaRPr lang="en-US" dirty="0" smtClean="0"/>
+          </a:p>
+          <a:p>
+            <a:r>
+              <a:rPr lang="en-US" dirty="0" smtClean="0"/>
+              <a:t>Note that if we searched for an 8-bp sequence in the global index, we would expect to find an average of ~48,000 matching locations in the human genome (and sometimes many more). Instead of examining 48,000 possible locations, we use one of the local FM indexes, which is expected to contain just one copy of a given 8-bp sequence, on average. This two-stage hierarchical indexing allows us to avoid examining tens of thousands of candidate locations for short anchors, which in turn dramatically speeds up the overall alignment algorithm.</a:t>
+            </a:r>
+          </a:p>
+          <a:p>
+            <a:endParaRPr lang="en-US" dirty="0" smtClean="0"/>
+          </a:p>
+          <a:p>
+            <a:r>
+              <a:rPr lang="en-US" dirty="0" smtClean="0"/>
+              <a:t>The third read has long anchors (50 </a:t>
+            </a:r>
+            <a:r>
+              <a:rPr lang="en-US" dirty="0" err="1" smtClean="0"/>
+              <a:t>bp</a:t>
+            </a:r>
+            <a:r>
+              <a:rPr lang="en-US" dirty="0" smtClean="0"/>
+              <a:t> each) in each exon. We first align the read beginning on the right, using global search as we did before. After the first 28 </a:t>
+            </a:r>
+            <a:r>
+              <a:rPr lang="en-US" dirty="0" err="1" smtClean="0"/>
+              <a:t>bp</a:t>
+            </a:r>
+            <a:r>
+              <a:rPr lang="en-US" dirty="0" smtClean="0"/>
+              <a:t> is uniquely mapped, we switch to the extension operation, which further aligns 22 </a:t>
+            </a:r>
+            <a:r>
+              <a:rPr lang="en-US" dirty="0" err="1" smtClean="0"/>
+              <a:t>bp</a:t>
+            </a:r>
+            <a:r>
+              <a:rPr lang="en-US" dirty="0" smtClean="0"/>
+              <a:t> and stops after a mismatch at the 51st base. We then choose a local FM index and perform a local search using the first 8 </a:t>
+            </a:r>
+            <a:r>
+              <a:rPr lang="en-US" dirty="0" err="1" smtClean="0"/>
+              <a:t>bp</a:t>
+            </a:r>
+            <a:r>
+              <a:rPr lang="en-US" dirty="0" smtClean="0"/>
+              <a:t> of the remaining part of the read. Once this 8 </a:t>
+            </a:r>
+            <a:r>
+              <a:rPr lang="en-US" dirty="0" err="1" smtClean="0"/>
+              <a:t>bp</a:t>
+            </a:r>
+            <a:r>
+              <a:rPr lang="en-US" dirty="0" smtClean="0"/>
+              <a:t> is found, HISAT again uses the extension operation to align the rest of the read (Supplementary Fig. 8c). Note that if the 8-bp prefix mapped to too many locations, HISAT would use a longer prefix to reduce the number of potential locations to 5 or fewer.</a:t>
+            </a:r>
+          </a:p>
+          <a:p>
+            <a:endParaRPr lang="en-US" dirty="0" smtClean="0"/>
+          </a:p>
+          <a:p>
+            <a:r>
+              <a:rPr lang="en-US" dirty="0" smtClean="0"/>
+              <a:t>As we can see from these examples, we can combine global search, local search and directed read extension to achieve rapid yet sensitive alignment. Note that when a read has multiple spliced alignments, HISAT prefers to report alignments that use the canonical GT and AG </a:t>
+            </a:r>
+            <a:r>
+              <a:rPr lang="en-US" dirty="0" err="1" smtClean="0"/>
+              <a:t>dinucleotides</a:t>
+            </a:r>
+            <a:r>
+              <a:rPr lang="en-US" dirty="0" smtClean="0"/>
+              <a:t> on the ends of the intron. From any remaining alignments after this filter, it reports the one with the shortest intron length. HISAT provides several parameters with which users can customize its alignment strategy, including adjustable penalties for mismatches, </a:t>
+            </a:r>
+            <a:r>
+              <a:rPr lang="en-US" dirty="0" err="1" smtClean="0"/>
+              <a:t>indels</a:t>
+            </a:r>
+            <a:r>
+              <a:rPr lang="en-US" dirty="0" smtClean="0"/>
+              <a:t> and </a:t>
+            </a:r>
+            <a:r>
+              <a:rPr lang="en-US" dirty="0" err="1" smtClean="0"/>
+              <a:t>noncanonical</a:t>
+            </a:r>
+            <a:r>
+              <a:rPr lang="en-US" dirty="0" smtClean="0"/>
+              <a:t> splice sites (Supplementary Note).</a:t>
+            </a:r>
+            <a:endParaRPr lang="en-US" dirty="0"/>
+          </a:p>
+        </p:txBody>
+      </p:sp>
+      <p:sp>
+        <p:nvSpPr>
+          <p:cNvPr id="4" name="Slide Number Placeholder 3"/>
+          <p:cNvSpPr>
+            <a:spLocks noGrp="1"/>
+          </p:cNvSpPr>
+          <p:nvPr>
+            <p:ph type="sldNum" sz="quarter" idx="10"/>
+          </p:nvPr>
+        </p:nvSpPr>
+        <p:spPr/>
+        <p:txBody>
+          <a:bodyPr/>
+          <a:lstStyle/>
+          <a:p>
+            <a:pPr>
+              <a:defRPr/>
+            </a:pPr>
+            <a:fld id="{58FBEE90-0CDA-3447-B595-4F8759630F3A}" type="slidenum">
+              <a:rPr lang="en-US" smtClean="0"/>
+              <a:pPr>
+                <a:defRPr/>
+              </a:pPr>
+              <a:t>12</a:t>
+            </a:fld>
+            <a:endParaRPr lang="en-US"/>
+          </a:p>
+        </p:txBody>
+      </p:sp>
+    </p:spTree>
+    <p:extLst>
+      <p:ext uri="{BB962C8B-B14F-4D97-AF65-F5344CB8AC3E}">
+        <p14:creationId xmlns:p14="http://schemas.microsoft.com/office/powerpoint/2010/main" val="1751439389"/>
+      </p:ext>
+    </p:extLst>
+  </p:cSld>
+  <p:clrMapOvr>
+    <a:masterClrMapping/>
+  </p:clrMapOvr>
+</p:notes>
+</file>
+
+<file path=ppt/notesSlides/notesSlide5.xml><?xml version="1.0" encoding="utf-8"?>
+<p:notes xmlns:a="http://schemas.openxmlformats.org/drawingml/2006/main" xmlns:r="http://schemas.openxmlformats.org/officeDocument/2006/relationships" xmlns:p="http://schemas.openxmlformats.org/presentationml/2006/main">
+  <p:cSld>
+    <p:spTree>
+      <p:nvGrpSpPr>
+        <p:cNvPr id="1" name=""/>
+        <p:cNvGrpSpPr/>
+        <p:nvPr/>
+      </p:nvGrpSpPr>
+      <p:grpSpPr>
+        <a:xfrm>
+          <a:off x="0" y="0"/>
+          <a:ext cx="0" cy="0"/>
+          <a:chOff x="0" y="0"/>
+          <a:chExt cx="0" cy="0"/>
+        </a:xfrm>
+      </p:grpSpPr>
+      <p:sp>
+        <p:nvSpPr>
+          <p:cNvPr id="2" name="Slide Image Placeholder 1"/>
+          <p:cNvSpPr>
+            <a:spLocks noGrp="1" noRot="1" noChangeAspect="1"/>
+          </p:cNvSpPr>
+          <p:nvPr>
+            <p:ph type="sldImg"/>
+          </p:nvPr>
+        </p:nvSpPr>
+        <p:spPr/>
+      </p:sp>
+      <p:sp>
+        <p:nvSpPr>
+          <p:cNvPr id="3" name="Notes Placeholder 2"/>
+          <p:cNvSpPr>
+            <a:spLocks noGrp="1"/>
+          </p:cNvSpPr>
+          <p:nvPr>
+            <p:ph type="body" idx="1"/>
+          </p:nvPr>
+        </p:nvSpPr>
+        <p:spPr/>
+        <p:txBody>
+          <a:bodyPr>
+            <a:normAutofit fontScale="70000" lnSpcReduction="20000"/>
+          </a:bodyPr>
+          <a:lstStyle/>
+          <a:p>
+            <a:r>
+              <a:rPr lang="en-US" dirty="0" smtClean="0"/>
+              <a:t>Alignment of </a:t>
+            </a:r>
+            <a:r>
+              <a:rPr lang="en-US" dirty="0" err="1" smtClean="0"/>
+              <a:t>exonic</a:t>
+            </a:r>
+            <a:r>
+              <a:rPr lang="en-US" dirty="0" smtClean="0"/>
+              <a:t> reads and long- and intermediate-anchored reads.</a:t>
+            </a:r>
+          </a:p>
+          <a:p>
+            <a:r>
+              <a:rPr lang="en-US" dirty="0" smtClean="0"/>
+              <a:t>Given two exons from a gene on human chromosome 22, separated by a 3,899-bp intron, suppose the genomic region is transcribed and spliced and we have three reads sequenced from the resulting transcript: (</a:t>
+            </a:r>
+            <a:r>
+              <a:rPr lang="en-US" dirty="0" err="1" smtClean="0"/>
+              <a:t>i</a:t>
+            </a:r>
+            <a:r>
+              <a:rPr lang="en-US" dirty="0" smtClean="0"/>
+              <a:t>) an </a:t>
+            </a:r>
+            <a:r>
+              <a:rPr lang="en-US" dirty="0" err="1" smtClean="0"/>
+              <a:t>exonic</a:t>
+            </a:r>
+            <a:r>
+              <a:rPr lang="en-US" dirty="0" smtClean="0"/>
+              <a:t> read, (ii) a read spanning two exons with an 8-bp anchor in one exon and (iii) a read spanning two exons with 50 </a:t>
+            </a:r>
+            <a:r>
+              <a:rPr lang="en-US" dirty="0" err="1" smtClean="0"/>
+              <a:t>bp</a:t>
+            </a:r>
+            <a:r>
+              <a:rPr lang="en-US" dirty="0" smtClean="0"/>
+              <a:t> in each exon (Supplementary Fig. 8). All the reads are assumed to be error free and 100 </a:t>
+            </a:r>
+            <a:r>
+              <a:rPr lang="en-US" dirty="0" err="1" smtClean="0"/>
+              <a:t>bp</a:t>
+            </a:r>
+            <a:r>
+              <a:rPr lang="en-US" dirty="0" smtClean="0"/>
+              <a:t> long. We can apply hierarchical indexing to align each of these reads rapidly and correctly. We align the first read using the global FM-index (Supplementary Fig. 8a). Because global search is relatively time consuming, we change strategies when the partial alignment meets two conditions: (</a:t>
+            </a:r>
+            <a:r>
+              <a:rPr lang="en-US" dirty="0" err="1" smtClean="0"/>
+              <a:t>i</a:t>
+            </a:r>
+            <a:r>
+              <a:rPr lang="en-US" dirty="0" smtClean="0"/>
+              <a:t>) it is at least 28 </a:t>
+            </a:r>
+            <a:r>
+              <a:rPr lang="en-US" dirty="0" err="1" smtClean="0"/>
+              <a:t>bp</a:t>
+            </a:r>
+            <a:r>
+              <a:rPr lang="en-US" dirty="0" smtClean="0"/>
+              <a:t> long and (ii) it maps onto exactly one location. For the read shown in the figure, the 28-bp sequence on its right end maps uniquely, allowing us to stop the global search operation at that point. From there, we extend the partial alignment by directly comparing the remaining sequence and the corresponding genomic sequence, which we can extract directly from the genome using the mapped location as an index. Because the read is error free and contained within one exon, the extension operation sweeps across the remaining 72 </a:t>
+            </a:r>
+            <a:r>
+              <a:rPr lang="en-US" dirty="0" err="1" smtClean="0"/>
+              <a:t>bp</a:t>
+            </a:r>
+            <a:r>
+              <a:rPr lang="en-US" dirty="0" smtClean="0"/>
+              <a:t>, completing the alignment for the read. Note that we could perform this alignment using the global FM index, as TopHat2 does, but the combination of global search and local extension is faster.</a:t>
+            </a:r>
+          </a:p>
+          <a:p>
+            <a:endParaRPr lang="en-US" dirty="0" smtClean="0"/>
+          </a:p>
+          <a:p>
+            <a:r>
+              <a:rPr lang="en-US" dirty="0" smtClean="0"/>
+              <a:t>For the second read, which has a very short 8-bp anchor on the left side, we first try to map the read using global search, moving right to left (Supplementary Fig. 8b). The first 28 </a:t>
+            </a:r>
+            <a:r>
+              <a:rPr lang="en-US" dirty="0" err="1" smtClean="0"/>
+              <a:t>bp</a:t>
+            </a:r>
+            <a:r>
+              <a:rPr lang="en-US" dirty="0" smtClean="0"/>
+              <a:t> on the right end of the read maps uniquely, allowing us to anchor the alignment and halt the global search. We then extend the alignment until we encounter a mismatch at the 93rd base. This mismatch occurs when the alignment extension reaches the intron. At this point we pause the search, retrieve the local FM index that contains this location and align the remaining 8 </a:t>
+            </a:r>
+            <a:r>
+              <a:rPr lang="en-US" dirty="0" err="1" smtClean="0"/>
+              <a:t>bp</a:t>
+            </a:r>
+            <a:r>
+              <a:rPr lang="en-US" dirty="0" smtClean="0"/>
+              <a:t> using this index. Because the index covers only a small region, in this case we find just one match for the 8-bp segment. Finally, we check whether the two partial alignments (8 </a:t>
+            </a:r>
+            <a:r>
+              <a:rPr lang="en-US" dirty="0" err="1" smtClean="0"/>
+              <a:t>bp</a:t>
+            </a:r>
+            <a:r>
+              <a:rPr lang="en-US" dirty="0" smtClean="0"/>
+              <a:t> and 92 </a:t>
+            </a:r>
+            <a:r>
+              <a:rPr lang="en-US" dirty="0" err="1" smtClean="0"/>
+              <a:t>bp</a:t>
+            </a:r>
+            <a:r>
+              <a:rPr lang="en-US" dirty="0" smtClean="0"/>
+              <a:t>) are compatible with each other (for example, in the correct orientation) and then combine them to produce a spliced alignment of the original read.</a:t>
+            </a:r>
+          </a:p>
+          <a:p>
+            <a:endParaRPr lang="en-US" dirty="0" smtClean="0"/>
+          </a:p>
+          <a:p>
+            <a:r>
+              <a:rPr lang="en-US" dirty="0" smtClean="0"/>
+              <a:t>Note that if we searched for an 8-bp sequence in the global index, we would expect to find an average of ~48,000 matching locations in the human genome (and sometimes many more). Instead of examining 48,000 possible locations, we use one of the local FM indexes, which is expected to contain just one copy of a given 8-bp sequence, on average. This two-stage hierarchical indexing allows us to avoid examining tens of thousands of candidate locations for short anchors, which in turn dramatically speeds up the overall alignment algorithm.</a:t>
+            </a:r>
+          </a:p>
+          <a:p>
+            <a:endParaRPr lang="en-US" dirty="0" smtClean="0"/>
+          </a:p>
+          <a:p>
+            <a:r>
+              <a:rPr lang="en-US" dirty="0" smtClean="0"/>
+              <a:t>The third read has long anchors (50 </a:t>
+            </a:r>
+            <a:r>
+              <a:rPr lang="en-US" dirty="0" err="1" smtClean="0"/>
+              <a:t>bp</a:t>
+            </a:r>
+            <a:r>
+              <a:rPr lang="en-US" dirty="0" smtClean="0"/>
+              <a:t> each) in each exon. We first align the read beginning on the right, using global search as we did before. After the first 28 </a:t>
+            </a:r>
+            <a:r>
+              <a:rPr lang="en-US" dirty="0" err="1" smtClean="0"/>
+              <a:t>bp</a:t>
+            </a:r>
+            <a:r>
+              <a:rPr lang="en-US" dirty="0" smtClean="0"/>
+              <a:t> is uniquely mapped, we switch to the extension operation, which further aligns 22 </a:t>
+            </a:r>
+            <a:r>
+              <a:rPr lang="en-US" dirty="0" err="1" smtClean="0"/>
+              <a:t>bp</a:t>
+            </a:r>
+            <a:r>
+              <a:rPr lang="en-US" dirty="0" smtClean="0"/>
+              <a:t> and stops after a mismatch at the 51st base. We then choose a local FM index and perform a local search using the first 8 </a:t>
+            </a:r>
+            <a:r>
+              <a:rPr lang="en-US" dirty="0" err="1" smtClean="0"/>
+              <a:t>bp</a:t>
+            </a:r>
+            <a:r>
+              <a:rPr lang="en-US" dirty="0" smtClean="0"/>
+              <a:t> of the remaining part of the read. Once this 8 </a:t>
+            </a:r>
+            <a:r>
+              <a:rPr lang="en-US" dirty="0" err="1" smtClean="0"/>
+              <a:t>bp</a:t>
+            </a:r>
+            <a:r>
+              <a:rPr lang="en-US" dirty="0" smtClean="0"/>
+              <a:t> is found, HISAT again uses the extension operation to align the rest of the read (Supplementary Fig. 8c). Note that if the 8-bp prefix mapped to too many locations, HISAT would use a longer prefix to reduce the number of potential locations to 5 or fewer.</a:t>
+            </a:r>
+          </a:p>
+          <a:p>
+            <a:endParaRPr lang="en-US" dirty="0" smtClean="0"/>
+          </a:p>
+          <a:p>
+            <a:r>
+              <a:rPr lang="en-US" dirty="0" smtClean="0"/>
+              <a:t>As we can see from these examples, we can combine global search, local search and directed read extension to achieve rapid yet sensitive alignment. Note that when a read has multiple spliced alignments, HISAT prefers to report alignments that use the canonical GT and AG </a:t>
+            </a:r>
+            <a:r>
+              <a:rPr lang="en-US" dirty="0" err="1" smtClean="0"/>
+              <a:t>dinucleotides</a:t>
+            </a:r>
+            <a:r>
+              <a:rPr lang="en-US" dirty="0" smtClean="0"/>
+              <a:t> on the ends of the intron. From any remaining alignments after this filter, it reports the one with the shortest intron length. HISAT provides several parameters with which users can customize its alignment strategy, including adjustable penalties for mismatches, </a:t>
+            </a:r>
+            <a:r>
+              <a:rPr lang="en-US" dirty="0" err="1" smtClean="0"/>
+              <a:t>indels</a:t>
+            </a:r>
+            <a:r>
+              <a:rPr lang="en-US" dirty="0" smtClean="0"/>
+              <a:t> and </a:t>
+            </a:r>
+            <a:r>
+              <a:rPr lang="en-US" dirty="0" err="1" smtClean="0"/>
+              <a:t>noncanonical</a:t>
+            </a:r>
+            <a:r>
+              <a:rPr lang="en-US" dirty="0" smtClean="0"/>
+              <a:t> splice sites (Supplementary Note).</a:t>
+            </a:r>
+            <a:endParaRPr lang="en-US" dirty="0"/>
+          </a:p>
+        </p:txBody>
+      </p:sp>
+      <p:sp>
+        <p:nvSpPr>
+          <p:cNvPr id="4" name="Slide Number Placeholder 3"/>
+          <p:cNvSpPr>
+            <a:spLocks noGrp="1"/>
+          </p:cNvSpPr>
+          <p:nvPr>
+            <p:ph type="sldNum" sz="quarter" idx="10"/>
+          </p:nvPr>
+        </p:nvSpPr>
+        <p:spPr/>
+        <p:txBody>
+          <a:bodyPr/>
+          <a:lstStyle/>
+          <a:p>
+            <a:pPr>
+              <a:defRPr/>
+            </a:pPr>
+            <a:fld id="{58FBEE90-0CDA-3447-B595-4F8759630F3A}" type="slidenum">
+              <a:rPr lang="en-US" smtClean="0"/>
+              <a:pPr>
+                <a:defRPr/>
+              </a:pPr>
+              <a:t>13</a:t>
+            </a:fld>
+            <a:endParaRPr lang="en-US"/>
+          </a:p>
+        </p:txBody>
+      </p:sp>
+    </p:spTree>
+    <p:extLst>
+      <p:ext uri="{BB962C8B-B14F-4D97-AF65-F5344CB8AC3E}">
+        <p14:creationId xmlns:p14="http://schemas.microsoft.com/office/powerpoint/2010/main" val="1751439389"/>
+      </p:ext>
+    </p:extLst>
+  </p:cSld>
+  <p:clrMapOvr>
+    <a:masterClrMapping/>
+  </p:clrMapOvr>
+</p:notes>
+</file>
+
+<file path=ppt/notesSlides/notesSlide6.xml><?xml version="1.0" encoding="utf-8"?>
+<p:notes xmlns:a="http://schemas.openxmlformats.org/drawingml/2006/main" xmlns:r="http://schemas.openxmlformats.org/officeDocument/2006/relationships" xmlns:p="http://schemas.openxmlformats.org/presentationml/2006/main">
+  <p:cSld>
+    <p:spTree>
+      <p:nvGrpSpPr>
+        <p:cNvPr id="1" name=""/>
+        <p:cNvGrpSpPr/>
+        <p:nvPr/>
+      </p:nvGrpSpPr>
+      <p:grpSpPr>
+        <a:xfrm>
+          <a:off x="0" y="0"/>
+          <a:ext cx="0" cy="0"/>
+          <a:chOff x="0" y="0"/>
+          <a:chExt cx="0" cy="0"/>
+        </a:xfrm>
+      </p:grpSpPr>
+      <p:sp>
+        <p:nvSpPr>
+          <p:cNvPr id="2" name="Slide Image Placeholder 1"/>
+          <p:cNvSpPr>
+            <a:spLocks noGrp="1" noRot="1" noChangeAspect="1"/>
+          </p:cNvSpPr>
+          <p:nvPr>
+            <p:ph type="sldImg"/>
+          </p:nvPr>
+        </p:nvSpPr>
+        <p:spPr/>
+      </p:sp>
+      <p:sp>
+        <p:nvSpPr>
+          <p:cNvPr id="3" name="Notes Placeholder 2"/>
+          <p:cNvSpPr>
+            <a:spLocks noGrp="1"/>
+          </p:cNvSpPr>
+          <p:nvPr>
+            <p:ph type="body" idx="1"/>
+          </p:nvPr>
+        </p:nvSpPr>
+        <p:spPr/>
+        <p:txBody>
+          <a:bodyPr>
+            <a:normAutofit fontScale="70000" lnSpcReduction="20000"/>
+          </a:bodyPr>
+          <a:lstStyle/>
+          <a:p>
+            <a:r>
+              <a:rPr lang="en-US" dirty="0" smtClean="0"/>
+              <a:t>Alignment of </a:t>
+            </a:r>
+            <a:r>
+              <a:rPr lang="en-US" dirty="0" err="1" smtClean="0"/>
+              <a:t>exonic</a:t>
+            </a:r>
+            <a:r>
+              <a:rPr lang="en-US" dirty="0" smtClean="0"/>
+              <a:t> reads and long- and intermediate-anchored reads.</a:t>
+            </a:r>
+          </a:p>
+          <a:p>
+            <a:r>
+              <a:rPr lang="en-US" dirty="0" smtClean="0"/>
+              <a:t>Given two exons from a gene on human chromosome 22, separated by a 3,899-bp intron, suppose the genomic region is transcribed and spliced and we have three reads sequenced from the resulting transcript: (</a:t>
+            </a:r>
+            <a:r>
+              <a:rPr lang="en-US" dirty="0" err="1" smtClean="0"/>
+              <a:t>i</a:t>
+            </a:r>
+            <a:r>
+              <a:rPr lang="en-US" dirty="0" smtClean="0"/>
+              <a:t>) an </a:t>
+            </a:r>
+            <a:r>
+              <a:rPr lang="en-US" dirty="0" err="1" smtClean="0"/>
+              <a:t>exonic</a:t>
+            </a:r>
+            <a:r>
+              <a:rPr lang="en-US" dirty="0" smtClean="0"/>
+              <a:t> read, (ii) a read spanning two exons with an 8-bp anchor in one exon and (iii) a read spanning two exons with 50 </a:t>
+            </a:r>
+            <a:r>
+              <a:rPr lang="en-US" dirty="0" err="1" smtClean="0"/>
+              <a:t>bp</a:t>
+            </a:r>
+            <a:r>
+              <a:rPr lang="en-US" dirty="0" smtClean="0"/>
+              <a:t> in each exon (Supplementary Fig. 8). All the reads are assumed to be error free and 100 </a:t>
+            </a:r>
+            <a:r>
+              <a:rPr lang="en-US" dirty="0" err="1" smtClean="0"/>
+              <a:t>bp</a:t>
+            </a:r>
+            <a:r>
+              <a:rPr lang="en-US" dirty="0" smtClean="0"/>
+              <a:t> long. We can apply hierarchical indexing to align each of these reads rapidly and correctly. We align the first read using the global FM-index (Supplementary Fig. 8a). Because global search is relatively time consuming, we change strategies when the partial alignment meets two conditions: (</a:t>
+            </a:r>
+            <a:r>
+              <a:rPr lang="en-US" dirty="0" err="1" smtClean="0"/>
+              <a:t>i</a:t>
+            </a:r>
+            <a:r>
+              <a:rPr lang="en-US" dirty="0" smtClean="0"/>
+              <a:t>) it is at least 28 </a:t>
+            </a:r>
+            <a:r>
+              <a:rPr lang="en-US" dirty="0" err="1" smtClean="0"/>
+              <a:t>bp</a:t>
+            </a:r>
+            <a:r>
+              <a:rPr lang="en-US" dirty="0" smtClean="0"/>
+              <a:t> long and (ii) it maps onto exactly one location. For the read shown in the figure, the 28-bp sequence on its right end maps uniquely, allowing us to stop the global search operation at that point. From there, we extend the partial alignment by directly comparing the remaining sequence and the corresponding genomic sequence, which we can extract directly from the genome using the mapped location as an index. Because the read is error free and contained within one exon, the extension operation sweeps across the remaining 72 </a:t>
+            </a:r>
+            <a:r>
+              <a:rPr lang="en-US" dirty="0" err="1" smtClean="0"/>
+              <a:t>bp</a:t>
+            </a:r>
+            <a:r>
+              <a:rPr lang="en-US" dirty="0" smtClean="0"/>
+              <a:t>, completing the alignment for the read. Note that we could perform this alignment using the global FM index, as TopHat2 does, but the combination of global search and local extension is faster.</a:t>
+            </a:r>
+          </a:p>
+          <a:p>
+            <a:endParaRPr lang="en-US" dirty="0" smtClean="0"/>
+          </a:p>
+          <a:p>
+            <a:r>
+              <a:rPr lang="en-US" dirty="0" smtClean="0"/>
+              <a:t>For the second read, which has a very short 8-bp anchor on the left side, we first try to map the read using global search, moving right to left (Supplementary Fig. 8b). The first 28 </a:t>
+            </a:r>
+            <a:r>
+              <a:rPr lang="en-US" dirty="0" err="1" smtClean="0"/>
+              <a:t>bp</a:t>
+            </a:r>
+            <a:r>
+              <a:rPr lang="en-US" dirty="0" smtClean="0"/>
+              <a:t> on the right end of the read maps uniquely, allowing us to anchor the alignment and halt the global search. We then extend the alignment until we encounter a mismatch at the 93rd base. This mismatch occurs when the alignment extension reaches the intron. At this point we pause the search, retrieve the local FM index that contains this location and align the remaining 8 </a:t>
+            </a:r>
+            <a:r>
+              <a:rPr lang="en-US" dirty="0" err="1" smtClean="0"/>
+              <a:t>bp</a:t>
+            </a:r>
+            <a:r>
+              <a:rPr lang="en-US" dirty="0" smtClean="0"/>
+              <a:t> using this index. Because the index covers only a small region, in this case we find just one match for the 8-bp segment. Finally, we check whether the two partial alignments (8 </a:t>
+            </a:r>
+            <a:r>
+              <a:rPr lang="en-US" dirty="0" err="1" smtClean="0"/>
+              <a:t>bp</a:t>
+            </a:r>
+            <a:r>
+              <a:rPr lang="en-US" dirty="0" smtClean="0"/>
+              <a:t> and 92 </a:t>
+            </a:r>
+            <a:r>
+              <a:rPr lang="en-US" dirty="0" err="1" smtClean="0"/>
+              <a:t>bp</a:t>
+            </a:r>
+            <a:r>
+              <a:rPr lang="en-US" dirty="0" smtClean="0"/>
+              <a:t>) are compatible with each other (for example, in the correct orientation) and then combine them to produce a spliced alignment of the original read.</a:t>
+            </a:r>
+          </a:p>
+          <a:p>
+            <a:endParaRPr lang="en-US" dirty="0" smtClean="0"/>
+          </a:p>
+          <a:p>
+            <a:r>
+              <a:rPr lang="en-US" dirty="0" smtClean="0"/>
+              <a:t>Note that if we searched for an 8-bp sequence in the global index, we would expect to find an average of ~48,000 matching locations in the human genome (and sometimes many more). Instead of examining 48,000 possible locations, we use one of the local FM indexes, which is expected to contain just one copy of a given 8-bp sequence, on average. This two-stage hierarchical indexing allows us to avoid examining tens of thousands of candidate locations for short anchors, which in turn dramatically speeds up the overall alignment algorithm.</a:t>
+            </a:r>
+          </a:p>
+          <a:p>
+            <a:endParaRPr lang="en-US" dirty="0" smtClean="0"/>
+          </a:p>
+          <a:p>
+            <a:r>
+              <a:rPr lang="en-US" dirty="0" smtClean="0"/>
+              <a:t>The third read has long anchors (50 </a:t>
+            </a:r>
+            <a:r>
+              <a:rPr lang="en-US" dirty="0" err="1" smtClean="0"/>
+              <a:t>bp</a:t>
+            </a:r>
+            <a:r>
+              <a:rPr lang="en-US" dirty="0" smtClean="0"/>
+              <a:t> each) in each exon. We first align the read beginning on the right, using global search as we did before. After the first 28 </a:t>
+            </a:r>
+            <a:r>
+              <a:rPr lang="en-US" dirty="0" err="1" smtClean="0"/>
+              <a:t>bp</a:t>
+            </a:r>
+            <a:r>
+              <a:rPr lang="en-US" dirty="0" smtClean="0"/>
+              <a:t> is uniquely mapped, we switch to the extension operation, which further aligns 22 </a:t>
+            </a:r>
+            <a:r>
+              <a:rPr lang="en-US" dirty="0" err="1" smtClean="0"/>
+              <a:t>bp</a:t>
+            </a:r>
+            <a:r>
+              <a:rPr lang="en-US" dirty="0" smtClean="0"/>
+              <a:t> and stops after a mismatch at the 51st base. We then choose a local FM index and perform a local search using the first 8 </a:t>
+            </a:r>
+            <a:r>
+              <a:rPr lang="en-US" dirty="0" err="1" smtClean="0"/>
+              <a:t>bp</a:t>
+            </a:r>
+            <a:r>
+              <a:rPr lang="en-US" dirty="0" smtClean="0"/>
+              <a:t> of the remaining part of the read. Once this 8 </a:t>
+            </a:r>
+            <a:r>
+              <a:rPr lang="en-US" dirty="0" err="1" smtClean="0"/>
+              <a:t>bp</a:t>
+            </a:r>
+            <a:r>
+              <a:rPr lang="en-US" dirty="0" smtClean="0"/>
+              <a:t> is found, HISAT again uses the extension operation to align the rest of the read (Supplementary Fig. 8c). Note that if the 8-bp prefix mapped to too many locations, HISAT would use a longer prefix to reduce the number of potential locations to 5 or fewer.</a:t>
+            </a:r>
+          </a:p>
+          <a:p>
+            <a:endParaRPr lang="en-US" dirty="0" smtClean="0"/>
+          </a:p>
+          <a:p>
+            <a:r>
+              <a:rPr lang="en-US" dirty="0" smtClean="0"/>
+              <a:t>As we can see from these examples, we can combine global search, local search and directed read extension to achieve rapid yet sensitive alignment. Note that when a read has multiple spliced alignments, HISAT prefers to report alignments that use the canonical GT and AG </a:t>
+            </a:r>
+            <a:r>
+              <a:rPr lang="en-US" dirty="0" err="1" smtClean="0"/>
+              <a:t>dinucleotides</a:t>
+            </a:r>
+            <a:r>
+              <a:rPr lang="en-US" dirty="0" smtClean="0"/>
+              <a:t> on the ends of the intron. From any remaining alignments after this filter, it reports the one with the shortest intron length. HISAT provides several parameters with which users can customize its alignment strategy, including adjustable penalties for mismatches, </a:t>
+            </a:r>
+            <a:r>
+              <a:rPr lang="en-US" dirty="0" err="1" smtClean="0"/>
+              <a:t>indels</a:t>
+            </a:r>
+            <a:r>
+              <a:rPr lang="en-US" dirty="0" smtClean="0"/>
+              <a:t> and </a:t>
+            </a:r>
+            <a:r>
+              <a:rPr lang="en-US" dirty="0" err="1" smtClean="0"/>
+              <a:t>noncanonical</a:t>
+            </a:r>
+            <a:r>
+              <a:rPr lang="en-US" dirty="0" smtClean="0"/>
+              <a:t> splice sites (Supplementary Note).</a:t>
+            </a:r>
+            <a:endParaRPr lang="en-US" dirty="0"/>
+          </a:p>
+        </p:txBody>
+      </p:sp>
+      <p:sp>
+        <p:nvSpPr>
+          <p:cNvPr id="4" name="Slide Number Placeholder 3"/>
+          <p:cNvSpPr>
+            <a:spLocks noGrp="1"/>
+          </p:cNvSpPr>
+          <p:nvPr>
+            <p:ph type="sldNum" sz="quarter" idx="10"/>
+          </p:nvPr>
+        </p:nvSpPr>
+        <p:spPr/>
+        <p:txBody>
+          <a:bodyPr/>
+          <a:lstStyle/>
+          <a:p>
+            <a:pPr>
+              <a:defRPr/>
+            </a:pPr>
+            <a:fld id="{58FBEE90-0CDA-3447-B595-4F8759630F3A}" type="slidenum">
+              <a:rPr lang="en-US" smtClean="0"/>
+              <a:pPr>
+                <a:defRPr/>
+              </a:pPr>
+              <a:t>14</a:t>
             </a:fld>
             <a:endParaRPr lang="en-US"/>
           </a:p>
@@ -4636,7 +5359,7 @@
         </p:spPr>
         <p:txBody>
           <a:bodyPr>
-            <a:normAutofit fontScale="77500" lnSpcReduction="20000"/>
+            <a:normAutofit fontScale="70000" lnSpcReduction="20000"/>
           </a:bodyPr>
           <a:lstStyle/>
           <a:p>
@@ -4738,14 +5461,14 @@
                 <a:latin typeface="Calibri" charset="0"/>
                 <a:ea typeface="ＭＳ Ｐゴシック" charset="0"/>
               </a:rPr>
-              <a:t>two </a:t>
+              <a:t>Multiple types </a:t>
             </a:r>
             <a:r>
               <a:rPr lang="en-US" dirty="0">
                 <a:latin typeface="Calibri" charset="0"/>
                 <a:ea typeface="ＭＳ Ｐゴシック" charset="0"/>
               </a:rPr>
-              <a:t>types of indexes for </a:t>
+              <a:t>of indexes for </a:t>
             </a:r>
             <a:r>
               <a:rPr lang="en-US" dirty="0" smtClean="0">
@@ -4795,6 +5518,22 @@
                 <a:ea typeface="ＭＳ Ｐゴシック" charset="0"/>
               </a:rPr>
               <a:t>local FM indexes for very rapid extensions of these alignments. </a:t>
+            </a:r>
+            <a:endParaRPr lang="en-US" dirty="0" smtClean="0">
+              <a:latin typeface="Calibri" charset="0"/>
+              <a:ea typeface="ＭＳ Ｐゴシック" charset="0"/>
+            </a:endParaRPr>
+          </a:p>
+          <a:p>
+            <a:pPr lvl="1">
+              <a:defRPr/>
+            </a:pPr>
+            <a:r>
+              <a:rPr lang="en-US" dirty="0" smtClean="0">
+                <a:latin typeface="Calibri" charset="0"/>
+                <a:ea typeface="ＭＳ Ｐゴシック" charset="0"/>
+              </a:rPr>
+              <a:t>Whole-genome indices with SNPs and known transcript structures accounted for</a:t>
             </a:r>
             <a:endParaRPr lang="en-US" dirty="0" smtClean="0">
               <a:latin typeface="Calibri" charset="0"/>
@@ -5046,6 +5785,483 @@
           <a:chExt cx="0" cy="0"/>
         </a:xfrm>
       </p:grpSpPr>
+      <p:sp>
+        <p:nvSpPr>
+          <p:cNvPr id="20481" name="Title 1"/>
+          <p:cNvSpPr>
+            <a:spLocks noGrp="1"/>
+          </p:cNvSpPr>
+          <p:nvPr>
+            <p:ph type="title"/>
+          </p:nvPr>
+        </p:nvSpPr>
+        <p:spPr>
+          <a:xfrm>
+            <a:off x="152400" y="-26987"/>
+            <a:ext cx="8839200" cy="935708"/>
+          </a:xfrm>
+        </p:spPr>
+        <p:txBody>
+          <a:bodyPr/>
+          <a:lstStyle/>
+          <a:p>
+            <a:r>
+              <a:rPr lang="en-US" dirty="0" smtClean="0">
+                <a:latin typeface="Calibri" charset="0"/>
+                <a:ea typeface="ＭＳ Ｐゴシック" charset="0"/>
+              </a:rPr>
+              <a:t>HISAT/HISAT2</a:t>
+            </a:r>
+            <a:endParaRPr lang="en-US" dirty="0">
+              <a:latin typeface="Calibri" charset="0"/>
+              <a:ea typeface="ＭＳ Ｐゴシック" charset="0"/>
+            </a:endParaRPr>
+          </a:p>
+        </p:txBody>
+      </p:sp>
+      <p:sp>
+        <p:nvSpPr>
+          <p:cNvPr id="26626" name="Content Placeholder 2"/>
+          <p:cNvSpPr>
+            <a:spLocks noGrp="1"/>
+          </p:cNvSpPr>
+          <p:nvPr>
+            <p:ph idx="1"/>
+          </p:nvPr>
+        </p:nvSpPr>
+        <p:spPr>
+          <a:xfrm>
+            <a:off x="152400" y="1341438"/>
+            <a:ext cx="4059238" cy="4724400"/>
+          </a:xfrm>
+        </p:spPr>
+        <p:txBody>
+          <a:bodyPr>
+            <a:normAutofit fontScale="62500" lnSpcReduction="20000"/>
+          </a:bodyPr>
+          <a:lstStyle/>
+          <a:p>
+            <a:pPr>
+              <a:defRPr/>
+            </a:pPr>
+            <a:r>
+              <a:rPr lang="en-US" dirty="0" smtClean="0">
+                <a:latin typeface="Calibri" charset="0"/>
+                <a:ea typeface="ＭＳ Ｐゴシック" charset="0"/>
+              </a:rPr>
+              <a:t>Uses hierarchical </a:t>
+            </a:r>
+            <a:r>
+              <a:rPr lang="en-US" dirty="0">
+                <a:latin typeface="Calibri" charset="0"/>
+                <a:ea typeface="ＭＳ Ｐゴシック" charset="0"/>
+              </a:rPr>
+              <a:t>indexing algorithm </a:t>
+            </a:r>
+            <a:r>
+              <a:rPr lang="en-US" dirty="0" smtClean="0">
+                <a:latin typeface="Calibri" charset="0"/>
+                <a:ea typeface="ＭＳ Ｐゴシック" charset="0"/>
+              </a:rPr>
+              <a:t>and several </a:t>
+            </a:r>
+            <a:r>
+              <a:rPr lang="en-US" dirty="0">
+                <a:latin typeface="Calibri" charset="0"/>
+                <a:ea typeface="ＭＳ Ｐゴシック" charset="0"/>
+              </a:rPr>
+              <a:t>adaptive strategies, based on the position of a read with respect to splice </a:t>
+            </a:r>
+            <a:r>
+              <a:rPr lang="en-US" dirty="0" smtClean="0">
+                <a:latin typeface="Calibri" charset="0"/>
+                <a:ea typeface="ＭＳ Ｐゴシック" charset="0"/>
+              </a:rPr>
+              <a:t>sites</a:t>
+            </a:r>
+            <a:endParaRPr lang="en-US" dirty="0">
+              <a:latin typeface="Calibri" charset="0"/>
+              <a:ea typeface="ＭＳ Ｐゴシック" charset="0"/>
+            </a:endParaRPr>
+          </a:p>
+          <a:p>
+            <a:pPr>
+              <a:defRPr/>
+            </a:pPr>
+            <a:r>
+              <a:rPr lang="en-US" dirty="0" smtClean="0">
+                <a:latin typeface="Calibri" charset="0"/>
+                <a:ea typeface="ＭＳ Ｐゴシック" charset="0"/>
+              </a:rPr>
+              <a:t>First </a:t>
+            </a:r>
+            <a:r>
+              <a:rPr lang="en-US" dirty="0">
+                <a:latin typeface="Calibri" charset="0"/>
+                <a:ea typeface="ＭＳ Ｐゴシック" charset="0"/>
+              </a:rPr>
+              <a:t>tries to find candidate locations across the target genome from which the read may have </a:t>
+            </a:r>
+            <a:r>
+              <a:rPr lang="en-US" dirty="0" smtClean="0">
+                <a:latin typeface="Calibri" charset="0"/>
+                <a:ea typeface="ＭＳ Ｐゴシック" charset="0"/>
+              </a:rPr>
+              <a:t>originated by mapping </a:t>
+            </a:r>
+            <a:r>
+              <a:rPr lang="en-US" dirty="0">
+                <a:latin typeface="Calibri" charset="0"/>
+                <a:ea typeface="ＭＳ Ｐゴシック" charset="0"/>
+              </a:rPr>
+              <a:t>part of each read using the global FM index, which in most cases identifies one or a small number of </a:t>
+            </a:r>
+            <a:r>
+              <a:rPr lang="en-US" dirty="0" smtClean="0">
+                <a:latin typeface="Calibri" charset="0"/>
+                <a:ea typeface="ＭＳ Ｐゴシック" charset="0"/>
+              </a:rPr>
+              <a:t>candidates. </a:t>
+            </a:r>
+          </a:p>
+          <a:p>
+            <a:pPr>
+              <a:defRPr/>
+            </a:pPr>
+            <a:r>
+              <a:rPr lang="en-US" dirty="0" smtClean="0">
+                <a:latin typeface="Calibri" charset="0"/>
+                <a:ea typeface="ＭＳ Ｐゴシック" charset="0"/>
+              </a:rPr>
+              <a:t>Then </a:t>
+            </a:r>
+            <a:r>
+              <a:rPr lang="en-US" dirty="0">
+                <a:latin typeface="Calibri" charset="0"/>
+                <a:ea typeface="ＭＳ Ｐゴシック" charset="0"/>
+              </a:rPr>
+              <a:t>selects one of </a:t>
+            </a:r>
+            <a:r>
+              <a:rPr lang="en-US" dirty="0" smtClean="0">
+                <a:latin typeface="Calibri" charset="0"/>
+                <a:ea typeface="ＭＳ Ｐゴシック" charset="0"/>
+              </a:rPr>
+              <a:t>~</a:t>
+            </a:r>
+            <a:r>
+              <a:rPr lang="en-US" dirty="0">
+                <a:latin typeface="Calibri" charset="0"/>
+                <a:ea typeface="ＭＳ Ｐゴシック" charset="0"/>
+              </a:rPr>
+              <a:t>48,000 local indexes for each candidate and uses it to align the remainder of the read</a:t>
+            </a:r>
+            <a:r>
+              <a:rPr lang="en-US" dirty="0" smtClean="0">
+                <a:latin typeface="Calibri" charset="0"/>
+                <a:ea typeface="ＭＳ Ｐゴシック" charset="0"/>
+              </a:rPr>
+              <a:t>.</a:t>
+            </a:r>
+          </a:p>
+          <a:p>
+            <a:pPr>
+              <a:defRPr/>
+            </a:pPr>
+            <a:r>
+              <a:rPr lang="en-US" dirty="0" smtClean="0">
+                <a:latin typeface="Calibri" charset="0"/>
+                <a:ea typeface="ＭＳ Ｐゴシック" charset="0"/>
+              </a:rPr>
+              <a:t>For paired reads, </a:t>
+            </a:r>
+            <a:r>
+              <a:rPr lang="en-US" dirty="0">
+                <a:latin typeface="Calibri" charset="0"/>
+                <a:ea typeface="ＭＳ Ｐゴシック" charset="0"/>
+              </a:rPr>
+              <a:t>each mate is separately aligned and the alignments of both mates are combined. </a:t>
+            </a:r>
+            <a:endParaRPr lang="en-US" dirty="0" smtClean="0">
+              <a:latin typeface="Calibri" charset="0"/>
+              <a:ea typeface="ＭＳ Ｐゴシック" charset="0"/>
+            </a:endParaRPr>
+          </a:p>
+          <a:p>
+            <a:pPr lvl="1">
+              <a:defRPr/>
+            </a:pPr>
+            <a:r>
+              <a:rPr lang="en-US" dirty="0" smtClean="0">
+                <a:latin typeface="Calibri" charset="0"/>
+                <a:ea typeface="ＭＳ Ｐゴシック" charset="0"/>
+              </a:rPr>
+              <a:t>If </a:t>
+            </a:r>
+            <a:r>
+              <a:rPr lang="en-US" dirty="0">
+                <a:latin typeface="Calibri" charset="0"/>
+                <a:ea typeface="ＭＳ Ｐゴシック" charset="0"/>
+              </a:rPr>
+              <a:t>a read fails to align, then the alignments of its mate are used as anchors to map the unaligned </a:t>
+            </a:r>
+            <a:r>
+              <a:rPr lang="en-US" dirty="0" smtClean="0">
+                <a:latin typeface="Calibri" charset="0"/>
+                <a:ea typeface="ＭＳ Ｐゴシック" charset="0"/>
+              </a:rPr>
+              <a:t>mate</a:t>
+            </a:r>
+            <a:endParaRPr lang="en-US" dirty="0" smtClean="0">
+              <a:latin typeface="Calibri" charset="0"/>
+              <a:ea typeface="ＭＳ Ｐゴシック" charset="0"/>
+            </a:endParaRPr>
+          </a:p>
+        </p:txBody>
+      </p:sp>
+      <p:sp>
+        <p:nvSpPr>
+          <p:cNvPr id="20484" name="TextBox 4"/>
+          <p:cNvSpPr txBox="1">
+            <a:spLocks noChangeArrowheads="1"/>
+          </p:cNvSpPr>
+          <p:nvPr/>
+        </p:nvSpPr>
+        <p:spPr bwMode="auto">
+          <a:xfrm>
+            <a:off x="179512" y="5970766"/>
+            <a:ext cx="4176464" cy="338554"/>
+          </a:xfrm>
+          <a:prstGeom prst="rect">
+            <a:avLst/>
+          </a:prstGeom>
+          <a:noFill/>
+          <a:ln>
+            <a:noFill/>
+          </a:ln>
+          <a:extLst>
+            <a:ext uri="{909E8E84-426E-40dd-AFC4-6F175D3DCCD1}">
+              <a14:hiddenFill xmlns:a14="http://schemas.microsoft.com/office/drawing/2010/main">
+                <a:solidFill>
+                  <a:srgbClr val="FFFFFF"/>
+                </a:solidFill>
+              </a14:hiddenFill>
+            </a:ext>
+            <a:ext uri="{91240B29-F687-4f45-9708-019B960494DF}">
+              <a14:hiddenLine xmlns:a14="http://schemas.microsoft.com/office/drawing/2010/main" w="9525">
+                <a:solidFill>
+                  <a:srgbClr val="000000"/>
+                </a:solidFill>
+                <a:miter lim="800000"/>
+                <a:headEnd/>
+                <a:tailEnd/>
+              </a14:hiddenLine>
+            </a:ext>
+          </a:extLst>
+        </p:spPr>
+        <p:txBody>
+          <a:bodyPr wrap="square">
+            <a:spAutoFit/>
+          </a:bodyPr>
+          <a:lstStyle>
+            <a:lvl1pPr eaLnBrk="0" hangingPunct="0">
+              <a:defRPr sz="2400">
+                <a:solidFill>
+                  <a:schemeClr val="tx1"/>
+                </a:solidFill>
+                <a:latin typeface="Arial" charset="0"/>
+                <a:ea typeface="ＭＳ Ｐゴシック" charset="0"/>
+                <a:cs typeface="ＭＳ Ｐゴシック" charset="0"/>
+              </a:defRPr>
+            </a:lvl1pPr>
+            <a:lvl2pPr marL="742950" indent="-285750" eaLnBrk="0" hangingPunct="0">
+              <a:defRPr sz="2400">
+                <a:solidFill>
+                  <a:schemeClr val="tx1"/>
+                </a:solidFill>
+                <a:latin typeface="Arial" charset="0"/>
+                <a:ea typeface="ＭＳ Ｐゴシック" charset="0"/>
+              </a:defRPr>
+            </a:lvl2pPr>
+            <a:lvl3pPr marL="1143000" indent="-228600" eaLnBrk="0" hangingPunct="0">
+              <a:defRPr sz="2400">
+                <a:solidFill>
+                  <a:schemeClr val="tx1"/>
+                </a:solidFill>
+                <a:latin typeface="Arial" charset="0"/>
+                <a:ea typeface="ＭＳ Ｐゴシック" charset="0"/>
+              </a:defRPr>
+            </a:lvl3pPr>
+            <a:lvl4pPr marL="1600200" indent="-228600" eaLnBrk="0" hangingPunct="0">
+              <a:defRPr sz="2400">
+                <a:solidFill>
+                  <a:schemeClr val="tx1"/>
+                </a:solidFill>
+                <a:latin typeface="Arial" charset="0"/>
+                <a:ea typeface="ＭＳ Ｐゴシック" charset="0"/>
+              </a:defRPr>
+            </a:lvl4pPr>
+            <a:lvl5pPr marL="2057400" indent="-228600" eaLnBrk="0" hangingPunct="0">
+              <a:defRPr sz="2400">
+                <a:solidFill>
+                  <a:schemeClr val="tx1"/>
+                </a:solidFill>
+                <a:latin typeface="Arial" charset="0"/>
+                <a:ea typeface="ＭＳ Ｐゴシック" charset="0"/>
+              </a:defRPr>
+            </a:lvl5pPr>
+            <a:lvl6pPr marL="2514600" indent="-228600" eaLnBrk="0" fontAlgn="base" hangingPunct="0">
+              <a:spcBef>
+                <a:spcPct val="0"/>
+              </a:spcBef>
+              <a:spcAft>
+                <a:spcPct val="0"/>
+              </a:spcAft>
+              <a:defRPr sz="2400">
+                <a:solidFill>
+                  <a:schemeClr val="tx1"/>
+                </a:solidFill>
+                <a:latin typeface="Arial" charset="0"/>
+                <a:ea typeface="ＭＳ Ｐゴシック" charset="0"/>
+              </a:defRPr>
+            </a:lvl6pPr>
+            <a:lvl7pPr marL="2971800" indent="-228600" eaLnBrk="0" fontAlgn="base" hangingPunct="0">
+              <a:spcBef>
+                <a:spcPct val="0"/>
+              </a:spcBef>
+              <a:spcAft>
+                <a:spcPct val="0"/>
+              </a:spcAft>
+              <a:defRPr sz="2400">
+                <a:solidFill>
+                  <a:schemeClr val="tx1"/>
+                </a:solidFill>
+                <a:latin typeface="Arial" charset="0"/>
+                <a:ea typeface="ＭＳ Ｐゴシック" charset="0"/>
+              </a:defRPr>
+            </a:lvl7pPr>
+            <a:lvl8pPr marL="3429000" indent="-228600" eaLnBrk="0" fontAlgn="base" hangingPunct="0">
+              <a:spcBef>
+                <a:spcPct val="0"/>
+              </a:spcBef>
+              <a:spcAft>
+                <a:spcPct val="0"/>
+              </a:spcAft>
+              <a:defRPr sz="2400">
+                <a:solidFill>
+                  <a:schemeClr val="tx1"/>
+                </a:solidFill>
+                <a:latin typeface="Arial" charset="0"/>
+                <a:ea typeface="ＭＳ Ｐゴシック" charset="0"/>
+              </a:defRPr>
+            </a:lvl8pPr>
+            <a:lvl9pPr marL="3886200" indent="-228600" eaLnBrk="0" fontAlgn="base" hangingPunct="0">
+              <a:spcBef>
+                <a:spcPct val="0"/>
+              </a:spcBef>
+              <a:spcAft>
+                <a:spcPct val="0"/>
+              </a:spcAft>
+              <a:defRPr sz="2400">
+                <a:solidFill>
+                  <a:schemeClr val="tx1"/>
+                </a:solidFill>
+                <a:latin typeface="Arial" charset="0"/>
+                <a:ea typeface="ＭＳ Ｐゴシック" charset="0"/>
+              </a:defRPr>
+            </a:lvl9pPr>
+          </a:lstStyle>
+          <a:p>
+            <a:pPr eaLnBrk="1" hangingPunct="1"/>
+            <a:r>
+              <a:rPr lang="en-US" sz="1600" dirty="0" smtClean="0"/>
+              <a:t>Kim et al. </a:t>
+            </a:r>
+            <a:r>
+              <a:rPr lang="en-US" sz="1600" dirty="0"/>
+              <a:t>2015. </a:t>
+            </a:r>
+            <a:r>
+              <a:rPr lang="en-US" sz="1600" dirty="0" smtClean="0"/>
+              <a:t>Nat </a:t>
+            </a:r>
+            <a:r>
+              <a:rPr lang="en-US" sz="1600" dirty="0"/>
+              <a:t>Methods </a:t>
+            </a:r>
+            <a:r>
+              <a:rPr lang="en-US" sz="1600" dirty="0" smtClean="0"/>
+              <a:t>12:357</a:t>
+            </a:r>
+            <a:r>
+              <a:rPr lang="en-US" sz="1600" dirty="0"/>
+              <a:t>–360 </a:t>
+            </a:r>
+            <a:endParaRPr lang="en-US" sz="1600" dirty="0"/>
+          </a:p>
+        </p:txBody>
+      </p:sp>
+      <p:pic>
+        <p:nvPicPr>
+          <p:cNvPr id="2" name="Picture 1"/>
+          <p:cNvPicPr>
+            <a:picLocks noChangeAspect="1"/>
+          </p:cNvPicPr>
+          <p:nvPr/>
+        </p:nvPicPr>
+        <p:blipFill>
+          <a:blip r:embed="rId3"/>
+          <a:stretch>
+            <a:fillRect/>
+          </a:stretch>
+        </p:blipFill>
+        <p:spPr>
+          <a:xfrm>
+            <a:off x="4572000" y="980728"/>
+            <a:ext cx="4257158" cy="5157192"/>
+          </a:xfrm>
+          <a:prstGeom prst="rect">
+            <a:avLst/>
+          </a:prstGeom>
+        </p:spPr>
+      </p:pic>
+    </p:spTree>
+    <p:extLst>
+      <p:ext uri="{BB962C8B-B14F-4D97-AF65-F5344CB8AC3E}">
+        <p14:creationId xmlns:p14="http://schemas.microsoft.com/office/powerpoint/2010/main" val="363699493"/>
+      </p:ext>
+    </p:extLst>
+  </p:cSld>
+  <p:clrMapOvr>
+    <a:masterClrMapping/>
+  </p:clrMapOvr>
+  <p:timing>
+    <p:tnLst>
+      <p:par>
+        <p:cTn xmlns:p14="http://schemas.microsoft.com/office/powerpoint/2010/main" id="1" dur="indefinite" restart="never" nodeType="tmRoot"/>
+      </p:par>
+    </p:tnLst>
+  </p:timing>
+</p:sld>
+</file>
+
+<file path=ppt/slides/slide12.xml><?xml version="1.0" encoding="utf-8"?>
+<p:sld xmlns:a="http://schemas.openxmlformats.org/drawingml/2006/main" xmlns:r="http://schemas.openxmlformats.org/officeDocument/2006/relationships" xmlns:p="http://schemas.openxmlformats.org/presentationml/2006/main">
+  <p:cSld>
+    <p:spTree>
+      <p:nvGrpSpPr>
+        <p:cNvPr id="1" name=""/>
+        <p:cNvGrpSpPr/>
+        <p:nvPr/>
+      </p:nvGrpSpPr>
+      <p:grpSpPr>
+        <a:xfrm>
+          <a:off x="0" y="0"/>
+          <a:ext cx="0" cy="0"/>
+          <a:chOff x="0" y="0"/>
+          <a:chExt cx="0" cy="0"/>
+        </a:xfrm>
+      </p:grpSpPr>
       <p:pic>
         <p:nvPicPr>
           <p:cNvPr id="4" name="Picture 3"/>
@@ -5062,7 +6278,7 @@
         </p:blipFill>
         <p:spPr>
           <a:xfrm>
-            <a:off x="2411760" y="1063848"/>
+            <a:off x="899592" y="1063848"/>
             <a:ext cx="4270591" cy="5173464"/>
           </a:xfrm>
           <a:prstGeom prst="rect">
@@ -5104,6 +6320,114 @@
           </a:p>
         </p:txBody>
       </p:sp>
+      <p:cxnSp>
+        <p:nvCxnSpPr>
+          <p:cNvPr id="7" name="Straight Arrow Connector 6"/>
+          <p:cNvCxnSpPr/>
+          <p:nvPr/>
+        </p:nvCxnSpPr>
+        <p:spPr>
+          <a:xfrm>
+            <a:off x="186062" y="2813654"/>
+            <a:ext cx="648072" cy="0"/>
+          </a:xfrm>
+          <a:prstGeom prst="straightConnector1">
+            <a:avLst/>
+          </a:prstGeom>
+          <a:ln w="38100" cmpd="sng">
+            <a:tailEnd type="arrow"/>
+          </a:ln>
+        </p:spPr>
+        <p:style>
+          <a:lnRef idx="2">
+            <a:schemeClr val="accent1"/>
+          </a:lnRef>
+          <a:fillRef idx="0">
+            <a:schemeClr val="accent1"/>
+          </a:fillRef>
+          <a:effectRef idx="1">
+            <a:schemeClr val="accent1"/>
+          </a:effectRef>
+          <a:fontRef idx="minor">
+            <a:schemeClr val="tx1"/>
+          </a:fontRef>
+        </p:style>
+      </p:cxnSp>
+      <p:sp>
+        <p:nvSpPr>
+          <p:cNvPr id="8" name="TextBox 7"/>
+          <p:cNvSpPr txBox="1"/>
+          <p:nvPr/>
+        </p:nvSpPr>
+        <p:spPr>
+          <a:xfrm>
+            <a:off x="5148065" y="2564904"/>
+            <a:ext cx="3816424" cy="1754327"/>
+          </a:xfrm>
+          <a:prstGeom prst="rect">
+            <a:avLst/>
+          </a:prstGeom>
+          <a:noFill/>
+        </p:spPr>
+        <p:txBody>
+          <a:bodyPr wrap="square" rtlCol="0">
+            <a:spAutoFit/>
+          </a:bodyPr>
+          <a:lstStyle/>
+          <a:p>
+            <a:pPr marL="342900" indent="-342900">
+              <a:buFont typeface="Arial"/>
+              <a:buChar char="•"/>
+            </a:pPr>
+            <a:r>
+              <a:rPr lang="en-US" sz="1800" dirty="0" smtClean="0"/>
+              <a:t>First align read with global index (slower)</a:t>
+            </a:r>
+          </a:p>
+          <a:p>
+            <a:pPr marL="342900" indent="-342900">
+              <a:buFont typeface="Arial"/>
+              <a:buChar char="•"/>
+            </a:pPr>
+            <a:r>
+              <a:rPr lang="en-US" sz="1800" dirty="0" smtClean="0"/>
+              <a:t>Once at least 28bp and exactly one location switch to extension mode against reference genome (faster)</a:t>
+            </a:r>
+            <a:endParaRPr lang="en-US" sz="1800" dirty="0"/>
+          </a:p>
+        </p:txBody>
+      </p:sp>
+      <p:cxnSp>
+        <p:nvCxnSpPr>
+          <p:cNvPr id="10" name="Straight Connector 9"/>
+          <p:cNvCxnSpPr/>
+          <p:nvPr/>
+        </p:nvCxnSpPr>
+        <p:spPr>
+          <a:xfrm>
+            <a:off x="1043608" y="2492896"/>
+            <a:ext cx="0" cy="720080"/>
+          </a:xfrm>
+          <a:prstGeom prst="line">
+            <a:avLst/>
+          </a:prstGeom>
+          <a:ln w="38100" cmpd="sng"/>
+        </p:spPr>
+        <p:style>
+          <a:lnRef idx="2">
+            <a:schemeClr val="accent1"/>
+          </a:lnRef>
+          <a:fillRef idx="0">
+            <a:schemeClr val="accent1"/>
+          </a:fillRef>
+          <a:effectRef idx="1">
+            <a:schemeClr val="accent1"/>
+          </a:effectRef>
+          <a:fontRef idx="minor">
+            <a:schemeClr val="tx1"/>
+          </a:fontRef>
+        </p:style>
+      </p:cxnSp>
     </p:spTree>
     <p:extLst>
       <p:ext uri="{BB962C8B-B14F-4D97-AF65-F5344CB8AC3E}">
@@ -5124,7 +6448,488 @@
 </p:sld>
 </file>
 
-<file path=ppt/slides/slide12.xml><?xml version="1.0" encoding="utf-8"?>
+<file path=ppt/slides/slide13.xml><?xml version="1.0" encoding="utf-8"?>
+<p:sld xmlns:a="http://schemas.openxmlformats.org/drawingml/2006/main" xmlns:r="http://schemas.openxmlformats.org/officeDocument/2006/relationships" xmlns:p="http://schemas.openxmlformats.org/presentationml/2006/main">
+  <p:cSld>
+    <p:spTree>
+      <p:nvGrpSpPr>
+        <p:cNvPr id="1" name=""/>
+        <p:cNvGrpSpPr/>
+        <p:nvPr/>
+      </p:nvGrpSpPr>
+      <p:grpSpPr>
+        <a:xfrm>
+          <a:off x="0" y="0"/>
+          <a:ext cx="0" cy="0"/>
+          <a:chOff x="0" y="0"/>
+          <a:chExt cx="0" cy="0"/>
+        </a:xfrm>
+      </p:grpSpPr>
+      <p:pic>
+        <p:nvPicPr>
+          <p:cNvPr id="4" name="Picture 3"/>
+          <p:cNvPicPr>
+            <a:picLocks noChangeAspect="1"/>
+          </p:cNvPicPr>
+          <p:nvPr/>
+        </p:nvPicPr>
+        <p:blipFill>
+          <a:blip r:embed="rId3"/>
+          <a:stretch>
+            <a:fillRect/>
+          </a:stretch>
+        </p:blipFill>
+        <p:spPr>
+          <a:xfrm>
+            <a:off x="899592" y="1063848"/>
+            <a:ext cx="4270591" cy="5173464"/>
+          </a:xfrm>
+          <a:prstGeom prst="rect">
+            <a:avLst/>
+          </a:prstGeom>
+        </p:spPr>
+      </p:pic>
+      <p:sp>
+        <p:nvSpPr>
+          <p:cNvPr id="5" name="Title 1"/>
+          <p:cNvSpPr>
+            <a:spLocks noGrp="1"/>
+          </p:cNvSpPr>
+          <p:nvPr>
+            <p:ph type="title"/>
+          </p:nvPr>
+        </p:nvSpPr>
+        <p:spPr>
+          <a:xfrm>
+            <a:off x="152400" y="-26987"/>
+            <a:ext cx="8839200" cy="935708"/>
+          </a:xfrm>
+        </p:spPr>
+        <p:txBody>
+          <a:bodyPr/>
+          <a:lstStyle/>
+          <a:p>
+            <a:r>
+              <a:rPr lang="en-US" dirty="0" smtClean="0">
+                <a:latin typeface="Calibri" charset="0"/>
+                <a:ea typeface="ＭＳ Ｐゴシック" charset="0"/>
+              </a:rPr>
+              <a:t>HISAT/HISAT2</a:t>
+            </a:r>
+            <a:endParaRPr lang="en-US" dirty="0">
+              <a:latin typeface="Calibri" charset="0"/>
+              <a:ea typeface="ＭＳ Ｐゴシック" charset="0"/>
+            </a:endParaRPr>
+          </a:p>
+        </p:txBody>
+      </p:sp>
+      <p:cxnSp>
+        <p:nvCxnSpPr>
+          <p:cNvPr id="7" name="Straight Arrow Connector 6"/>
+          <p:cNvCxnSpPr/>
+          <p:nvPr/>
+        </p:nvCxnSpPr>
+        <p:spPr>
+          <a:xfrm>
+            <a:off x="179512" y="4293096"/>
+            <a:ext cx="648072" cy="0"/>
+          </a:xfrm>
+          <a:prstGeom prst="straightConnector1">
+            <a:avLst/>
+          </a:prstGeom>
+          <a:ln w="38100" cmpd="sng">
+            <a:tailEnd type="arrow"/>
+          </a:ln>
+        </p:spPr>
+        <p:style>
+          <a:lnRef idx="2">
+            <a:schemeClr val="accent1"/>
+          </a:lnRef>
+          <a:fillRef idx="0">
+            <a:schemeClr val="accent1"/>
+          </a:fillRef>
+          <a:effectRef idx="1">
+            <a:schemeClr val="accent1"/>
+          </a:effectRef>
+          <a:fontRef idx="minor">
+            <a:schemeClr val="tx1"/>
+          </a:fontRef>
+        </p:style>
+      </p:cxnSp>
+      <p:sp>
+        <p:nvSpPr>
+          <p:cNvPr id="8" name="TextBox 7"/>
+          <p:cNvSpPr txBox="1"/>
+          <p:nvPr/>
+        </p:nvSpPr>
+        <p:spPr>
+          <a:xfrm>
+            <a:off x="5327576" y="2276872"/>
+            <a:ext cx="3816424" cy="3970318"/>
+          </a:xfrm>
+          <a:prstGeom prst="rect">
+            <a:avLst/>
+          </a:prstGeom>
+          <a:noFill/>
+        </p:spPr>
+        <p:txBody>
+          <a:bodyPr wrap="square" rtlCol="0">
+            <a:spAutoFit/>
+          </a:bodyPr>
+          <a:lstStyle/>
+          <a:p>
+            <a:pPr marL="342900" indent="-342900">
+              <a:buFont typeface="Arial"/>
+              <a:buChar char="•"/>
+            </a:pPr>
+            <a:r>
+              <a:rPr lang="en-US" sz="1800" dirty="0" smtClean="0"/>
+              <a:t>Again use global search until exactly one match of at least 28bp (slower)</a:t>
+            </a:r>
+          </a:p>
+          <a:p>
+            <a:pPr marL="342900" indent="-342900">
+              <a:buFont typeface="Arial"/>
+              <a:buChar char="•"/>
+            </a:pPr>
+            <a:r>
+              <a:rPr lang="en-US" sz="1800" dirty="0" smtClean="0"/>
+              <a:t>Extend as before until mismatch at 93bp (faster)</a:t>
+            </a:r>
+          </a:p>
+          <a:p>
+            <a:pPr marL="342900" indent="-342900">
+              <a:buFont typeface="Arial"/>
+              <a:buChar char="•"/>
+            </a:pPr>
+            <a:r>
+              <a:rPr lang="en-US" sz="1800" dirty="0" smtClean="0"/>
+              <a:t>Switch to local FM index to align remaining 8bp</a:t>
+            </a:r>
+          </a:p>
+          <a:p>
+            <a:pPr marL="800100" lvl="1" indent="-342900">
+              <a:buFont typeface="Arial"/>
+              <a:buChar char="•"/>
+            </a:pPr>
+            <a:r>
+              <a:rPr lang="en-US" sz="1800" dirty="0" smtClean="0"/>
+              <a:t>Because </a:t>
+            </a:r>
+            <a:r>
+              <a:rPr lang="en-US" sz="1800" dirty="0"/>
+              <a:t>the index covers only a small region, in this case we find just one match for the 8-bp segment.</a:t>
+            </a:r>
+            <a:endParaRPr lang="en-US" sz="1800" dirty="0" smtClean="0"/>
+          </a:p>
+          <a:p>
+            <a:pPr marL="342900" indent="-342900">
+              <a:buFont typeface="Arial"/>
+              <a:buChar char="•"/>
+            </a:pPr>
+            <a:r>
+              <a:rPr lang="en-US" sz="1800" dirty="0" smtClean="0"/>
+              <a:t>Check for compatibility and combine into single spliced alignment</a:t>
+            </a:r>
+            <a:endParaRPr lang="en-US" sz="1800" dirty="0"/>
+          </a:p>
+        </p:txBody>
+      </p:sp>
+      <p:cxnSp>
+        <p:nvCxnSpPr>
+          <p:cNvPr id="3" name="Straight Connector 2"/>
+          <p:cNvCxnSpPr/>
+          <p:nvPr/>
+        </p:nvCxnSpPr>
+        <p:spPr>
+          <a:xfrm>
+            <a:off x="1043608" y="3717032"/>
+            <a:ext cx="0" cy="1224136"/>
+          </a:xfrm>
+          <a:prstGeom prst="line">
+            <a:avLst/>
+          </a:prstGeom>
+          <a:ln w="38100" cmpd="sng"/>
+        </p:spPr>
+        <p:style>
+          <a:lnRef idx="2">
+            <a:schemeClr val="accent1"/>
+          </a:lnRef>
+          <a:fillRef idx="0">
+            <a:schemeClr val="accent1"/>
+          </a:fillRef>
+          <a:effectRef idx="1">
+            <a:schemeClr val="accent1"/>
+          </a:effectRef>
+          <a:fontRef idx="minor">
+            <a:schemeClr val="tx1"/>
+          </a:fontRef>
+        </p:style>
+      </p:cxnSp>
+    </p:spTree>
+    <p:extLst>
+      <p:ext uri="{BB962C8B-B14F-4D97-AF65-F5344CB8AC3E}">
+        <p14:creationId xmlns:p14="http://schemas.microsoft.com/office/powerpoint/2010/main" val="3211787129"/>
+      </p:ext>
+    </p:extLst>
+  </p:cSld>
+  <p:clrMapOvr>
+    <a:masterClrMapping/>
+  </p:clrMapOvr>
+  <p:timing>
+    <p:tnLst>
+      <p:par>
+        <p:cTn xmlns:p14="http://schemas.microsoft.com/office/powerpoint/2010/main" id="1" dur="indefinite" restart="never" nodeType="tmRoot"/>
+      </p:par>
+    </p:tnLst>
+  </p:timing>
+</p:sld>
+</file>
+
+<file path=ppt/slides/slide14.xml><?xml version="1.0" encoding="utf-8"?>
+<p:sld xmlns:a="http://schemas.openxmlformats.org/drawingml/2006/main" xmlns:r="http://schemas.openxmlformats.org/officeDocument/2006/relationships" xmlns:p="http://schemas.openxmlformats.org/presentationml/2006/main">
+  <p:cSld>
+    <p:spTree>
+      <p:nvGrpSpPr>
+        <p:cNvPr id="1" name=""/>
+        <p:cNvGrpSpPr/>
+        <p:nvPr/>
+      </p:nvGrpSpPr>
+      <p:grpSpPr>
+        <a:xfrm>
+          <a:off x="0" y="0"/>
+          <a:ext cx="0" cy="0"/>
+          <a:chOff x="0" y="0"/>
+          <a:chExt cx="0" cy="0"/>
+        </a:xfrm>
+      </p:grpSpPr>
+      <p:pic>
+        <p:nvPicPr>
+          <p:cNvPr id="4" name="Picture 3"/>
+          <p:cNvPicPr>
+            <a:picLocks noChangeAspect="1"/>
+          </p:cNvPicPr>
+          <p:nvPr/>
+        </p:nvPicPr>
+        <p:blipFill>
+          <a:blip r:embed="rId3"/>
+          <a:stretch>
+            <a:fillRect/>
+          </a:stretch>
+        </p:blipFill>
+        <p:spPr>
+          <a:xfrm>
+            <a:off x="899592" y="1063848"/>
+            <a:ext cx="4270591" cy="5173464"/>
+          </a:xfrm>
+          <a:prstGeom prst="rect">
+            <a:avLst/>
+          </a:prstGeom>
+        </p:spPr>
+      </p:pic>
+      <p:sp>
+        <p:nvSpPr>
+          <p:cNvPr id="5" name="Title 1"/>
+          <p:cNvSpPr>
+            <a:spLocks noGrp="1"/>
+          </p:cNvSpPr>
+          <p:nvPr>
+            <p:ph type="title"/>
+          </p:nvPr>
+        </p:nvSpPr>
+        <p:spPr>
+          <a:xfrm>
+            <a:off x="152400" y="-26987"/>
+            <a:ext cx="8839200" cy="935708"/>
+          </a:xfrm>
+        </p:spPr>
+        <p:txBody>
+          <a:bodyPr/>
+          <a:lstStyle/>
+          <a:p>
+            <a:r>
+              <a:rPr lang="en-US" dirty="0" smtClean="0">
+                <a:latin typeface="Calibri" charset="0"/>
+                <a:ea typeface="ＭＳ Ｐゴシック" charset="0"/>
+              </a:rPr>
+              <a:t>HISAT/HISAT2</a:t>
+            </a:r>
+            <a:endParaRPr lang="en-US" dirty="0">
+              <a:latin typeface="Calibri" charset="0"/>
+              <a:ea typeface="ＭＳ Ｐゴシック" charset="0"/>
+            </a:endParaRPr>
+          </a:p>
+        </p:txBody>
+      </p:sp>
+      <p:cxnSp>
+        <p:nvCxnSpPr>
+          <p:cNvPr id="7" name="Straight Arrow Connector 6"/>
+          <p:cNvCxnSpPr/>
+          <p:nvPr/>
+        </p:nvCxnSpPr>
+        <p:spPr>
+          <a:xfrm>
+            <a:off x="179512" y="5805264"/>
+            <a:ext cx="648072" cy="0"/>
+          </a:xfrm>
+          <a:prstGeom prst="straightConnector1">
+            <a:avLst/>
+          </a:prstGeom>
+          <a:ln w="38100" cmpd="sng">
+            <a:tailEnd type="arrow"/>
+          </a:ln>
+        </p:spPr>
+        <p:style>
+          <a:lnRef idx="2">
+            <a:schemeClr val="accent1"/>
+          </a:lnRef>
+          <a:fillRef idx="0">
+            <a:schemeClr val="accent1"/>
+          </a:fillRef>
+          <a:effectRef idx="1">
+            <a:schemeClr val="accent1"/>
+          </a:effectRef>
+          <a:fontRef idx="minor">
+            <a:schemeClr val="tx1"/>
+          </a:fontRef>
+        </p:style>
+      </p:cxnSp>
+      <p:sp>
+        <p:nvSpPr>
+          <p:cNvPr id="8" name="TextBox 7"/>
+          <p:cNvSpPr txBox="1"/>
+          <p:nvPr/>
+        </p:nvSpPr>
+        <p:spPr>
+          <a:xfrm>
+            <a:off x="5327576" y="2276872"/>
+            <a:ext cx="3816424" cy="3693319"/>
+          </a:xfrm>
+          <a:prstGeom prst="rect">
+            <a:avLst/>
+          </a:prstGeom>
+          <a:noFill/>
+        </p:spPr>
+        <p:txBody>
+          <a:bodyPr wrap="square" rtlCol="0">
+            <a:spAutoFit/>
+          </a:bodyPr>
+          <a:lstStyle/>
+          <a:p>
+            <a:pPr marL="342900" indent="-342900">
+              <a:buFont typeface="Arial"/>
+              <a:buChar char="•"/>
+            </a:pPr>
+            <a:r>
+              <a:rPr lang="en-US" sz="1800" dirty="0" smtClean="0"/>
+              <a:t>Again use global search until exactly one match of at least 28bp (slower)</a:t>
+            </a:r>
+          </a:p>
+          <a:p>
+            <a:pPr marL="342900" indent="-342900">
+              <a:buFont typeface="Arial"/>
+              <a:buChar char="•"/>
+            </a:pPr>
+            <a:r>
+              <a:rPr lang="en-US" sz="1800" dirty="0" smtClean="0"/>
+              <a:t>Extend as before until mismatch at 51bp (faster)</a:t>
+            </a:r>
+          </a:p>
+          <a:p>
+            <a:pPr marL="342900" indent="-342900">
+              <a:buFont typeface="Arial"/>
+              <a:buChar char="•"/>
+            </a:pPr>
+            <a:r>
+              <a:rPr lang="en-US" sz="1800" dirty="0" smtClean="0"/>
+              <a:t>Switch to local FM index to align first 8bp of remaining read</a:t>
+            </a:r>
+          </a:p>
+          <a:p>
+            <a:pPr marL="800100" lvl="1" indent="-342900">
+              <a:buFont typeface="Arial"/>
+              <a:buChar char="•"/>
+            </a:pPr>
+            <a:r>
+              <a:rPr lang="en-US" sz="1800" dirty="0" smtClean="0"/>
+              <a:t>If too many matches increase prefix size</a:t>
+            </a:r>
+          </a:p>
+          <a:p>
+            <a:pPr marL="342900" indent="-342900">
+              <a:buFont typeface="Arial"/>
+              <a:buChar char="•"/>
+            </a:pPr>
+            <a:r>
+              <a:rPr lang="en-US" sz="1800" dirty="0" smtClean="0"/>
+              <a:t>Extend again</a:t>
+            </a:r>
+          </a:p>
+          <a:p>
+            <a:pPr marL="342900" indent="-342900">
+              <a:buFont typeface="Arial"/>
+              <a:buChar char="•"/>
+            </a:pPr>
+            <a:r>
+              <a:rPr lang="en-US" sz="1800" dirty="0" smtClean="0"/>
+              <a:t>Check for compatibility and combine into single spliced alignment</a:t>
+            </a:r>
+            <a:endParaRPr lang="en-US" sz="1800" dirty="0"/>
+          </a:p>
+        </p:txBody>
+      </p:sp>
+      <p:cxnSp>
+        <p:nvCxnSpPr>
+          <p:cNvPr id="3" name="Straight Connector 2"/>
+          <p:cNvCxnSpPr/>
+          <p:nvPr/>
+        </p:nvCxnSpPr>
+        <p:spPr>
+          <a:xfrm>
+            <a:off x="1043608" y="5589240"/>
+            <a:ext cx="0" cy="576064"/>
+          </a:xfrm>
+          <a:prstGeom prst="line">
+            <a:avLst/>
+          </a:prstGeom>
+          <a:ln w="38100" cmpd="sng"/>
+        </p:spPr>
+        <p:style>
+          <a:lnRef idx="2">
+            <a:schemeClr val="accent1"/>
+          </a:lnRef>
+          <a:fillRef idx="0">
+            <a:schemeClr val="accent1"/>
+          </a:fillRef>
+          <a:effectRef idx="1">
+            <a:schemeClr val="accent1"/>
+          </a:effectRef>
+          <a:fontRef idx="minor">
+            <a:schemeClr val="tx1"/>
+          </a:fontRef>
+        </p:style>
+      </p:cxnSp>
+    </p:spTree>
+    <p:extLst>
+      <p:ext uri="{BB962C8B-B14F-4D97-AF65-F5344CB8AC3E}">
+        <p14:creationId xmlns:p14="http://schemas.microsoft.com/office/powerpoint/2010/main" val="3245582348"/>
+      </p:ext>
+    </p:extLst>
+  </p:cSld>
+  <p:clrMapOvr>
+    <a:masterClrMapping/>
+  </p:clrMapOvr>
+  <p:timing>
+    <p:tnLst>
+      <p:par>
+        <p:cTn xmlns:p14="http://schemas.microsoft.com/office/powerpoint/2010/main" id="1" dur="indefinite" restart="never" nodeType="tmRoot"/>
+      </p:par>
+    </p:tnLst>
+  </p:timing>
+</p:sld>
+</file>
+
+<file path=ppt/slides/slide15.xml><?xml version="1.0" encoding="utf-8"?>
 <p:sld xmlns:a="http://schemas.openxmlformats.org/drawingml/2006/main" xmlns:r="http://schemas.openxmlformats.org/officeDocument/2006/relationships" xmlns:p="http://schemas.openxmlformats.org/presentationml/2006/main">
   <p:cSld>
     <p:spTree>
@@ -5288,7 +7093,7 @@
 </p:sld>
 </file>
 
-<file path=ppt/slides/slide13.xml><?xml version="1.0" encoding="utf-8"?>
+<file path=ppt/slides/slide16.xml><?xml version="1.0" encoding="utf-8"?>
 <p:sld xmlns:a="http://schemas.openxmlformats.org/drawingml/2006/main" xmlns:r="http://schemas.openxmlformats.org/officeDocument/2006/relationships" xmlns:p="http://schemas.openxmlformats.org/presentationml/2006/main">
   <p:cSld>
     <p:spTree>
@@ -5504,7 +7309,7 @@
 </p:sld>
 </file>
 
-<file path=ppt/slides/slide14.xml><?xml version="1.0" encoding="utf-8"?>
+<file path=ppt/slides/slide17.xml><?xml version="1.0" encoding="utf-8"?>
 <p:sld xmlns:a="http://schemas.openxmlformats.org/drawingml/2006/main" xmlns:r="http://schemas.openxmlformats.org/officeDocument/2006/relationships" xmlns:p="http://schemas.openxmlformats.org/presentationml/2006/main">
   <p:cSld>
     <p:spTree>
@@ -5977,7 +7782,7 @@
 </p:sld>
 </file>
 
-<file path=ppt/slides/slide15.xml><?xml version="1.0" encoding="utf-8"?>
+<file path=ppt/slides/slide18.xml><?xml version="1.0" encoding="utf-8"?>
 <p:sld xmlns:a="http://schemas.openxmlformats.org/drawingml/2006/main" xmlns:r="http://schemas.openxmlformats.org/officeDocument/2006/relationships" xmlns:p="http://schemas.openxmlformats.org/presentationml/2006/main">
   <p:cSld>
     <p:spTree>
@@ -6260,7 +8065,7 @@
 </p:sld>
 </file>
 
-<file path=ppt/slides/slide16.xml><?xml version="1.0" encoding="utf-8"?>
+<file path=ppt/slides/slide19.xml><?xml version="1.0" encoding="utf-8"?>
 <p:sld xmlns:a="http://schemas.openxmlformats.org/drawingml/2006/main" xmlns:r="http://schemas.openxmlformats.org/officeDocument/2006/relationships" xmlns:p="http://schemas.openxmlformats.org/presentationml/2006/main">
   <p:cSld>
     <p:spTree>
@@ -6495,1005 +8300,6 @@
     <p:extLst>
       <p:ext uri="{BB962C8B-B14F-4D97-AF65-F5344CB8AC3E}">
         <p14:creationId xmlns:p14="http://schemas.microsoft.com/office/powerpoint/2010/main" val="1814261483"/>
-      </p:ext>
-    </p:extLst>
-  </p:cSld>
-  <p:clrMapOvr>
-    <a:masterClrMapping/>
-  </p:clrMapOvr>
-  <p:timing>
-    <p:tnLst>
-      <p:par>
-        <p:cTn xmlns:p14="http://schemas.microsoft.com/office/powerpoint/2010/main" id="1" dur="indefinite" restart="never" nodeType="tmRoot"/>
-      </p:par>
-    </p:tnLst>
-  </p:timing>
-</p:sld>
-</file>
-
-<file path=ppt/slides/slide17.xml><?xml version="1.0" encoding="utf-8"?>
-<p:sld xmlns:a="http://schemas.openxmlformats.org/drawingml/2006/main" xmlns:r="http://schemas.openxmlformats.org/officeDocument/2006/relationships" xmlns:p="http://schemas.openxmlformats.org/presentationml/2006/main">
-  <p:cSld>
-    <p:spTree>
-      <p:nvGrpSpPr>
-        <p:cNvPr id="1" name=""/>
-        <p:cNvGrpSpPr/>
-        <p:nvPr/>
-      </p:nvGrpSpPr>
-      <p:grpSpPr>
-        <a:xfrm>
-          <a:off x="0" y="0"/>
-          <a:ext cx="0" cy="0"/>
-          <a:chOff x="0" y="0"/>
-          <a:chExt cx="0" cy="0"/>
-        </a:xfrm>
-      </p:grpSpPr>
-      <p:sp>
-        <p:nvSpPr>
-          <p:cNvPr id="26625" name="Title 1"/>
-          <p:cNvSpPr>
-            <a:spLocks noGrp="1"/>
-          </p:cNvSpPr>
-          <p:nvPr>
-            <p:ph type="title"/>
-          </p:nvPr>
-        </p:nvSpPr>
-        <p:spPr>
-          <a:xfrm>
-            <a:off x="152400" y="-26988"/>
-            <a:ext cx="8839200" cy="1143001"/>
-          </a:xfrm>
-        </p:spPr>
-        <p:txBody>
-          <a:bodyPr/>
-          <a:lstStyle/>
-          <a:p>
-            <a:r>
-              <a:rPr lang="en-US">
-                <a:latin typeface="Calibri" charset="0"/>
-                <a:ea typeface="ＭＳ Ｐゴシック" charset="0"/>
-              </a:rPr>
-              <a:t>SAM/BAM alignment section</a:t>
-            </a:r>
-          </a:p>
-        </p:txBody>
-      </p:sp>
-      <p:sp>
-        <p:nvSpPr>
-          <p:cNvPr id="3" name="Content Placeholder 2"/>
-          <p:cNvSpPr>
-            <a:spLocks noGrp="1"/>
-          </p:cNvSpPr>
-          <p:nvPr>
-            <p:ph idx="1"/>
-          </p:nvPr>
-        </p:nvSpPr>
-        <p:spPr>
-          <a:xfrm>
-            <a:off x="152400" y="4062413"/>
-            <a:ext cx="8839200" cy="2103437"/>
-          </a:xfrm>
-        </p:spPr>
-        <p:txBody>
-          <a:bodyPr>
-            <a:normAutofit fontScale="32500" lnSpcReduction="20000"/>
-          </a:bodyPr>
-          <a:lstStyle/>
-          <a:p>
-            <a:pPr marL="0" indent="0">
-              <a:buFont typeface="Arial" charset="0"/>
-              <a:buNone/>
-              <a:defRPr/>
-            </a:pPr>
-            <a:r>
-              <a:rPr lang="en-US" sz="4300" b="1" dirty="0" smtClean="0">
-                <a:latin typeface="Courier New"/>
-                <a:cs typeface="Courier New"/>
-              </a:rPr>
-              <a:t>Example values</a:t>
-            </a:r>
-          </a:p>
-          <a:p>
-            <a:pPr marL="514350" indent="-514350">
-              <a:buFont typeface="Wingdings" charset="2"/>
-              <a:buAutoNum type="arabicPlain"/>
-              <a:defRPr/>
-            </a:pPr>
-            <a:endParaRPr lang="en-US" dirty="0" smtClean="0">
-              <a:latin typeface="Courier New"/>
-              <a:cs typeface="Courier New"/>
-            </a:endParaRPr>
-          </a:p>
-          <a:p>
-            <a:pPr marL="514350" indent="-514350">
-              <a:buFont typeface="Wingdings" charset="2"/>
-              <a:buAutoNum type="arabicPlain"/>
-              <a:defRPr/>
-            </a:pPr>
-            <a:r>
-              <a:rPr lang="en-US" dirty="0" smtClean="0">
-                <a:latin typeface="Courier New"/>
-                <a:cs typeface="Courier New"/>
-              </a:rPr>
-              <a:t>QNAME  e.g.  HWI</a:t>
-            </a:r>
-            <a:r>
-              <a:rPr lang="en-US" dirty="0">
-                <a:latin typeface="Courier New"/>
-                <a:cs typeface="Courier New"/>
-              </a:rPr>
-              <a:t>-ST495_129147882:1:2302:10269:</a:t>
-            </a:r>
-            <a:r>
-              <a:rPr lang="en-US" dirty="0" smtClean="0">
-                <a:latin typeface="Courier New"/>
-                <a:cs typeface="Courier New"/>
-              </a:rPr>
-              <a:t>12362 (QNAME)</a:t>
-            </a:r>
-          </a:p>
-          <a:p>
-            <a:pPr marL="514350" indent="-514350">
-              <a:buFont typeface="Wingdings" charset="2"/>
-              <a:buAutoNum type="arabicPlain"/>
-              <a:defRPr/>
-            </a:pPr>
-            <a:r>
-              <a:rPr lang="en-US" dirty="0" smtClean="0">
-                <a:latin typeface="Courier New"/>
-                <a:cs typeface="Courier New"/>
-              </a:rPr>
-              <a:t>FLAG   e.g.  99</a:t>
-            </a:r>
-          </a:p>
-          <a:p>
-            <a:pPr marL="514350" indent="-514350">
-              <a:buFont typeface="Wingdings" charset="2"/>
-              <a:buAutoNum type="arabicPlain"/>
-              <a:defRPr/>
-            </a:pPr>
-            <a:r>
-              <a:rPr lang="en-US" dirty="0" smtClean="0">
-                <a:latin typeface="Courier New"/>
-                <a:cs typeface="Courier New"/>
-              </a:rPr>
-              <a:t>RNAME  e.g.  1</a:t>
-            </a:r>
-          </a:p>
-          <a:p>
-            <a:pPr marL="514350" indent="-514350">
-              <a:buFont typeface="Wingdings" charset="2"/>
-              <a:buAutoNum type="arabicPlain"/>
-              <a:defRPr/>
-            </a:pPr>
-            <a:r>
-              <a:rPr lang="en-US" dirty="0" smtClean="0">
-                <a:latin typeface="Courier New"/>
-                <a:cs typeface="Courier New"/>
-              </a:rPr>
-              <a:t>POS    e.g.  11623</a:t>
-            </a:r>
-          </a:p>
-          <a:p>
-            <a:pPr marL="514350" indent="-514350">
-              <a:buFont typeface="Wingdings" charset="2"/>
-              <a:buAutoNum type="arabicPlain"/>
-              <a:defRPr/>
-            </a:pPr>
-            <a:r>
-              <a:rPr lang="en-US" dirty="0" smtClean="0">
-                <a:latin typeface="Courier New"/>
-                <a:cs typeface="Courier New"/>
-              </a:rPr>
-              <a:t>MAPQ   e.g.  3</a:t>
-            </a:r>
-          </a:p>
-          <a:p>
-            <a:pPr marL="514350" indent="-514350">
-              <a:buFont typeface="Wingdings" charset="2"/>
-              <a:buAutoNum type="arabicPlain"/>
-              <a:defRPr/>
-            </a:pPr>
-            <a:r>
-              <a:rPr lang="en-US" dirty="0" smtClean="0">
-                <a:latin typeface="Courier New"/>
-                <a:cs typeface="Courier New"/>
-              </a:rPr>
-              <a:t>CIGAR  e.g.  100M</a:t>
-            </a:r>
-          </a:p>
-          <a:p>
-            <a:pPr marL="514350" indent="-514350">
-              <a:buFont typeface="Wingdings" charset="2"/>
-              <a:buAutoNum type="arabicPlain"/>
-              <a:defRPr/>
-            </a:pPr>
-            <a:r>
-              <a:rPr lang="en-US" dirty="0" smtClean="0">
-                <a:latin typeface="Courier New"/>
-                <a:cs typeface="Courier New"/>
-              </a:rPr>
-              <a:t>RNEXT  e.g.  = </a:t>
-            </a:r>
-          </a:p>
-          <a:p>
-            <a:pPr marL="514350" indent="-514350">
-              <a:buFont typeface="Wingdings" charset="2"/>
-              <a:buAutoNum type="arabicPlain"/>
-              <a:defRPr/>
-            </a:pPr>
-            <a:r>
-              <a:rPr lang="en-US" dirty="0" smtClean="0">
-                <a:latin typeface="Courier New"/>
-                <a:cs typeface="Courier New"/>
-              </a:rPr>
-              <a:t>PNEXT  e.g.  11740</a:t>
-            </a:r>
-          </a:p>
-          <a:p>
-            <a:pPr marL="514350" indent="-514350">
-              <a:buFont typeface="Wingdings" charset="2"/>
-              <a:buAutoNum type="arabicPlain"/>
-              <a:defRPr/>
-            </a:pPr>
-            <a:r>
-              <a:rPr lang="en-US" dirty="0" smtClean="0">
-                <a:latin typeface="Courier New"/>
-                <a:cs typeface="Courier New"/>
-              </a:rPr>
-              <a:t>TLEN   e.g.  217</a:t>
-            </a:r>
-          </a:p>
-          <a:p>
-            <a:pPr marL="514350" indent="-514350">
-              <a:buFont typeface="Wingdings" charset="2"/>
-              <a:buAutoNum type="arabicPlain"/>
-              <a:defRPr/>
-            </a:pPr>
-            <a:r>
-              <a:rPr lang="en-US" dirty="0" smtClean="0">
-                <a:latin typeface="Courier New"/>
-                <a:cs typeface="Courier New"/>
-              </a:rPr>
-              <a:t>SEQ    e.g.  CCTGTTTCTCCACAAAGTGTTTACTTTTGGATTTTTGCCAGTCTAACAGGTGAAGCCCTGGAGATTCTTATTAGTGATTTGGGCTGGGGCCTGGCCATGT</a:t>
-            </a:r>
-          </a:p>
-          <a:p>
-            <a:pPr marL="514350" indent="-514350">
-              <a:buFont typeface="Wingdings" charset="2"/>
-              <a:buAutoNum type="arabicPlain"/>
-              <a:defRPr/>
-            </a:pPr>
-            <a:r>
-              <a:rPr lang="en-US" dirty="0" smtClean="0">
-                <a:latin typeface="Courier New"/>
-                <a:cs typeface="Courier New"/>
-              </a:rPr>
-              <a:t>QUAL   e.g.  CCCFFFFFHHHHHJJIJFIJJJJJJJJJJJHIJJJJJJJIJJJJJGGHIJHIJJJJJJJJJGHGGIJJJJJJIJEEHHHHFFFFCDCDDDDDDDB</a:t>
-            </a:r>
-            <a:r>
-              <a:rPr lang="en-US" dirty="0">
-                <a:latin typeface="Courier New"/>
-                <a:cs typeface="Courier New"/>
-              </a:rPr>
-              <a:t>@</a:t>
-            </a:r>
-            <a:r>
-              <a:rPr lang="en-US" dirty="0" smtClean="0">
-                <a:latin typeface="Courier New"/>
-                <a:cs typeface="Courier New"/>
-              </a:rPr>
-              <a:t>ACDD</a:t>
-            </a:r>
-            <a:endParaRPr lang="en-US" dirty="0">
-              <a:latin typeface="Courier New"/>
-              <a:cs typeface="Courier New"/>
-            </a:endParaRPr>
-          </a:p>
-        </p:txBody>
-      </p:sp>
-      <p:pic>
-        <p:nvPicPr>
-          <p:cNvPr id="26627" name="Picture 3" descr="BAM Alignment Section Columns.png"/>
-          <p:cNvPicPr>
-            <a:picLocks noChangeAspect="1"/>
-          </p:cNvPicPr>
-          <p:nvPr/>
-        </p:nvPicPr>
-        <p:blipFill>
-          <a:blip r:embed="rId2">
-            <a:extLst>
-              <a:ext uri="{28A0092B-C50C-407E-A947-70E740481C1C}">
-                <a14:useLocalDpi xmlns:a14="http://schemas.microsoft.com/office/drawing/2010/main" val="0"/>
-              </a:ext>
-            </a:extLst>
-          </a:blip>
-          <a:srcRect/>
-          <a:stretch>
-            <a:fillRect/>
-          </a:stretch>
-        </p:blipFill>
-        <p:spPr bwMode="auto">
-          <a:xfrm>
-            <a:off x="468313" y="1063625"/>
-            <a:ext cx="8170862" cy="2711450"/>
-          </a:xfrm>
-          <a:prstGeom prst="rect">
-            <a:avLst/>
-          </a:prstGeom>
-          <a:noFill/>
-          <a:ln>
-            <a:noFill/>
-          </a:ln>
-          <a:extLst>
-            <a:ext uri="{909E8E84-426E-40dd-AFC4-6F175D3DCCD1}">
-              <a14:hiddenFill xmlns:a14="http://schemas.microsoft.com/office/drawing/2010/main">
-                <a:solidFill>
-                  <a:srgbClr val="FFFFFF"/>
-                </a:solidFill>
-              </a14:hiddenFill>
-            </a:ext>
-            <a:ext uri="{91240B29-F687-4f45-9708-019B960494DF}">
-              <a14:hiddenLine xmlns:a14="http://schemas.microsoft.com/office/drawing/2010/main" w="9525">
-                <a:solidFill>
-                  <a:srgbClr val="000000"/>
-                </a:solidFill>
-                <a:miter lim="800000"/>
-                <a:headEnd/>
-                <a:tailEnd/>
-              </a14:hiddenLine>
-            </a:ext>
-          </a:extLst>
-        </p:spPr>
-      </p:pic>
-      <p:sp>
-        <p:nvSpPr>
-          <p:cNvPr id="5" name="5-Point Star 4"/>
-          <p:cNvSpPr/>
-          <p:nvPr/>
-        </p:nvSpPr>
-        <p:spPr>
-          <a:xfrm>
-            <a:off x="611188" y="1541463"/>
-            <a:ext cx="144462" cy="144462"/>
-          </a:xfrm>
-          <a:prstGeom prst="star5">
-            <a:avLst/>
-          </a:prstGeom>
-        </p:spPr>
-        <p:style>
-          <a:lnRef idx="1">
-            <a:schemeClr val="accent2"/>
-          </a:lnRef>
-          <a:fillRef idx="3">
-            <a:schemeClr val="accent2"/>
-          </a:fillRef>
-          <a:effectRef idx="2">
-            <a:schemeClr val="accent2"/>
-          </a:effectRef>
-          <a:fontRef idx="minor">
-            <a:schemeClr val="lt1"/>
-          </a:fontRef>
-        </p:style>
-        <p:txBody>
-          <a:bodyPr anchor="ctr"/>
-          <a:lstStyle/>
-          <a:p>
-            <a:pPr algn="ctr">
-              <a:defRPr/>
-            </a:pPr>
-            <a:endParaRPr lang="en-US" dirty="0"/>
-          </a:p>
-        </p:txBody>
-      </p:sp>
-      <p:sp>
-        <p:nvSpPr>
-          <p:cNvPr id="6" name="5-Point Star 5"/>
-          <p:cNvSpPr/>
-          <p:nvPr/>
-        </p:nvSpPr>
-        <p:spPr>
-          <a:xfrm>
-            <a:off x="611188" y="2406650"/>
-            <a:ext cx="144462" cy="142875"/>
-          </a:xfrm>
-          <a:prstGeom prst="star5">
-            <a:avLst/>
-          </a:prstGeom>
-        </p:spPr>
-        <p:style>
-          <a:lnRef idx="1">
-            <a:schemeClr val="accent2"/>
-          </a:lnRef>
-          <a:fillRef idx="3">
-            <a:schemeClr val="accent2"/>
-          </a:fillRef>
-          <a:effectRef idx="2">
-            <a:schemeClr val="accent2"/>
-          </a:effectRef>
-          <a:fontRef idx="minor">
-            <a:schemeClr val="lt1"/>
-          </a:fontRef>
-        </p:style>
-        <p:txBody>
-          <a:bodyPr anchor="ctr"/>
-          <a:lstStyle/>
-          <a:p>
-            <a:pPr algn="ctr">
-              <a:defRPr/>
-            </a:pPr>
-            <a:endParaRPr lang="en-US" dirty="0"/>
-          </a:p>
-        </p:txBody>
-      </p:sp>
-    </p:spTree>
-    <p:extLst>
-      <p:ext uri="{BB962C8B-B14F-4D97-AF65-F5344CB8AC3E}">
-        <p14:creationId xmlns:p14="http://schemas.microsoft.com/office/powerpoint/2010/main" val="2119413959"/>
-      </p:ext>
-    </p:extLst>
-  </p:cSld>
-  <p:clrMapOvr>
-    <a:masterClrMapping/>
-  </p:clrMapOvr>
-  <p:timing>
-    <p:tnLst>
-      <p:par>
-        <p:cTn xmlns:p14="http://schemas.microsoft.com/office/powerpoint/2010/main" id="1" dur="indefinite" restart="never" nodeType="tmRoot"/>
-      </p:par>
-    </p:tnLst>
-  </p:timing>
-</p:sld>
-</file>
-
-<file path=ppt/slides/slide18.xml><?xml version="1.0" encoding="utf-8"?>
-<p:sld xmlns:a="http://schemas.openxmlformats.org/drawingml/2006/main" xmlns:r="http://schemas.openxmlformats.org/officeDocument/2006/relationships" xmlns:p="http://schemas.openxmlformats.org/presentationml/2006/main">
-  <p:cSld>
-    <p:spTree>
-      <p:nvGrpSpPr>
-        <p:cNvPr id="1" name=""/>
-        <p:cNvGrpSpPr/>
-        <p:nvPr/>
-      </p:nvGrpSpPr>
-      <p:grpSpPr>
-        <a:xfrm>
-          <a:off x="0" y="0"/>
-          <a:ext cx="0" cy="0"/>
-          <a:chOff x="0" y="0"/>
-          <a:chExt cx="0" cy="0"/>
-        </a:xfrm>
-      </p:grpSpPr>
-      <p:sp>
-        <p:nvSpPr>
-          <p:cNvPr id="27649" name="Title 1"/>
-          <p:cNvSpPr>
-            <a:spLocks noGrp="1"/>
-          </p:cNvSpPr>
-          <p:nvPr>
-            <p:ph type="title"/>
-          </p:nvPr>
-        </p:nvSpPr>
-        <p:spPr>
-          <a:xfrm>
-            <a:off x="152400" y="-26988"/>
-            <a:ext cx="8839200" cy="1143001"/>
-          </a:xfrm>
-        </p:spPr>
-        <p:txBody>
-          <a:bodyPr/>
-          <a:lstStyle/>
-          <a:p>
-            <a:r>
-              <a:rPr lang="en-US" dirty="0">
-                <a:latin typeface="Calibri" charset="0"/>
-                <a:ea typeface="ＭＳ Ｐゴシック" charset="0"/>
-              </a:rPr>
-              <a:t>SAM/BAM flags explained</a:t>
-            </a:r>
-          </a:p>
-        </p:txBody>
-      </p:sp>
-      <p:sp>
-        <p:nvSpPr>
-          <p:cNvPr id="3" name="Content Placeholder 2"/>
-          <p:cNvSpPr>
-            <a:spLocks noGrp="1"/>
-          </p:cNvSpPr>
-          <p:nvPr>
-            <p:ph idx="1"/>
-          </p:nvPr>
-        </p:nvSpPr>
-        <p:spPr>
-          <a:xfrm>
-            <a:off x="152400" y="1052513"/>
-            <a:ext cx="8839200" cy="1798637"/>
-          </a:xfrm>
-        </p:spPr>
-        <p:txBody>
-          <a:bodyPr>
-            <a:normAutofit fontScale="55000" lnSpcReduction="20000"/>
-          </a:bodyPr>
-          <a:lstStyle/>
-          <a:p>
-            <a:pPr>
-              <a:defRPr/>
-            </a:pPr>
-            <a:r>
-              <a:rPr lang="en-US" dirty="0">
-                <a:hlinkClick r:id="rId2"/>
-              </a:rPr>
-              <a:t>http://broadinstitute.github.io/picard/explain-</a:t>
-            </a:r>
-            <a:r>
-              <a:rPr lang="en-US" dirty="0" smtClean="0">
-                <a:hlinkClick r:id="rId2"/>
-              </a:rPr>
-              <a:t>flags.html</a:t>
-            </a:r>
-            <a:endParaRPr lang="en-US" dirty="0" smtClean="0"/>
-          </a:p>
-          <a:p>
-            <a:pPr>
-              <a:defRPr/>
-            </a:pPr>
-            <a:r>
-              <a:rPr lang="en-US" dirty="0" smtClean="0"/>
-              <a:t>12 bitwise flags describing the alignment</a:t>
-            </a:r>
-          </a:p>
-          <a:p>
-            <a:pPr>
-              <a:defRPr/>
-            </a:pPr>
-            <a:r>
-              <a:rPr lang="en-US" dirty="0" smtClean="0"/>
-              <a:t>These flags are stored as a binary string of length 11 instead of 11 columns of data</a:t>
-            </a:r>
-          </a:p>
-          <a:p>
-            <a:pPr>
-              <a:defRPr/>
-            </a:pPr>
-            <a:r>
-              <a:rPr lang="en-US" dirty="0" smtClean="0"/>
-              <a:t>Value of ‘1’ indicates the flag is set.  e.g. 00100000000</a:t>
-            </a:r>
-          </a:p>
-          <a:p>
-            <a:pPr>
-              <a:defRPr/>
-            </a:pPr>
-            <a:r>
-              <a:rPr lang="en-US" dirty="0" smtClean="0"/>
-              <a:t>All combinations can be represented as a number from 1 to 2048 (i.e. 2</a:t>
-            </a:r>
-            <a:r>
-              <a:rPr lang="en-US" baseline="30000" dirty="0" smtClean="0"/>
-              <a:t>11</a:t>
-            </a:r>
-            <a:r>
-              <a:rPr lang="en-US" dirty="0" smtClean="0"/>
-              <a:t>-1).  This number is used in the BAM/SAM file.  You can specify ‘required’ or ‘filter’ flags in samtools view using the ‘-f’ and ‘-F’ options respectively  </a:t>
-            </a:r>
-            <a:endParaRPr lang="en-US" dirty="0"/>
-          </a:p>
-        </p:txBody>
-      </p:sp>
-      <p:sp>
-        <p:nvSpPr>
-          <p:cNvPr id="27652" name="TextBox 4"/>
-          <p:cNvSpPr txBox="1">
-            <a:spLocks noChangeArrowheads="1"/>
-          </p:cNvSpPr>
-          <p:nvPr/>
-        </p:nvSpPr>
-        <p:spPr bwMode="auto">
-          <a:xfrm>
-            <a:off x="250825" y="5846763"/>
-            <a:ext cx="8424863" cy="461962"/>
-          </a:xfrm>
-          <a:prstGeom prst="rect">
-            <a:avLst/>
-          </a:prstGeom>
-          <a:noFill/>
-          <a:ln>
-            <a:noFill/>
-          </a:ln>
-          <a:extLst>
-            <a:ext uri="{909E8E84-426E-40dd-AFC4-6F175D3DCCD1}">
-              <a14:hiddenFill xmlns:a14="http://schemas.microsoft.com/office/drawing/2010/main">
-                <a:solidFill>
-                  <a:srgbClr val="FFFFFF"/>
-                </a:solidFill>
-              </a14:hiddenFill>
-            </a:ext>
-            <a:ext uri="{91240B29-F687-4f45-9708-019B960494DF}">
-              <a14:hiddenLine xmlns:a14="http://schemas.microsoft.com/office/drawing/2010/main" w="9525">
-                <a:solidFill>
-                  <a:srgbClr val="000000"/>
-                </a:solidFill>
-                <a:miter lim="800000"/>
-                <a:headEnd/>
-                <a:tailEnd/>
-              </a14:hiddenLine>
-            </a:ext>
-          </a:extLst>
-        </p:spPr>
-        <p:txBody>
-          <a:bodyPr>
-            <a:spAutoFit/>
-          </a:bodyPr>
-          <a:lstStyle>
-            <a:lvl1pPr eaLnBrk="0" hangingPunct="0">
-              <a:defRPr sz="2400">
-                <a:solidFill>
-                  <a:schemeClr val="tx1"/>
-                </a:solidFill>
-                <a:latin typeface="Arial" charset="0"/>
-                <a:ea typeface="ＭＳ Ｐゴシック" charset="0"/>
-                <a:cs typeface="ＭＳ Ｐゴシック" charset="0"/>
-              </a:defRPr>
-            </a:lvl1pPr>
-            <a:lvl2pPr marL="742950" indent="-285750" eaLnBrk="0" hangingPunct="0">
-              <a:defRPr sz="2400">
-                <a:solidFill>
-                  <a:schemeClr val="tx1"/>
-                </a:solidFill>
-                <a:latin typeface="Arial" charset="0"/>
-                <a:ea typeface="ＭＳ Ｐゴシック" charset="0"/>
-              </a:defRPr>
-            </a:lvl2pPr>
-            <a:lvl3pPr marL="1143000" indent="-228600" eaLnBrk="0" hangingPunct="0">
-              <a:defRPr sz="2400">
-                <a:solidFill>
-                  <a:schemeClr val="tx1"/>
-                </a:solidFill>
-                <a:latin typeface="Arial" charset="0"/>
-                <a:ea typeface="ＭＳ Ｐゴシック" charset="0"/>
-              </a:defRPr>
-            </a:lvl3pPr>
-            <a:lvl4pPr marL="1600200" indent="-228600" eaLnBrk="0" hangingPunct="0">
-              <a:defRPr sz="2400">
-                <a:solidFill>
-                  <a:schemeClr val="tx1"/>
-                </a:solidFill>
-                <a:latin typeface="Arial" charset="0"/>
-                <a:ea typeface="ＭＳ Ｐゴシック" charset="0"/>
-              </a:defRPr>
-            </a:lvl4pPr>
-            <a:lvl5pPr marL="2057400" indent="-228600" eaLnBrk="0" hangingPunct="0">
-              <a:defRPr sz="2400">
-                <a:solidFill>
-                  <a:schemeClr val="tx1"/>
-                </a:solidFill>
-                <a:latin typeface="Arial" charset="0"/>
-                <a:ea typeface="ＭＳ Ｐゴシック" charset="0"/>
-              </a:defRPr>
-            </a:lvl5pPr>
-            <a:lvl6pPr marL="2514600" indent="-228600" eaLnBrk="0" fontAlgn="base" hangingPunct="0">
-              <a:spcBef>
-                <a:spcPct val="0"/>
-              </a:spcBef>
-              <a:spcAft>
-                <a:spcPct val="0"/>
-              </a:spcAft>
-              <a:defRPr sz="2400">
-                <a:solidFill>
-                  <a:schemeClr val="tx1"/>
-                </a:solidFill>
-                <a:latin typeface="Arial" charset="0"/>
-                <a:ea typeface="ＭＳ Ｐゴシック" charset="0"/>
-              </a:defRPr>
-            </a:lvl6pPr>
-            <a:lvl7pPr marL="2971800" indent="-228600" eaLnBrk="0" fontAlgn="base" hangingPunct="0">
-              <a:spcBef>
-                <a:spcPct val="0"/>
-              </a:spcBef>
-              <a:spcAft>
-                <a:spcPct val="0"/>
-              </a:spcAft>
-              <a:defRPr sz="2400">
-                <a:solidFill>
-                  <a:schemeClr val="tx1"/>
-                </a:solidFill>
-                <a:latin typeface="Arial" charset="0"/>
-                <a:ea typeface="ＭＳ Ｐゴシック" charset="0"/>
-              </a:defRPr>
-            </a:lvl7pPr>
-            <a:lvl8pPr marL="3429000" indent="-228600" eaLnBrk="0" fontAlgn="base" hangingPunct="0">
-              <a:spcBef>
-                <a:spcPct val="0"/>
-              </a:spcBef>
-              <a:spcAft>
-                <a:spcPct val="0"/>
-              </a:spcAft>
-              <a:defRPr sz="2400">
-                <a:solidFill>
-                  <a:schemeClr val="tx1"/>
-                </a:solidFill>
-                <a:latin typeface="Arial" charset="0"/>
-                <a:ea typeface="ＭＳ Ｐゴシック" charset="0"/>
-              </a:defRPr>
-            </a:lvl8pPr>
-            <a:lvl9pPr marL="3886200" indent="-228600" eaLnBrk="0" fontAlgn="base" hangingPunct="0">
-              <a:spcBef>
-                <a:spcPct val="0"/>
-              </a:spcBef>
-              <a:spcAft>
-                <a:spcPct val="0"/>
-              </a:spcAft>
-              <a:defRPr sz="2400">
-                <a:solidFill>
-                  <a:schemeClr val="tx1"/>
-                </a:solidFill>
-                <a:latin typeface="Arial" charset="0"/>
-                <a:ea typeface="ＭＳ Ｐゴシック" charset="0"/>
-              </a:defRPr>
-            </a:lvl9pPr>
-          </a:lstStyle>
-          <a:p>
-            <a:pPr eaLnBrk="1" hangingPunct="1"/>
-            <a:r>
-              <a:rPr lang="en-US" sz="1200"/>
-              <a:t>Note that to maximize confusion, each bit is described in the SAM specification using its hexadecimal representation (i.e., '0x10' = 16 and '0x40' = 64).</a:t>
-            </a:r>
-          </a:p>
-        </p:txBody>
-      </p:sp>
-      <p:pic>
-        <p:nvPicPr>
-          <p:cNvPr id="4" name="Picture 3" descr="Screen Shot 2015-11-16 at 1.15.52 PM.png"/>
-          <p:cNvPicPr>
-            <a:picLocks noChangeAspect="1"/>
-          </p:cNvPicPr>
-          <p:nvPr/>
-        </p:nvPicPr>
-        <p:blipFill>
-          <a:blip r:embed="rId3">
-            <a:extLst>
-              <a:ext uri="{28A0092B-C50C-407E-A947-70E740481C1C}">
-                <a14:useLocalDpi xmlns:a14="http://schemas.microsoft.com/office/drawing/2010/main" val="0"/>
-              </a:ext>
-            </a:extLst>
-          </a:blip>
-          <a:stretch>
-            <a:fillRect/>
-          </a:stretch>
-        </p:blipFill>
-        <p:spPr>
-          <a:xfrm>
-            <a:off x="467544" y="2636487"/>
-            <a:ext cx="7884368" cy="3168777"/>
-          </a:xfrm>
-          <a:prstGeom prst="rect">
-            <a:avLst/>
-          </a:prstGeom>
-        </p:spPr>
-      </p:pic>
-    </p:spTree>
-    <p:extLst>
-      <p:ext uri="{BB962C8B-B14F-4D97-AF65-F5344CB8AC3E}">
-        <p14:creationId xmlns:p14="http://schemas.microsoft.com/office/powerpoint/2010/main" val="2811553015"/>
-      </p:ext>
-    </p:extLst>
-  </p:cSld>
-  <p:clrMapOvr>
-    <a:masterClrMapping/>
-  </p:clrMapOvr>
-  <p:timing>
-    <p:tnLst>
-      <p:par>
-        <p:cTn xmlns:p14="http://schemas.microsoft.com/office/powerpoint/2010/main" id="1" dur="indefinite" restart="never" nodeType="tmRoot"/>
-      </p:par>
-    </p:tnLst>
-  </p:timing>
-</p:sld>
-</file>
-
-<file path=ppt/slides/slide19.xml><?xml version="1.0" encoding="utf-8"?>
-<p:sld xmlns:a="http://schemas.openxmlformats.org/drawingml/2006/main" xmlns:r="http://schemas.openxmlformats.org/officeDocument/2006/relationships" xmlns:p="http://schemas.openxmlformats.org/presentationml/2006/main">
-  <p:cSld>
-    <p:spTree>
-      <p:nvGrpSpPr>
-        <p:cNvPr id="1" name=""/>
-        <p:cNvGrpSpPr/>
-        <p:nvPr/>
-      </p:nvGrpSpPr>
-      <p:grpSpPr>
-        <a:xfrm>
-          <a:off x="0" y="0"/>
-          <a:ext cx="0" cy="0"/>
-          <a:chOff x="0" y="0"/>
-          <a:chExt cx="0" cy="0"/>
-        </a:xfrm>
-      </p:grpSpPr>
-      <p:sp>
-        <p:nvSpPr>
-          <p:cNvPr id="28673" name="Title 1"/>
-          <p:cNvSpPr>
-            <a:spLocks noGrp="1"/>
-          </p:cNvSpPr>
-          <p:nvPr>
-            <p:ph type="title"/>
-          </p:nvPr>
-        </p:nvSpPr>
-        <p:spPr>
-          <a:xfrm>
-            <a:off x="152400" y="-100013"/>
-            <a:ext cx="8839200" cy="1143001"/>
-          </a:xfrm>
-        </p:spPr>
-        <p:txBody>
-          <a:bodyPr/>
-          <a:lstStyle/>
-          <a:p>
-            <a:r>
-              <a:rPr lang="en-US">
-                <a:latin typeface="Calibri" charset="0"/>
-                <a:ea typeface="ＭＳ Ｐゴシック" charset="0"/>
-              </a:rPr>
-              <a:t>CIGAR strings explained</a:t>
-            </a:r>
-          </a:p>
-        </p:txBody>
-      </p:sp>
-      <p:sp>
-        <p:nvSpPr>
-          <p:cNvPr id="3" name="Content Placeholder 2"/>
-          <p:cNvSpPr>
-            <a:spLocks noGrp="1"/>
-          </p:cNvSpPr>
-          <p:nvPr>
-            <p:ph idx="1"/>
-          </p:nvPr>
-        </p:nvSpPr>
-        <p:spPr>
-          <a:xfrm>
-            <a:off x="179388" y="4508500"/>
-            <a:ext cx="8839200" cy="1728788"/>
-          </a:xfrm>
-        </p:spPr>
-        <p:txBody>
-          <a:bodyPr>
-            <a:normAutofit fontScale="70000" lnSpcReduction="20000"/>
-          </a:bodyPr>
-          <a:lstStyle/>
-          <a:p>
-            <a:pPr>
-              <a:defRPr/>
-            </a:pPr>
-            <a:r>
-              <a:rPr lang="en-US" dirty="0"/>
-              <a:t>The CIGAR string is a sequence of </a:t>
-            </a:r>
-            <a:r>
-              <a:rPr lang="en-US" dirty="0" smtClean="0"/>
-              <a:t>base </a:t>
-            </a:r>
-            <a:r>
-              <a:rPr lang="en-US" dirty="0"/>
-              <a:t>lengths and </a:t>
-            </a:r>
-            <a:r>
-              <a:rPr lang="en-US" dirty="0" smtClean="0"/>
-              <a:t>associated ‘operations’ that are </a:t>
-            </a:r>
-            <a:r>
-              <a:rPr lang="en-US" dirty="0"/>
-              <a:t>used to </a:t>
-            </a:r>
-            <a:r>
-              <a:rPr lang="en-US" dirty="0" smtClean="0"/>
-              <a:t>indicate which </a:t>
-            </a:r>
-            <a:r>
-              <a:rPr lang="en-US" dirty="0"/>
-              <a:t>bases align </a:t>
-            </a:r>
-            <a:r>
-              <a:rPr lang="en-US" dirty="0" smtClean="0"/>
-              <a:t>to the reference (</a:t>
-            </a:r>
-            <a:r>
-              <a:rPr lang="en-US" dirty="0"/>
-              <a:t>either a </a:t>
-            </a:r>
-            <a:r>
-              <a:rPr lang="en-US" dirty="0" smtClean="0"/>
-              <a:t>match or mismatch), </a:t>
-            </a:r>
-            <a:r>
-              <a:rPr lang="en-US" dirty="0"/>
-              <a:t>are </a:t>
-            </a:r>
-            <a:r>
-              <a:rPr lang="en-US" dirty="0" smtClean="0"/>
-              <a:t>deleted, are inserted, represent introns, etc.</a:t>
-            </a:r>
-          </a:p>
-          <a:p>
-            <a:pPr>
-              <a:defRPr/>
-            </a:pPr>
-            <a:r>
-              <a:rPr lang="en-US" dirty="0"/>
-              <a:t>e.g. </a:t>
-            </a:r>
-            <a:r>
-              <a:rPr lang="en-US" dirty="0" smtClean="0"/>
-              <a:t>81M859N19M</a:t>
-            </a:r>
-          </a:p>
-          <a:p>
-            <a:pPr lvl="1">
-              <a:defRPr/>
-            </a:pPr>
-            <a:r>
-              <a:rPr lang="en-US" dirty="0" smtClean="0"/>
-              <a:t>A 100 bp read consists of:  81 bases of alignment to reference, 859 bases skipped (an intron), 19 bases of alignment</a:t>
-            </a:r>
-            <a:endParaRPr lang="en-US" dirty="0"/>
-          </a:p>
-        </p:txBody>
-      </p:sp>
-      <p:pic>
-        <p:nvPicPr>
-          <p:cNvPr id="28675" name="Picture 4" descr="CIGAR operations.png"/>
-          <p:cNvPicPr>
-            <a:picLocks noChangeAspect="1"/>
-          </p:cNvPicPr>
-          <p:nvPr/>
-        </p:nvPicPr>
-        <p:blipFill>
-          <a:blip r:embed="rId2">
-            <a:extLst>
-              <a:ext uri="{28A0092B-C50C-407E-A947-70E740481C1C}">
-                <a14:useLocalDpi xmlns:a14="http://schemas.microsoft.com/office/drawing/2010/main" val="0"/>
-              </a:ext>
-            </a:extLst>
-          </a:blip>
-          <a:srcRect/>
-          <a:stretch>
-            <a:fillRect/>
-          </a:stretch>
-        </p:blipFill>
-        <p:spPr bwMode="auto">
-          <a:xfrm>
-            <a:off x="179388" y="1257300"/>
-            <a:ext cx="8208962" cy="3065463"/>
-          </a:xfrm>
-          <a:prstGeom prst="rect">
-            <a:avLst/>
-          </a:prstGeom>
-          <a:noFill/>
-          <a:ln>
-            <a:noFill/>
-          </a:ln>
-          <a:extLst>
-            <a:ext uri="{909E8E84-426E-40dd-AFC4-6F175D3DCCD1}">
-              <a14:hiddenFill xmlns:a14="http://schemas.microsoft.com/office/drawing/2010/main">
-                <a:solidFill>
-                  <a:srgbClr val="FFFFFF"/>
-                </a:solidFill>
-              </a14:hiddenFill>
-            </a:ext>
-            <a:ext uri="{91240B29-F687-4f45-9708-019B960494DF}">
-              <a14:hiddenLine xmlns:a14="http://schemas.microsoft.com/office/drawing/2010/main" w="9525">
-                <a:solidFill>
-                  <a:srgbClr val="000000"/>
-                </a:solidFill>
-                <a:miter lim="800000"/>
-                <a:headEnd/>
-                <a:tailEnd/>
-              </a14:hiddenLine>
-            </a:ext>
-          </a:extLst>
-        </p:spPr>
-      </p:pic>
-    </p:spTree>
-    <p:extLst>
-      <p:ext uri="{BB962C8B-B14F-4D97-AF65-F5344CB8AC3E}">
-        <p14:creationId xmlns:p14="http://schemas.microsoft.com/office/powerpoint/2010/main" val="3925206506"/>
       </p:ext>
     </p:extLst>
   </p:cSld>
@@ -8109,7 +8915,7 @@
       </p:grpSpPr>
       <p:sp>
         <p:nvSpPr>
-          <p:cNvPr id="29697" name="Title 1"/>
+          <p:cNvPr id="26625" name="Title 1"/>
           <p:cNvSpPr>
             <a:spLocks noGrp="1"/>
           </p:cNvSpPr>
@@ -8119,7 +8925,7 @@
         </p:nvSpPr>
         <p:spPr>
           <a:xfrm>
-            <a:off x="152400" y="-17463"/>
+            <a:off x="152400" y="-26988"/>
             <a:ext cx="8839200" cy="1143001"/>
           </a:xfrm>
         </p:spPr>
@@ -8132,14 +8938,14 @@
                 <a:latin typeface="Calibri" charset="0"/>
                 <a:ea typeface="ＭＳ Ｐゴシック" charset="0"/>
               </a:rPr>
-              <a:t>Introduction to the BED format</a:t>
+              <a:t>SAM/BAM alignment section</a:t>
             </a:r>
           </a:p>
         </p:txBody>
       </p:sp>
       <p:sp>
         <p:nvSpPr>
-          <p:cNvPr id="28674" name="Content Placeholder 2"/>
+          <p:cNvPr id="3" name="Content Placeholder 2"/>
           <p:cNvSpPr>
             <a:spLocks noGrp="1"/>
           </p:cNvSpPr>
@@ -8149,147 +8955,366 @@
         </p:nvSpPr>
         <p:spPr>
           <a:xfrm>
-            <a:off x="152400" y="1600200"/>
-            <a:ext cx="8839200" cy="4421188"/>
+            <a:off x="152400" y="4062413"/>
+            <a:ext cx="8839200" cy="2103437"/>
           </a:xfrm>
         </p:spPr>
         <p:txBody>
           <a:bodyPr>
-            <a:normAutofit lnSpcReduction="10000"/>
+            <a:normAutofit fontScale="32500" lnSpcReduction="20000"/>
           </a:bodyPr>
           <a:lstStyle/>
           <a:p>
-            <a:pPr>
+            <a:pPr marL="0" indent="0">
+              <a:buFont typeface="Arial" charset="0"/>
+              <a:buNone/>
               <a:defRPr/>
             </a:pPr>
             <a:r>
-              <a:rPr lang="en-US" dirty="0">
-                <a:latin typeface="Calibri" charset="0"/>
-                <a:ea typeface="ＭＳ Ｐゴシック" charset="0"/>
-              </a:rPr>
-              <a:t>When working with BAM files, it is very common to want to examine a focused subset of the reference genome</a:t>
-            </a:r>
-          </a:p>
-          <a:p>
-            <a:pPr lvl="1">
+              <a:rPr lang="en-US" sz="4300" b="1" dirty="0" smtClean="0">
+                <a:latin typeface="Courier New"/>
+                <a:cs typeface="Courier New"/>
+              </a:rPr>
+              <a:t>Example values</a:t>
+            </a:r>
+          </a:p>
+          <a:p>
+            <a:pPr marL="514350" indent="-514350">
+              <a:buFont typeface="Wingdings" charset="2"/>
+              <a:buAutoNum type="arabicPlain"/>
               <a:defRPr/>
             </a:pPr>
-            <a:r>
-              <a:rPr lang="en-US" dirty="0">
-                <a:latin typeface="Calibri" charset="0"/>
-                <a:ea typeface="ＭＳ Ｐゴシック" charset="0"/>
-              </a:rPr>
-              <a:t>e.g. </a:t>
-            </a:r>
-            <a:r>
-              <a:rPr lang="en-US" dirty="0" smtClean="0">
-                <a:latin typeface="Calibri" charset="0"/>
-                <a:ea typeface="ＭＳ Ｐゴシック" charset="0"/>
-              </a:rPr>
-              <a:t>the </a:t>
-            </a:r>
-            <a:r>
-              <a:rPr lang="en-US" dirty="0">
-                <a:latin typeface="Calibri" charset="0"/>
-                <a:ea typeface="ＭＳ Ｐゴシック" charset="0"/>
-              </a:rPr>
-              <a:t>exons of a gene</a:t>
-            </a:r>
-          </a:p>
-          <a:p>
-            <a:pPr>
+            <a:endParaRPr lang="en-US" dirty="0" smtClean="0">
+              <a:latin typeface="Courier New"/>
+              <a:cs typeface="Courier New"/>
+            </a:endParaRPr>
+          </a:p>
+          <a:p>
+            <a:pPr marL="514350" indent="-514350">
+              <a:buFont typeface="Wingdings" charset="2"/>
+              <a:buAutoNum type="arabicPlain"/>
               <a:defRPr/>
             </a:pPr>
             <a:r>
+              <a:rPr lang="en-US" dirty="0" smtClean="0">
+                <a:latin typeface="Courier New"/>
+                <a:cs typeface="Courier New"/>
+              </a:rPr>
+              <a:t>QNAME  e.g.  HWI</a:t>
+            </a:r>
+            <a:r>
               <a:rPr lang="en-US" dirty="0">
-                <a:latin typeface="Calibri" charset="0"/>
-                <a:ea typeface="ＭＳ Ｐゴシック" charset="0"/>
-              </a:rPr>
-              <a:t>These subsets are commonly specified in ‘BED’ files</a:t>
-            </a:r>
-          </a:p>
-          <a:p>
-            <a:pPr lvl="1">
+                <a:latin typeface="Courier New"/>
+                <a:cs typeface="Courier New"/>
+              </a:rPr>
+              <a:t>-ST495_129147882:1:2302:10269:</a:t>
+            </a:r>
+            <a:r>
+              <a:rPr lang="en-US" dirty="0" smtClean="0">
+                <a:latin typeface="Courier New"/>
+                <a:cs typeface="Courier New"/>
+              </a:rPr>
+              <a:t>12362 (QNAME)</a:t>
+            </a:r>
+          </a:p>
+          <a:p>
+            <a:pPr marL="514350" indent="-514350">
+              <a:buFont typeface="Wingdings" charset="2"/>
+              <a:buAutoNum type="arabicPlain"/>
               <a:defRPr/>
             </a:pPr>
             <a:r>
-              <a:rPr lang="en-US" dirty="0">
-                <a:latin typeface="Calibri" charset="0"/>
-                <a:ea typeface="ＭＳ Ｐゴシック" charset="0"/>
-                <a:hlinkClick r:id="rId2"/>
-              </a:rPr>
-              <a:t>https://genome.ucsc.edu/FAQ/FAQformat.html#format1</a:t>
-            </a:r>
-            <a:endParaRPr lang="en-US" dirty="0">
-              <a:latin typeface="Calibri" charset="0"/>
-              <a:ea typeface="ＭＳ Ｐゴシック" charset="0"/>
-            </a:endParaRPr>
-          </a:p>
-          <a:p>
-            <a:pPr>
+              <a:rPr lang="en-US" dirty="0" smtClean="0">
+                <a:latin typeface="Courier New"/>
+                <a:cs typeface="Courier New"/>
+              </a:rPr>
+              <a:t>FLAG   e.g.  99</a:t>
+            </a:r>
+          </a:p>
+          <a:p>
+            <a:pPr marL="514350" indent="-514350">
+              <a:buFont typeface="Wingdings" charset="2"/>
+              <a:buAutoNum type="arabicPlain"/>
               <a:defRPr/>
             </a:pPr>
             <a:r>
-              <a:rPr lang="en-US" dirty="0">
-                <a:latin typeface="Calibri" charset="0"/>
-                <a:ea typeface="ＭＳ Ｐゴシック" charset="0"/>
-              </a:rPr>
-              <a:t>Many BAM manipulation tools accept regions of interest in BED format</a:t>
-            </a:r>
-          </a:p>
-          <a:p>
-            <a:pPr>
+              <a:rPr lang="en-US" dirty="0" smtClean="0">
+                <a:latin typeface="Courier New"/>
+                <a:cs typeface="Courier New"/>
+              </a:rPr>
+              <a:t>RNAME  e.g.  1</a:t>
+            </a:r>
+          </a:p>
+          <a:p>
+            <a:pPr marL="514350" indent="-514350">
+              <a:buFont typeface="Wingdings" charset="2"/>
+              <a:buAutoNum type="arabicPlain"/>
               <a:defRPr/>
             </a:pPr>
             <a:r>
-              <a:rPr lang="en-US" dirty="0">
-                <a:latin typeface="Calibri" charset="0"/>
-                <a:ea typeface="ＭＳ Ｐゴシック" charset="0"/>
-              </a:rPr>
-              <a:t>Basic BED format (tab separated):</a:t>
-            </a:r>
-          </a:p>
-          <a:p>
-            <a:pPr lvl="1">
+              <a:rPr lang="en-US" dirty="0" smtClean="0">
+                <a:latin typeface="Courier New"/>
+                <a:cs typeface="Courier New"/>
+              </a:rPr>
+              <a:t>POS    e.g.  11623</a:t>
+            </a:r>
+          </a:p>
+          <a:p>
+            <a:pPr marL="514350" indent="-514350">
+              <a:buFont typeface="Wingdings" charset="2"/>
+              <a:buAutoNum type="arabicPlain"/>
               <a:defRPr/>
             </a:pPr>
             <a:r>
-              <a:rPr lang="en-US" dirty="0">
-                <a:latin typeface="Calibri" charset="0"/>
-                <a:ea typeface="ＭＳ Ｐゴシック" charset="0"/>
-              </a:rPr>
-              <a:t>Chromosome name, start position, end </a:t>
-            </a:r>
-            <a:r>
               <a:rPr lang="en-US" dirty="0" smtClean="0">
-                <a:latin typeface="Calibri" charset="0"/>
-                <a:ea typeface="ＭＳ Ｐゴシック" charset="0"/>
-              </a:rPr>
-              <a:t>position</a:t>
-            </a:r>
-          </a:p>
-          <a:p>
-            <a:pPr lvl="1">
+                <a:latin typeface="Courier New"/>
+                <a:cs typeface="Courier New"/>
+              </a:rPr>
+              <a:t>MAPQ   e.g.  3</a:t>
+            </a:r>
+          </a:p>
+          <a:p>
+            <a:pPr marL="514350" indent="-514350">
+              <a:buFont typeface="Wingdings" charset="2"/>
+              <a:buAutoNum type="arabicPlain"/>
               <a:defRPr/>
             </a:pPr>
             <a:r>
               <a:rPr lang="en-US" dirty="0" smtClean="0">
-                <a:latin typeface="Calibri" charset="0"/>
-                <a:ea typeface="ＭＳ Ｐゴシック" charset="0"/>
-              </a:rPr>
-              <a:t>Coordinates in BED format are 0 based</a:t>
+                <a:latin typeface="Courier New"/>
+                <a:cs typeface="Courier New"/>
+              </a:rPr>
+              <a:t>CIGAR  e.g.  100M</a:t>
+            </a:r>
+          </a:p>
+          <a:p>
+            <a:pPr marL="514350" indent="-514350">
+              <a:buFont typeface="Wingdings" charset="2"/>
+              <a:buAutoNum type="arabicPlain"/>
+              <a:defRPr/>
+            </a:pPr>
+            <a:r>
+              <a:rPr lang="en-US" dirty="0" smtClean="0">
+                <a:latin typeface="Courier New"/>
+                <a:cs typeface="Courier New"/>
+              </a:rPr>
+              <a:t>RNEXT  e.g.  = </a:t>
+            </a:r>
+          </a:p>
+          <a:p>
+            <a:pPr marL="514350" indent="-514350">
+              <a:buFont typeface="Wingdings" charset="2"/>
+              <a:buAutoNum type="arabicPlain"/>
+              <a:defRPr/>
+            </a:pPr>
+            <a:r>
+              <a:rPr lang="en-US" dirty="0" smtClean="0">
+                <a:latin typeface="Courier New"/>
+                <a:cs typeface="Courier New"/>
+              </a:rPr>
+              <a:t>PNEXT  e.g.  11740</a:t>
+            </a:r>
+          </a:p>
+          <a:p>
+            <a:pPr marL="514350" indent="-514350">
+              <a:buFont typeface="Wingdings" charset="2"/>
+              <a:buAutoNum type="arabicPlain"/>
+              <a:defRPr/>
+            </a:pPr>
+            <a:r>
+              <a:rPr lang="en-US" dirty="0" smtClean="0">
+                <a:latin typeface="Courier New"/>
+                <a:cs typeface="Courier New"/>
+              </a:rPr>
+              <a:t>TLEN   e.g.  217</a:t>
+            </a:r>
+          </a:p>
+          <a:p>
+            <a:pPr marL="514350" indent="-514350">
+              <a:buFont typeface="Wingdings" charset="2"/>
+              <a:buAutoNum type="arabicPlain"/>
+              <a:defRPr/>
+            </a:pPr>
+            <a:r>
+              <a:rPr lang="en-US" dirty="0" smtClean="0">
+                <a:latin typeface="Courier New"/>
+                <a:cs typeface="Courier New"/>
+              </a:rPr>
+              <a:t>SEQ    e.g.  CCTGTTTCTCCACAAAGTGTTTACTTTTGGATTTTTGCCAGTCTAACAGGTGAAGCCCTGGAGATTCTTATTAGTGATTTGGGCTGGGGCCTGGCCATGT</a:t>
+            </a:r>
+          </a:p>
+          <a:p>
+            <a:pPr marL="514350" indent="-514350">
+              <a:buFont typeface="Wingdings" charset="2"/>
+              <a:buAutoNum type="arabicPlain"/>
+              <a:defRPr/>
+            </a:pPr>
+            <a:r>
+              <a:rPr lang="en-US" dirty="0" smtClean="0">
+                <a:latin typeface="Courier New"/>
+                <a:cs typeface="Courier New"/>
+              </a:rPr>
+              <a:t>QUAL   e.g.  CCCFFFFFHHHHHJJIJFIJJJJJJJJJJJHIJJJJJJJIJJJJJGGHIJHIJJJJJJJJJGHGGIJJJJJJIJEEHHHHFFFFCDCDDDDDDDB</a:t>
+            </a:r>
+            <a:r>
+              <a:rPr lang="en-US" dirty="0">
+                <a:latin typeface="Courier New"/>
+                <a:cs typeface="Courier New"/>
+              </a:rPr>
+              <a:t>@</a:t>
+            </a:r>
+            <a:r>
+              <a:rPr lang="en-US" dirty="0" smtClean="0">
+                <a:latin typeface="Courier New"/>
+                <a:cs typeface="Courier New"/>
+              </a:rPr>
+              <a:t>ACDD</a:t>
             </a:r>
             <a:endParaRPr lang="en-US" dirty="0">
-              <a:latin typeface="Calibri" charset="0"/>
-              <a:ea typeface="ＭＳ Ｐゴシック" charset="0"/>
+              <a:latin typeface="Courier New"/>
+              <a:cs typeface="Courier New"/>
             </a:endParaRPr>
+          </a:p>
+        </p:txBody>
+      </p:sp>
+      <p:pic>
+        <p:nvPicPr>
+          <p:cNvPr id="26627" name="Picture 3" descr="BAM Alignment Section Columns.png"/>
+          <p:cNvPicPr>
+            <a:picLocks noChangeAspect="1"/>
+          </p:cNvPicPr>
+          <p:nvPr/>
+        </p:nvPicPr>
+        <p:blipFill>
+          <a:blip r:embed="rId2">
+            <a:extLst>
+              <a:ext uri="{28A0092B-C50C-407E-A947-70E740481C1C}">
+                <a14:useLocalDpi xmlns:a14="http://schemas.microsoft.com/office/drawing/2010/main" val="0"/>
+              </a:ext>
+            </a:extLst>
+          </a:blip>
+          <a:srcRect/>
+          <a:stretch>
+            <a:fillRect/>
+          </a:stretch>
+        </p:blipFill>
+        <p:spPr bwMode="auto">
+          <a:xfrm>
+            <a:off x="468313" y="1063625"/>
+            <a:ext cx="8170862" cy="2711450"/>
+          </a:xfrm>
+          <a:prstGeom prst="rect">
+            <a:avLst/>
+          </a:prstGeom>
+          <a:noFill/>
+          <a:ln>
+            <a:noFill/>
+          </a:ln>
+          <a:extLst>
+            <a:ext uri="{909E8E84-426E-40dd-AFC4-6F175D3DCCD1}">
+              <a14:hiddenFill xmlns:a14="http://schemas.microsoft.com/office/drawing/2010/main">
+                <a:solidFill>
+                  <a:srgbClr val="FFFFFF"/>
+                </a:solidFill>
+              </a14:hiddenFill>
+            </a:ext>
+            <a:ext uri="{91240B29-F687-4f45-9708-019B960494DF}">
+              <a14:hiddenLine xmlns:a14="http://schemas.microsoft.com/office/drawing/2010/main" w="9525">
+                <a:solidFill>
+                  <a:srgbClr val="000000"/>
+                </a:solidFill>
+                <a:miter lim="800000"/>
+                <a:headEnd/>
+                <a:tailEnd/>
+              </a14:hiddenLine>
+            </a:ext>
+          </a:extLst>
+        </p:spPr>
+      </p:pic>
+      <p:sp>
+        <p:nvSpPr>
+          <p:cNvPr id="5" name="5-Point Star 4"/>
+          <p:cNvSpPr/>
+          <p:nvPr/>
+        </p:nvSpPr>
+        <p:spPr>
+          <a:xfrm>
+            <a:off x="611188" y="1541463"/>
+            <a:ext cx="144462" cy="144462"/>
+          </a:xfrm>
+          <a:prstGeom prst="star5">
+            <a:avLst/>
+          </a:prstGeom>
+        </p:spPr>
+        <p:style>
+          <a:lnRef idx="1">
+            <a:schemeClr val="accent2"/>
+          </a:lnRef>
+          <a:fillRef idx="3">
+            <a:schemeClr val="accent2"/>
+          </a:fillRef>
+          <a:effectRef idx="2">
+            <a:schemeClr val="accent2"/>
+          </a:effectRef>
+          <a:fontRef idx="minor">
+            <a:schemeClr val="lt1"/>
+          </a:fontRef>
+        </p:style>
+        <p:txBody>
+          <a:bodyPr anchor="ctr"/>
+          <a:lstStyle/>
+          <a:p>
+            <a:pPr algn="ctr">
+              <a:defRPr/>
+            </a:pPr>
+            <a:endParaRPr lang="en-US" dirty="0"/>
+          </a:p>
+        </p:txBody>
+      </p:sp>
+      <p:sp>
+        <p:nvSpPr>
+          <p:cNvPr id="6" name="5-Point Star 5"/>
+          <p:cNvSpPr/>
+          <p:nvPr/>
+        </p:nvSpPr>
+        <p:spPr>
+          <a:xfrm>
+            <a:off x="611188" y="2406650"/>
+            <a:ext cx="144462" cy="142875"/>
+          </a:xfrm>
+          <a:prstGeom prst="star5">
+            <a:avLst/>
+          </a:prstGeom>
+        </p:spPr>
+        <p:style>
+          <a:lnRef idx="1">
+            <a:schemeClr val="accent2"/>
+          </a:lnRef>
+          <a:fillRef idx="3">
+            <a:schemeClr val="accent2"/>
+          </a:fillRef>
+          <a:effectRef idx="2">
+            <a:schemeClr val="accent2"/>
+          </a:effectRef>
+          <a:fontRef idx="minor">
+            <a:schemeClr val="lt1"/>
+          </a:fontRef>
+        </p:style>
+        <p:txBody>
+          <a:bodyPr anchor="ctr"/>
+          <a:lstStyle/>
+          <a:p>
+            <a:pPr algn="ctr">
+              <a:defRPr/>
+            </a:pPr>
+            <a:endParaRPr lang="en-US" dirty="0"/>
           </a:p>
         </p:txBody>
       </p:sp>
     </p:spTree>
     <p:extLst>
       <p:ext uri="{BB962C8B-B14F-4D97-AF65-F5344CB8AC3E}">
-        <p14:creationId xmlns:p14="http://schemas.microsoft.com/office/powerpoint/2010/main" val="453791632"/>
+        <p14:creationId xmlns:p14="http://schemas.microsoft.com/office/powerpoint/2010/main" val="2119413959"/>
       </p:ext>
     </p:extLst>
   </p:cSld>
@@ -8325,7 +9350,7 @@
       </p:grpSpPr>
       <p:sp>
         <p:nvSpPr>
-          <p:cNvPr id="30721" name="Title 1"/>
+          <p:cNvPr id="27649" name="Title 1"/>
           <p:cNvSpPr>
             <a:spLocks noGrp="1"/>
           </p:cNvSpPr>
@@ -8344,18 +9369,18 @@
           <a:lstStyle/>
           <a:p>
             <a:r>
-              <a:rPr lang="en-US">
+              <a:rPr lang="en-US" dirty="0">
                 <a:latin typeface="Calibri" charset="0"/>
                 <a:ea typeface="ＭＳ Ｐゴシック" charset="0"/>
               </a:rPr>
-              <a:t>Manipulation of SAM/BAM and BED files</a:t>
+              <a:t>SAM/BAM flags explained</a:t>
             </a:r>
           </a:p>
         </p:txBody>
       </p:sp>
       <p:sp>
         <p:nvSpPr>
-          <p:cNvPr id="30722" name="Content Placeholder 2"/>
+          <p:cNvPr id="3" name="Content Placeholder 2"/>
           <p:cNvSpPr>
             <a:spLocks noGrp="1"/>
           </p:cNvSpPr>
@@ -8365,96 +9390,275 @@
         </p:nvSpPr>
         <p:spPr>
           <a:xfrm>
-            <a:off x="152400" y="1412875"/>
-            <a:ext cx="8839200" cy="4724400"/>
+            <a:off x="152400" y="1052513"/>
+            <a:ext cx="8839200" cy="1798637"/>
           </a:xfrm>
         </p:spPr>
         <p:txBody>
-          <a:bodyPr/>
+          <a:bodyPr>
+            <a:normAutofit fontScale="55000" lnSpcReduction="20000"/>
+          </a:bodyPr>
           <a:lstStyle/>
           <a:p>
-            <a:r>
-              <a:rPr lang="en-US">
-                <a:latin typeface="Calibri" charset="0"/>
-                <a:ea typeface="ＭＳ Ｐゴシック" charset="0"/>
-              </a:rPr>
-              <a:t>Several tools are used ubiquitously in sequence analysis to manipulate these files</a:t>
-            </a:r>
-          </a:p>
-          <a:p>
-            <a:r>
-              <a:rPr lang="en-US">
-                <a:latin typeface="Calibri" charset="0"/>
-                <a:ea typeface="ＭＳ Ｐゴシック" charset="0"/>
-              </a:rPr>
-              <a:t>SAM/BAM files</a:t>
-            </a:r>
-          </a:p>
-          <a:p>
-            <a:pPr lvl="1"/>
-            <a:r>
-              <a:rPr lang="en-US">
-                <a:latin typeface="Calibri" charset="0"/>
-                <a:ea typeface="ＭＳ Ｐゴシック" charset="0"/>
-              </a:rPr>
-              <a:t>samtools</a:t>
-            </a:r>
-          </a:p>
-          <a:p>
-            <a:pPr lvl="1"/>
-            <a:r>
-              <a:rPr lang="en-US">
-                <a:latin typeface="Calibri" charset="0"/>
-                <a:ea typeface="ＭＳ Ｐゴシック" charset="0"/>
-              </a:rPr>
-              <a:t>bamtools</a:t>
-            </a:r>
-          </a:p>
-          <a:p>
-            <a:pPr lvl="1"/>
-            <a:r>
-              <a:rPr lang="en-US">
-                <a:latin typeface="Calibri" charset="0"/>
-                <a:ea typeface="ＭＳ Ｐゴシック" charset="0"/>
-              </a:rPr>
-              <a:t>picard</a:t>
-            </a:r>
-          </a:p>
-          <a:p>
-            <a:r>
-              <a:rPr lang="en-US">
-                <a:latin typeface="Calibri" charset="0"/>
-                <a:ea typeface="ＭＳ Ｐゴシック" charset="0"/>
-              </a:rPr>
-              <a:t>BED files</a:t>
-            </a:r>
-          </a:p>
-          <a:p>
-            <a:pPr lvl="1"/>
-            <a:r>
-              <a:rPr lang="en-US">
-                <a:latin typeface="Calibri" charset="0"/>
-                <a:ea typeface="ＭＳ Ｐゴシック" charset="0"/>
-              </a:rPr>
-              <a:t>bedtools</a:t>
-            </a:r>
-          </a:p>
-          <a:p>
-            <a:pPr lvl="1"/>
-            <a:r>
-              <a:rPr lang="en-US">
-                <a:latin typeface="Calibri" charset="0"/>
-                <a:ea typeface="ＭＳ Ｐゴシック" charset="0"/>
-              </a:rPr>
-              <a:t>bedops</a:t>
-            </a:r>
+            <a:pPr>
+              <a:defRPr/>
+            </a:pPr>
+            <a:r>
+              <a:rPr lang="en-US" dirty="0">
+                <a:hlinkClick r:id="rId2"/>
+              </a:rPr>
+              <a:t>http://broadinstitute.github.io/picard/explain-</a:t>
+            </a:r>
+            <a:r>
+              <a:rPr lang="en-US" dirty="0" smtClean="0">
+                <a:hlinkClick r:id="rId2"/>
+              </a:rPr>
+              <a:t>flags.html</a:t>
+            </a:r>
+            <a:endParaRPr lang="en-US" dirty="0" smtClean="0"/>
+          </a:p>
+          <a:p>
+            <a:pPr>
+              <a:defRPr/>
+            </a:pPr>
+            <a:r>
+              <a:rPr lang="en-US" dirty="0" smtClean="0"/>
+              <a:t>12 bitwise flags describing the alignment</a:t>
+            </a:r>
+          </a:p>
+          <a:p>
+            <a:pPr>
+              <a:defRPr/>
+            </a:pPr>
+            <a:r>
+              <a:rPr lang="en-US" dirty="0" smtClean="0"/>
+              <a:t>These flags are stored as a binary string of length 11 instead of 11 columns of data</a:t>
+            </a:r>
+          </a:p>
+          <a:p>
+            <a:pPr>
+              <a:defRPr/>
+            </a:pPr>
+            <a:r>
+              <a:rPr lang="en-US" dirty="0" smtClean="0"/>
+              <a:t>Value of ‘1’ indicates the flag is set.  e.g. 00100000000</a:t>
+            </a:r>
+          </a:p>
+          <a:p>
+            <a:pPr>
+              <a:defRPr/>
+            </a:pPr>
+            <a:r>
+              <a:rPr lang="en-US" dirty="0" smtClean="0"/>
+              <a:t>All combinations can be represented as a number from 1 to 2048 (i.e. 2</a:t>
+            </a:r>
+            <a:r>
+              <a:rPr lang="en-US" baseline="30000" dirty="0" smtClean="0"/>
+              <a:t>11</a:t>
+            </a:r>
+            <a:r>
+              <a:rPr lang="en-US" dirty="0" smtClean="0"/>
+              <a:t>-1).  This number is used in the BAM/SAM file.  You can specify ‘required’ or ‘filter’ flags in samtools view using the ‘-f’ and ‘-F’ options respectively  </a:t>
+            </a:r>
+            <a:endParaRPr lang="en-US" dirty="0"/>
           </a:p>
         </p:txBody>
       </p:sp>
+      <p:sp>
+        <p:nvSpPr>
+          <p:cNvPr id="27652" name="TextBox 4"/>
+          <p:cNvSpPr txBox="1">
+            <a:spLocks noChangeArrowheads="1"/>
+          </p:cNvSpPr>
+          <p:nvPr/>
+        </p:nvSpPr>
+        <p:spPr bwMode="auto">
+          <a:xfrm>
+            <a:off x="250825" y="5846763"/>
+            <a:ext cx="8424863" cy="461962"/>
+          </a:xfrm>
+          <a:prstGeom prst="rect">
+            <a:avLst/>
+          </a:prstGeom>
+          <a:noFill/>
+          <a:ln>
+            <a:noFill/>
+          </a:ln>
+          <a:extLst>
+            <a:ext uri="{909E8E84-426E-40dd-AFC4-6F175D3DCCD1}">
+              <a14:hiddenFill xmlns:a14="http://schemas.microsoft.com/office/drawing/2010/main">
+                <a:solidFill>
+                  <a:srgbClr val="FFFFFF"/>
+                </a:solidFill>
+              </a14:hiddenFill>
+            </a:ext>
+            <a:ext uri="{91240B29-F687-4f45-9708-019B960494DF}">
+              <a14:hiddenLine xmlns:a14="http://schemas.microsoft.com/office/drawing/2010/main" w="9525">
+                <a:solidFill>
+                  <a:srgbClr val="000000"/>
+                </a:solidFill>
+                <a:miter lim="800000"/>
+                <a:headEnd/>
+                <a:tailEnd/>
+              </a14:hiddenLine>
+            </a:ext>
+          </a:extLst>
+        </p:spPr>
+        <p:txBody>
+          <a:bodyPr>
+            <a:spAutoFit/>
+          </a:bodyPr>
+          <a:lstStyle>
+            <a:lvl1pPr eaLnBrk="0" hangingPunct="0">
+              <a:defRPr sz="2400">
+                <a:solidFill>
+                  <a:schemeClr val="tx1"/>
+                </a:solidFill>
+                <a:latin typeface="Arial" charset="0"/>
+                <a:ea typeface="ＭＳ Ｐゴシック" charset="0"/>
+                <a:cs typeface="ＭＳ Ｐゴシック" charset="0"/>
+              </a:defRPr>
+            </a:lvl1pPr>
+            <a:lvl2pPr marL="742950" indent="-285750" eaLnBrk="0" hangingPunct="0">
+              <a:defRPr sz="2400">
+                <a:solidFill>
+                  <a:schemeClr val="tx1"/>
+                </a:solidFill>
+                <a:latin typeface="Arial" charset="0"/>
+                <a:ea typeface="ＭＳ Ｐゴシック" charset="0"/>
+              </a:defRPr>
+            </a:lvl2pPr>
+            <a:lvl3pPr marL="1143000" indent="-228600" eaLnBrk="0" hangingPunct="0">
+              <a:defRPr sz="2400">
+                <a:solidFill>
+                  <a:schemeClr val="tx1"/>
+                </a:solidFill>
+                <a:latin typeface="Arial" charset="0"/>
+                <a:ea typeface="ＭＳ Ｐゴシック" charset="0"/>
+              </a:defRPr>
+            </a:lvl3pPr>
+            <a:lvl4pPr marL="1600200" indent="-228600" eaLnBrk="0" hangingPunct="0">
+              <a:defRPr sz="2400">
+                <a:solidFill>
+                  <a:schemeClr val="tx1"/>
+                </a:solidFill>
+                <a:latin typeface="Arial" charset="0"/>
+                <a:ea typeface="ＭＳ Ｐゴシック" charset="0"/>
+              </a:defRPr>
+            </a:lvl4pPr>
+            <a:lvl5pPr marL="2057400" indent="-228600" eaLnBrk="0" hangingPunct="0">
+              <a:defRPr sz="2400">
+                <a:solidFill>
+                  <a:schemeClr val="tx1"/>
+                </a:solidFill>
+                <a:latin typeface="Arial" charset="0"/>
+                <a:ea typeface="ＭＳ Ｐゴシック" charset="0"/>
+              </a:defRPr>
+            </a:lvl5pPr>
+            <a:lvl6pPr marL="2514600" indent="-228600" eaLnBrk="0" fontAlgn="base" hangingPunct="0">
+              <a:spcBef>
+                <a:spcPct val="0"/>
+              </a:spcBef>
+              <a:spcAft>
+                <a:spcPct val="0"/>
+              </a:spcAft>
+              <a:defRPr sz="2400">
+                <a:solidFill>
+                  <a:schemeClr val="tx1"/>
+                </a:solidFill>
+                <a:latin typeface="Arial" charset="0"/>
+                <a:ea typeface="ＭＳ Ｐゴシック" charset="0"/>
+              </a:defRPr>
+            </a:lvl6pPr>
+            <a:lvl7pPr marL="2971800" indent="-228600" eaLnBrk="0" fontAlgn="base" hangingPunct="0">
+              <a:spcBef>
+                <a:spcPct val="0"/>
+              </a:spcBef>
+              <a:spcAft>
+                <a:spcPct val="0"/>
+              </a:spcAft>
+              <a:defRPr sz="2400">
+                <a:solidFill>
+                  <a:schemeClr val="tx1"/>
+                </a:solidFill>
+                <a:latin typeface="Arial" charset="0"/>
+                <a:ea typeface="ＭＳ Ｐゴシック" charset="0"/>
+              </a:defRPr>
+            </a:lvl7pPr>
+            <a:lvl8pPr marL="3429000" indent="-228600" eaLnBrk="0" fontAlgn="base" hangingPunct="0">
+              <a:spcBef>
+                <a:spcPct val="0"/>
+              </a:spcBef>
+              <a:spcAft>
+                <a:spcPct val="0"/>
+              </a:spcAft>
+              <a:defRPr sz="2400">
+                <a:solidFill>
+                  <a:schemeClr val="tx1"/>
+                </a:solidFill>
+                <a:latin typeface="Arial" charset="0"/>
+                <a:ea typeface="ＭＳ Ｐゴシック" charset="0"/>
+              </a:defRPr>
+            </a:lvl8pPr>
+            <a:lvl9pPr marL="3886200" indent="-228600" eaLnBrk="0" fontAlgn="base" hangingPunct="0">
+              <a:spcBef>
+                <a:spcPct val="0"/>
+              </a:spcBef>
+              <a:spcAft>
+                <a:spcPct val="0"/>
+              </a:spcAft>
+              <a:defRPr sz="2400">
+                <a:solidFill>
+                  <a:schemeClr val="tx1"/>
+                </a:solidFill>
+                <a:latin typeface="Arial" charset="0"/>
+                <a:ea typeface="ＭＳ Ｐゴシック" charset="0"/>
+              </a:defRPr>
+            </a:lvl9pPr>
+          </a:lstStyle>
+          <a:p>
+            <a:pPr eaLnBrk="1" hangingPunct="1"/>
+            <a:r>
+              <a:rPr lang="en-US" sz="1200"/>
+              <a:t>Note that to maximize confusion, each bit is described in the SAM specification using its hexadecimal representation (i.e., '0x10' = 16 and '0x40' = 64).</a:t>
+            </a:r>
+          </a:p>
+        </p:txBody>
+      </p:sp>
+      <p:pic>
+        <p:nvPicPr>
+          <p:cNvPr id="4" name="Picture 3" descr="Screen Shot 2015-11-16 at 1.15.52 PM.png"/>
+          <p:cNvPicPr>
+            <a:picLocks noChangeAspect="1"/>
+          </p:cNvPicPr>
+          <p:nvPr/>
+        </p:nvPicPr>
+        <p:blipFill>
+          <a:blip r:embed="rId3">
+            <a:extLst>
+              <a:ext uri="{28A0092B-C50C-407E-A947-70E740481C1C}">
+                <a14:useLocalDpi xmlns:a14="http://schemas.microsoft.com/office/drawing/2010/main" val="0"/>
+              </a:ext>
+            </a:extLst>
+          </a:blip>
+          <a:stretch>
+            <a:fillRect/>
+          </a:stretch>
+        </p:blipFill>
+        <p:spPr>
+          <a:xfrm>
+            <a:off x="467544" y="2636487"/>
+            <a:ext cx="7884368" cy="3168777"/>
+          </a:xfrm>
+          <a:prstGeom prst="rect">
+            <a:avLst/>
+          </a:prstGeom>
+        </p:spPr>
+      </p:pic>
     </p:spTree>
     <p:extLst>
       <p:ext uri="{BB962C8B-B14F-4D97-AF65-F5344CB8AC3E}">
-        <p14:creationId xmlns:p14="http://schemas.microsoft.com/office/powerpoint/2010/main" val="3327269078"/>
+        <p14:creationId xmlns:p14="http://schemas.microsoft.com/office/powerpoint/2010/main" val="2811553015"/>
       </p:ext>
     </p:extLst>
   </p:cSld>
@@ -8490,6 +9694,607 @@
       </p:grpSpPr>
       <p:sp>
         <p:nvSpPr>
+          <p:cNvPr id="28673" name="Title 1"/>
+          <p:cNvSpPr>
+            <a:spLocks noGrp="1"/>
+          </p:cNvSpPr>
+          <p:nvPr>
+            <p:ph type="title"/>
+          </p:nvPr>
+        </p:nvSpPr>
+        <p:spPr>
+          <a:xfrm>
+            <a:off x="152400" y="-100013"/>
+            <a:ext cx="8839200" cy="1143001"/>
+          </a:xfrm>
+        </p:spPr>
+        <p:txBody>
+          <a:bodyPr/>
+          <a:lstStyle/>
+          <a:p>
+            <a:r>
+              <a:rPr lang="en-US">
+                <a:latin typeface="Calibri" charset="0"/>
+                <a:ea typeface="ＭＳ Ｐゴシック" charset="0"/>
+              </a:rPr>
+              <a:t>CIGAR strings explained</a:t>
+            </a:r>
+          </a:p>
+        </p:txBody>
+      </p:sp>
+      <p:sp>
+        <p:nvSpPr>
+          <p:cNvPr id="3" name="Content Placeholder 2"/>
+          <p:cNvSpPr>
+            <a:spLocks noGrp="1"/>
+          </p:cNvSpPr>
+          <p:nvPr>
+            <p:ph idx="1"/>
+          </p:nvPr>
+        </p:nvSpPr>
+        <p:spPr>
+          <a:xfrm>
+            <a:off x="179388" y="4508500"/>
+            <a:ext cx="8839200" cy="1728788"/>
+          </a:xfrm>
+        </p:spPr>
+        <p:txBody>
+          <a:bodyPr>
+            <a:normAutofit fontScale="70000" lnSpcReduction="20000"/>
+          </a:bodyPr>
+          <a:lstStyle/>
+          <a:p>
+            <a:pPr>
+              <a:defRPr/>
+            </a:pPr>
+            <a:r>
+              <a:rPr lang="en-US" dirty="0"/>
+              <a:t>The CIGAR string is a sequence of </a:t>
+            </a:r>
+            <a:r>
+              <a:rPr lang="en-US" dirty="0" smtClean="0"/>
+              <a:t>base </a:t>
+            </a:r>
+            <a:r>
+              <a:rPr lang="en-US" dirty="0"/>
+              <a:t>lengths and </a:t>
+            </a:r>
+            <a:r>
+              <a:rPr lang="en-US" dirty="0" smtClean="0"/>
+              <a:t>associated ‘operations’ that are </a:t>
+            </a:r>
+            <a:r>
+              <a:rPr lang="en-US" dirty="0"/>
+              <a:t>used to </a:t>
+            </a:r>
+            <a:r>
+              <a:rPr lang="en-US" dirty="0" smtClean="0"/>
+              <a:t>indicate which </a:t>
+            </a:r>
+            <a:r>
+              <a:rPr lang="en-US" dirty="0"/>
+              <a:t>bases align </a:t>
+            </a:r>
+            <a:r>
+              <a:rPr lang="en-US" dirty="0" smtClean="0"/>
+              <a:t>to the reference (</a:t>
+            </a:r>
+            <a:r>
+              <a:rPr lang="en-US" dirty="0"/>
+              <a:t>either a </a:t>
+            </a:r>
+            <a:r>
+              <a:rPr lang="en-US" dirty="0" smtClean="0"/>
+              <a:t>match or mismatch), </a:t>
+            </a:r>
+            <a:r>
+              <a:rPr lang="en-US" dirty="0"/>
+              <a:t>are </a:t>
+            </a:r>
+            <a:r>
+              <a:rPr lang="en-US" dirty="0" smtClean="0"/>
+              <a:t>deleted, are inserted, represent introns, etc.</a:t>
+            </a:r>
+          </a:p>
+          <a:p>
+            <a:pPr>
+              <a:defRPr/>
+            </a:pPr>
+            <a:r>
+              <a:rPr lang="en-US" dirty="0"/>
+              <a:t>e.g. </a:t>
+            </a:r>
+            <a:r>
+              <a:rPr lang="en-US" dirty="0" smtClean="0"/>
+              <a:t>81M859N19M</a:t>
+            </a:r>
+          </a:p>
+          <a:p>
+            <a:pPr lvl="1">
+              <a:defRPr/>
+            </a:pPr>
+            <a:r>
+              <a:rPr lang="en-US" dirty="0" smtClean="0"/>
+              <a:t>A 100 bp read consists of:  81 bases of alignment to reference, 859 bases skipped (an intron), 19 bases of alignment</a:t>
+            </a:r>
+            <a:endParaRPr lang="en-US" dirty="0"/>
+          </a:p>
+        </p:txBody>
+      </p:sp>
+      <p:pic>
+        <p:nvPicPr>
+          <p:cNvPr id="28675" name="Picture 4" descr="CIGAR operations.png"/>
+          <p:cNvPicPr>
+            <a:picLocks noChangeAspect="1"/>
+          </p:cNvPicPr>
+          <p:nvPr/>
+        </p:nvPicPr>
+        <p:blipFill>
+          <a:blip r:embed="rId2">
+            <a:extLst>
+              <a:ext uri="{28A0092B-C50C-407E-A947-70E740481C1C}">
+                <a14:useLocalDpi xmlns:a14="http://schemas.microsoft.com/office/drawing/2010/main" val="0"/>
+              </a:ext>
+            </a:extLst>
+          </a:blip>
+          <a:srcRect/>
+          <a:stretch>
+            <a:fillRect/>
+          </a:stretch>
+        </p:blipFill>
+        <p:spPr bwMode="auto">
+          <a:xfrm>
+            <a:off x="179388" y="1257300"/>
+            <a:ext cx="8208962" cy="3065463"/>
+          </a:xfrm>
+          <a:prstGeom prst="rect">
+            <a:avLst/>
+          </a:prstGeom>
+          <a:noFill/>
+          <a:ln>
+            <a:noFill/>
+          </a:ln>
+          <a:extLst>
+            <a:ext uri="{909E8E84-426E-40dd-AFC4-6F175D3DCCD1}">
+              <a14:hiddenFill xmlns:a14="http://schemas.microsoft.com/office/drawing/2010/main">
+                <a:solidFill>
+                  <a:srgbClr val="FFFFFF"/>
+                </a:solidFill>
+              </a14:hiddenFill>
+            </a:ext>
+            <a:ext uri="{91240B29-F687-4f45-9708-019B960494DF}">
+              <a14:hiddenLine xmlns:a14="http://schemas.microsoft.com/office/drawing/2010/main" w="9525">
+                <a:solidFill>
+                  <a:srgbClr val="000000"/>
+                </a:solidFill>
+                <a:miter lim="800000"/>
+                <a:headEnd/>
+                <a:tailEnd/>
+              </a14:hiddenLine>
+            </a:ext>
+          </a:extLst>
+        </p:spPr>
+      </p:pic>
+    </p:spTree>
+    <p:extLst>
+      <p:ext uri="{BB962C8B-B14F-4D97-AF65-F5344CB8AC3E}">
+        <p14:creationId xmlns:p14="http://schemas.microsoft.com/office/powerpoint/2010/main" val="3925206506"/>
+      </p:ext>
+    </p:extLst>
+  </p:cSld>
+  <p:clrMapOvr>
+    <a:masterClrMapping/>
+  </p:clrMapOvr>
+  <p:timing>
+    <p:tnLst>
+      <p:par>
+        <p:cTn xmlns:p14="http://schemas.microsoft.com/office/powerpoint/2010/main" id="1" dur="indefinite" restart="never" nodeType="tmRoot"/>
+      </p:par>
+    </p:tnLst>
+  </p:timing>
+</p:sld>
+</file>
+
+<file path=ppt/slides/slide23.xml><?xml version="1.0" encoding="utf-8"?>
+<p:sld xmlns:a="http://schemas.openxmlformats.org/drawingml/2006/main" xmlns:r="http://schemas.openxmlformats.org/officeDocument/2006/relationships" xmlns:p="http://schemas.openxmlformats.org/presentationml/2006/main">
+  <p:cSld>
+    <p:spTree>
+      <p:nvGrpSpPr>
+        <p:cNvPr id="1" name=""/>
+        <p:cNvGrpSpPr/>
+        <p:nvPr/>
+      </p:nvGrpSpPr>
+      <p:grpSpPr>
+        <a:xfrm>
+          <a:off x="0" y="0"/>
+          <a:ext cx="0" cy="0"/>
+          <a:chOff x="0" y="0"/>
+          <a:chExt cx="0" cy="0"/>
+        </a:xfrm>
+      </p:grpSpPr>
+      <p:sp>
+        <p:nvSpPr>
+          <p:cNvPr id="29697" name="Title 1"/>
+          <p:cNvSpPr>
+            <a:spLocks noGrp="1"/>
+          </p:cNvSpPr>
+          <p:nvPr>
+            <p:ph type="title"/>
+          </p:nvPr>
+        </p:nvSpPr>
+        <p:spPr>
+          <a:xfrm>
+            <a:off x="152400" y="-17463"/>
+            <a:ext cx="8839200" cy="1143001"/>
+          </a:xfrm>
+        </p:spPr>
+        <p:txBody>
+          <a:bodyPr/>
+          <a:lstStyle/>
+          <a:p>
+            <a:r>
+              <a:rPr lang="en-US">
+                <a:latin typeface="Calibri" charset="0"/>
+                <a:ea typeface="ＭＳ Ｐゴシック" charset="0"/>
+              </a:rPr>
+              <a:t>Introduction to the BED format</a:t>
+            </a:r>
+          </a:p>
+        </p:txBody>
+      </p:sp>
+      <p:sp>
+        <p:nvSpPr>
+          <p:cNvPr id="28674" name="Content Placeholder 2"/>
+          <p:cNvSpPr>
+            <a:spLocks noGrp="1"/>
+          </p:cNvSpPr>
+          <p:nvPr>
+            <p:ph idx="1"/>
+          </p:nvPr>
+        </p:nvSpPr>
+        <p:spPr>
+          <a:xfrm>
+            <a:off x="152400" y="1600200"/>
+            <a:ext cx="8839200" cy="4421188"/>
+          </a:xfrm>
+        </p:spPr>
+        <p:txBody>
+          <a:bodyPr>
+            <a:normAutofit lnSpcReduction="10000"/>
+          </a:bodyPr>
+          <a:lstStyle/>
+          <a:p>
+            <a:pPr>
+              <a:defRPr/>
+            </a:pPr>
+            <a:r>
+              <a:rPr lang="en-US" dirty="0">
+                <a:latin typeface="Calibri" charset="0"/>
+                <a:ea typeface="ＭＳ Ｐゴシック" charset="0"/>
+              </a:rPr>
+              <a:t>When working with BAM files, it is very common to want to examine a focused subset of the reference genome</a:t>
+            </a:r>
+          </a:p>
+          <a:p>
+            <a:pPr lvl="1">
+              <a:defRPr/>
+            </a:pPr>
+            <a:r>
+              <a:rPr lang="en-US" dirty="0">
+                <a:latin typeface="Calibri" charset="0"/>
+                <a:ea typeface="ＭＳ Ｐゴシック" charset="0"/>
+              </a:rPr>
+              <a:t>e.g. </a:t>
+            </a:r>
+            <a:r>
+              <a:rPr lang="en-US" dirty="0" smtClean="0">
+                <a:latin typeface="Calibri" charset="0"/>
+                <a:ea typeface="ＭＳ Ｐゴシック" charset="0"/>
+              </a:rPr>
+              <a:t>the </a:t>
+            </a:r>
+            <a:r>
+              <a:rPr lang="en-US" dirty="0">
+                <a:latin typeface="Calibri" charset="0"/>
+                <a:ea typeface="ＭＳ Ｐゴシック" charset="0"/>
+              </a:rPr>
+              <a:t>exons of a gene</a:t>
+            </a:r>
+          </a:p>
+          <a:p>
+            <a:pPr>
+              <a:defRPr/>
+            </a:pPr>
+            <a:r>
+              <a:rPr lang="en-US" dirty="0">
+                <a:latin typeface="Calibri" charset="0"/>
+                <a:ea typeface="ＭＳ Ｐゴシック" charset="0"/>
+              </a:rPr>
+              <a:t>These subsets are commonly specified in ‘BED’ files</a:t>
+            </a:r>
+          </a:p>
+          <a:p>
+            <a:pPr lvl="1">
+              <a:defRPr/>
+            </a:pPr>
+            <a:r>
+              <a:rPr lang="en-US" dirty="0">
+                <a:latin typeface="Calibri" charset="0"/>
+                <a:ea typeface="ＭＳ Ｐゴシック" charset="0"/>
+                <a:hlinkClick r:id="rId2"/>
+              </a:rPr>
+              <a:t>https://genome.ucsc.edu/FAQ/FAQformat.html#format1</a:t>
+            </a:r>
+            <a:endParaRPr lang="en-US" dirty="0">
+              <a:latin typeface="Calibri" charset="0"/>
+              <a:ea typeface="ＭＳ Ｐゴシック" charset="0"/>
+            </a:endParaRPr>
+          </a:p>
+          <a:p>
+            <a:pPr>
+              <a:defRPr/>
+            </a:pPr>
+            <a:r>
+              <a:rPr lang="en-US" dirty="0">
+                <a:latin typeface="Calibri" charset="0"/>
+                <a:ea typeface="ＭＳ Ｐゴシック" charset="0"/>
+              </a:rPr>
+              <a:t>Many BAM manipulation tools accept regions of interest in BED format</a:t>
+            </a:r>
+          </a:p>
+          <a:p>
+            <a:pPr>
+              <a:defRPr/>
+            </a:pPr>
+            <a:r>
+              <a:rPr lang="en-US" dirty="0">
+                <a:latin typeface="Calibri" charset="0"/>
+                <a:ea typeface="ＭＳ Ｐゴシック" charset="0"/>
+              </a:rPr>
+              <a:t>Basic BED format (tab separated):</a:t>
+            </a:r>
+          </a:p>
+          <a:p>
+            <a:pPr lvl="1">
+              <a:defRPr/>
+            </a:pPr>
+            <a:r>
+              <a:rPr lang="en-US" dirty="0">
+                <a:latin typeface="Calibri" charset="0"/>
+                <a:ea typeface="ＭＳ Ｐゴシック" charset="0"/>
+              </a:rPr>
+              <a:t>Chromosome name, start position, end </a:t>
+            </a:r>
+            <a:r>
+              <a:rPr lang="en-US" dirty="0" smtClean="0">
+                <a:latin typeface="Calibri" charset="0"/>
+                <a:ea typeface="ＭＳ Ｐゴシック" charset="0"/>
+              </a:rPr>
+              <a:t>position</a:t>
+            </a:r>
+          </a:p>
+          <a:p>
+            <a:pPr lvl="1">
+              <a:defRPr/>
+            </a:pPr>
+            <a:r>
+              <a:rPr lang="en-US" dirty="0" smtClean="0">
+                <a:latin typeface="Calibri" charset="0"/>
+                <a:ea typeface="ＭＳ Ｐゴシック" charset="0"/>
+              </a:rPr>
+              <a:t>Coordinates in BED format are 0 based</a:t>
+            </a:r>
+            <a:endParaRPr lang="en-US" dirty="0">
+              <a:latin typeface="Calibri" charset="0"/>
+              <a:ea typeface="ＭＳ Ｐゴシック" charset="0"/>
+            </a:endParaRPr>
+          </a:p>
+        </p:txBody>
+      </p:sp>
+    </p:spTree>
+    <p:extLst>
+      <p:ext uri="{BB962C8B-B14F-4D97-AF65-F5344CB8AC3E}">
+        <p14:creationId xmlns:p14="http://schemas.microsoft.com/office/powerpoint/2010/main" val="453791632"/>
+      </p:ext>
+    </p:extLst>
+  </p:cSld>
+  <p:clrMapOvr>
+    <a:masterClrMapping/>
+  </p:clrMapOvr>
+  <p:timing>
+    <p:tnLst>
+      <p:par>
+        <p:cTn xmlns:p14="http://schemas.microsoft.com/office/powerpoint/2010/main" id="1" dur="indefinite" restart="never" nodeType="tmRoot"/>
+      </p:par>
+    </p:tnLst>
+  </p:timing>
+</p:sld>
+</file>
+
+<file path=ppt/slides/slide24.xml><?xml version="1.0" encoding="utf-8"?>
+<p:sld xmlns:a="http://schemas.openxmlformats.org/drawingml/2006/main" xmlns:r="http://schemas.openxmlformats.org/officeDocument/2006/relationships" xmlns:p="http://schemas.openxmlformats.org/presentationml/2006/main">
+  <p:cSld>
+    <p:spTree>
+      <p:nvGrpSpPr>
+        <p:cNvPr id="1" name=""/>
+        <p:cNvGrpSpPr/>
+        <p:nvPr/>
+      </p:nvGrpSpPr>
+      <p:grpSpPr>
+        <a:xfrm>
+          <a:off x="0" y="0"/>
+          <a:ext cx="0" cy="0"/>
+          <a:chOff x="0" y="0"/>
+          <a:chExt cx="0" cy="0"/>
+        </a:xfrm>
+      </p:grpSpPr>
+      <p:sp>
+        <p:nvSpPr>
+          <p:cNvPr id="30721" name="Title 1"/>
+          <p:cNvSpPr>
+            <a:spLocks noGrp="1"/>
+          </p:cNvSpPr>
+          <p:nvPr>
+            <p:ph type="title"/>
+          </p:nvPr>
+        </p:nvSpPr>
+        <p:spPr>
+          <a:xfrm>
+            <a:off x="152400" y="-26988"/>
+            <a:ext cx="8839200" cy="1143001"/>
+          </a:xfrm>
+        </p:spPr>
+        <p:txBody>
+          <a:bodyPr/>
+          <a:lstStyle/>
+          <a:p>
+            <a:r>
+              <a:rPr lang="en-US">
+                <a:latin typeface="Calibri" charset="0"/>
+                <a:ea typeface="ＭＳ Ｐゴシック" charset="0"/>
+              </a:rPr>
+              <a:t>Manipulation of SAM/BAM and BED files</a:t>
+            </a:r>
+          </a:p>
+        </p:txBody>
+      </p:sp>
+      <p:sp>
+        <p:nvSpPr>
+          <p:cNvPr id="30722" name="Content Placeholder 2"/>
+          <p:cNvSpPr>
+            <a:spLocks noGrp="1"/>
+          </p:cNvSpPr>
+          <p:nvPr>
+            <p:ph idx="1"/>
+          </p:nvPr>
+        </p:nvSpPr>
+        <p:spPr>
+          <a:xfrm>
+            <a:off x="152400" y="1412875"/>
+            <a:ext cx="8839200" cy="4724400"/>
+          </a:xfrm>
+        </p:spPr>
+        <p:txBody>
+          <a:bodyPr/>
+          <a:lstStyle/>
+          <a:p>
+            <a:r>
+              <a:rPr lang="en-US">
+                <a:latin typeface="Calibri" charset="0"/>
+                <a:ea typeface="ＭＳ Ｐゴシック" charset="0"/>
+              </a:rPr>
+              <a:t>Several tools are used ubiquitously in sequence analysis to manipulate these files</a:t>
+            </a:r>
+          </a:p>
+          <a:p>
+            <a:r>
+              <a:rPr lang="en-US">
+                <a:latin typeface="Calibri" charset="0"/>
+                <a:ea typeface="ＭＳ Ｐゴシック" charset="0"/>
+              </a:rPr>
+              <a:t>SAM/BAM files</a:t>
+            </a:r>
+          </a:p>
+          <a:p>
+            <a:pPr lvl="1"/>
+            <a:r>
+              <a:rPr lang="en-US">
+                <a:latin typeface="Calibri" charset="0"/>
+                <a:ea typeface="ＭＳ Ｐゴシック" charset="0"/>
+              </a:rPr>
+              <a:t>samtools</a:t>
+            </a:r>
+          </a:p>
+          <a:p>
+            <a:pPr lvl="1"/>
+            <a:r>
+              <a:rPr lang="en-US">
+                <a:latin typeface="Calibri" charset="0"/>
+                <a:ea typeface="ＭＳ Ｐゴシック" charset="0"/>
+              </a:rPr>
+              <a:t>bamtools</a:t>
+            </a:r>
+          </a:p>
+          <a:p>
+            <a:pPr lvl="1"/>
+            <a:r>
+              <a:rPr lang="en-US">
+                <a:latin typeface="Calibri" charset="0"/>
+                <a:ea typeface="ＭＳ Ｐゴシック" charset="0"/>
+              </a:rPr>
+              <a:t>picard</a:t>
+            </a:r>
+          </a:p>
+          <a:p>
+            <a:r>
+              <a:rPr lang="en-US">
+                <a:latin typeface="Calibri" charset="0"/>
+                <a:ea typeface="ＭＳ Ｐゴシック" charset="0"/>
+              </a:rPr>
+              <a:t>BED files</a:t>
+            </a:r>
+          </a:p>
+          <a:p>
+            <a:pPr lvl="1"/>
+            <a:r>
+              <a:rPr lang="en-US">
+                <a:latin typeface="Calibri" charset="0"/>
+                <a:ea typeface="ＭＳ Ｐゴシック" charset="0"/>
+              </a:rPr>
+              <a:t>bedtools</a:t>
+            </a:r>
+          </a:p>
+          <a:p>
+            <a:pPr lvl="1"/>
+            <a:r>
+              <a:rPr lang="en-US">
+                <a:latin typeface="Calibri" charset="0"/>
+                <a:ea typeface="ＭＳ Ｐゴシック" charset="0"/>
+              </a:rPr>
+              <a:t>bedops</a:t>
+            </a:r>
+          </a:p>
+        </p:txBody>
+      </p:sp>
+    </p:spTree>
+    <p:extLst>
+      <p:ext uri="{BB962C8B-B14F-4D97-AF65-F5344CB8AC3E}">
+        <p14:creationId xmlns:p14="http://schemas.microsoft.com/office/powerpoint/2010/main" val="3327269078"/>
+      </p:ext>
+    </p:extLst>
+  </p:cSld>
+  <p:clrMapOvr>
+    <a:masterClrMapping/>
+  </p:clrMapOvr>
+  <p:timing>
+    <p:tnLst>
+      <p:par>
+        <p:cTn xmlns:p14="http://schemas.microsoft.com/office/powerpoint/2010/main" id="1" dur="indefinite" restart="never" nodeType="tmRoot"/>
+      </p:par>
+    </p:tnLst>
+  </p:timing>
+</p:sld>
+</file>
+
+<file path=ppt/slides/slide25.xml><?xml version="1.0" encoding="utf-8"?>
+<p:sld xmlns:a="http://schemas.openxmlformats.org/drawingml/2006/main" xmlns:r="http://schemas.openxmlformats.org/officeDocument/2006/relationships" xmlns:p="http://schemas.openxmlformats.org/presentationml/2006/main">
+  <p:cSld>
+    <p:spTree>
+      <p:nvGrpSpPr>
+        <p:cNvPr id="1" name=""/>
+        <p:cNvGrpSpPr/>
+        <p:nvPr/>
+      </p:nvGrpSpPr>
+      <p:grpSpPr>
+        <a:xfrm>
+          <a:off x="0" y="0"/>
+          <a:ext cx="0" cy="0"/>
+          <a:chOff x="0" y="0"/>
+          <a:chExt cx="0" cy="0"/>
+        </a:xfrm>
+      </p:grpSpPr>
+      <p:sp>
+        <p:nvSpPr>
           <p:cNvPr id="31745" name="Title 1"/>
           <p:cNvSpPr>
             <a:spLocks noGrp="1"/>
@@ -8641,7 +10446,7 @@
 </p:sld>
 </file>
 
-<file path=ppt/slides/slide23.xml><?xml version="1.0" encoding="utf-8"?>
+<file path=ppt/slides/slide26.xml><?xml version="1.0" encoding="utf-8"?>
 <p:sld xmlns:a="http://schemas.openxmlformats.org/drawingml/2006/main" xmlns:r="http://schemas.openxmlformats.org/officeDocument/2006/relationships" xmlns:p="http://schemas.openxmlformats.org/presentationml/2006/main">
   <p:cSld>
     <p:spTree>
@@ -11105,7 +12910,7 @@
 </p:sld>
 </file>
 
-<file path=ppt/slides/slide24.xml><?xml version="1.0" encoding="utf-8"?>
+<file path=ppt/slides/slide27.xml><?xml version="1.0" encoding="utf-8"?>
 <p:sld xmlns:a="http://schemas.openxmlformats.org/drawingml/2006/main" xmlns:r="http://schemas.openxmlformats.org/officeDocument/2006/relationships" xmlns:p="http://schemas.openxmlformats.org/presentationml/2006/main">
   <p:cSld>
     <p:spTree>
@@ -11250,7 +13055,7 @@
 </p:sld>
 </file>
 
-<file path=ppt/slides/slide25.xml><?xml version="1.0" encoding="utf-8"?>
+<file path=ppt/slides/slide28.xml><?xml version="1.0" encoding="utf-8"?>
 <p:sld xmlns:a="http://schemas.openxmlformats.org/drawingml/2006/main" xmlns:r="http://schemas.openxmlformats.org/officeDocument/2006/relationships" xmlns:p="http://schemas.openxmlformats.org/presentationml/2006/main">
   <p:cSld>
     <p:spTree>
@@ -11366,7 +13171,7 @@
 </p:sld>
 </file>
 
-<file path=ppt/slides/slide26.xml><?xml version="1.0" encoding="utf-8"?>
+<file path=ppt/slides/slide29.xml><?xml version="1.0" encoding="utf-8"?>
 <p:sld xmlns:a="http://schemas.openxmlformats.org/drawingml/2006/main" xmlns:r="http://schemas.openxmlformats.org/officeDocument/2006/relationships" xmlns:p="http://schemas.openxmlformats.org/presentationml/2006/main">
   <p:cSld>
     <p:spTree>
@@ -11904,7 +13709,311 @@
 </p:sld>
 </file>
 
-<file path=ppt/slides/slide27.xml><?xml version="1.0" encoding="utf-8"?>
+<file path=ppt/slides/slide3.xml><?xml version="1.0" encoding="utf-8"?>
+<p:sld xmlns:a="http://schemas.openxmlformats.org/drawingml/2006/main" xmlns:r="http://schemas.openxmlformats.org/officeDocument/2006/relationships" xmlns:p="http://schemas.openxmlformats.org/presentationml/2006/main">
+  <p:cSld>
+    <p:spTree>
+      <p:nvGrpSpPr>
+        <p:cNvPr id="1" name=""/>
+        <p:cNvGrpSpPr/>
+        <p:nvPr/>
+      </p:nvGrpSpPr>
+      <p:grpSpPr>
+        <a:xfrm>
+          <a:off x="0" y="0"/>
+          <a:ext cx="0" cy="0"/>
+          <a:chOff x="0" y="0"/>
+          <a:chExt cx="0" cy="0"/>
+        </a:xfrm>
+      </p:grpSpPr>
+      <p:sp>
+        <p:nvSpPr>
+          <p:cNvPr id="12289" name="Title 1"/>
+          <p:cNvSpPr>
+            <a:spLocks noGrp="1"/>
+          </p:cNvSpPr>
+          <p:nvPr>
+            <p:ph type="title"/>
+          </p:nvPr>
+        </p:nvSpPr>
+        <p:spPr>
+          <a:xfrm>
+            <a:off x="152400" y="-26988"/>
+            <a:ext cx="8839200" cy="1143001"/>
+          </a:xfrm>
+        </p:spPr>
+        <p:txBody>
+          <a:bodyPr/>
+          <a:lstStyle/>
+          <a:p>
+            <a:r>
+              <a:rPr lang="en-US">
+                <a:latin typeface="Calibri" charset="0"/>
+                <a:ea typeface="ＭＳ Ｐゴシック" charset="0"/>
+              </a:rPr>
+              <a:t>Learning objectives of the course</a:t>
+            </a:r>
+          </a:p>
+        </p:txBody>
+      </p:sp>
+      <p:sp>
+        <p:nvSpPr>
+          <p:cNvPr id="3" name="Content Placeholder 2"/>
+          <p:cNvSpPr>
+            <a:spLocks noGrp="1"/>
+          </p:cNvSpPr>
+          <p:nvPr>
+            <p:ph idx="1"/>
+          </p:nvPr>
+        </p:nvSpPr>
+        <p:spPr>
+          <a:xfrm>
+            <a:off x="152400" y="1341438"/>
+            <a:ext cx="8839200" cy="4724400"/>
+          </a:xfrm>
+        </p:spPr>
+        <p:txBody>
+          <a:bodyPr>
+            <a:normAutofit fontScale="92500" lnSpcReduction="10000"/>
+          </a:bodyPr>
+          <a:lstStyle/>
+          <a:p>
+            <a:pPr>
+              <a:defRPr/>
+            </a:pPr>
+            <a:r>
+              <a:rPr lang="en-US" dirty="0"/>
+              <a:t>Module 0: Introduction to cloud computing</a:t>
+            </a:r>
+          </a:p>
+          <a:p>
+            <a:pPr>
+              <a:defRPr/>
+            </a:pPr>
+            <a:r>
+              <a:rPr lang="en-US" dirty="0" smtClean="0"/>
+              <a:t>Module 1: </a:t>
+            </a:r>
+            <a:r>
+              <a:rPr lang="en-US" dirty="0"/>
+              <a:t>Introduction to RNA </a:t>
+            </a:r>
+            <a:r>
+              <a:rPr lang="en-US" dirty="0" smtClean="0"/>
+              <a:t>Sequencing</a:t>
+            </a:r>
+            <a:endParaRPr lang="en-US" dirty="0"/>
+          </a:p>
+          <a:p>
+            <a:pPr>
+              <a:defRPr/>
+            </a:pPr>
+            <a:r>
+              <a:rPr lang="en-US" b="1" dirty="0"/>
+              <a:t>Module </a:t>
+            </a:r>
+            <a:r>
+              <a:rPr lang="en-US" b="1" dirty="0" smtClean="0"/>
+              <a:t>2: Alignment </a:t>
+            </a:r>
+            <a:r>
+              <a:rPr lang="en-US" b="1" dirty="0"/>
+              <a:t>and </a:t>
+            </a:r>
+            <a:r>
+              <a:rPr lang="en-US" b="1" dirty="0" smtClean="0"/>
+              <a:t>Visualization</a:t>
+            </a:r>
+            <a:endParaRPr lang="en-US" b="1" dirty="0"/>
+          </a:p>
+          <a:p>
+            <a:pPr>
+              <a:defRPr/>
+            </a:pPr>
+            <a:r>
+              <a:rPr lang="en-US" dirty="0"/>
+              <a:t>Module </a:t>
+            </a:r>
+            <a:r>
+              <a:rPr lang="en-US" dirty="0" smtClean="0"/>
+              <a:t>3: </a:t>
+            </a:r>
+            <a:r>
+              <a:rPr lang="en-US" dirty="0"/>
+              <a:t>Expression and Differential Expression</a:t>
+            </a:r>
+          </a:p>
+          <a:p>
+            <a:pPr>
+              <a:defRPr/>
+            </a:pPr>
+            <a:r>
+              <a:rPr lang="en-US" dirty="0"/>
+              <a:t>Module </a:t>
+            </a:r>
+            <a:r>
+              <a:rPr lang="en-US" dirty="0" smtClean="0"/>
+              <a:t>4: </a:t>
+            </a:r>
+            <a:r>
+              <a:rPr lang="en-US" dirty="0"/>
+              <a:t>Isoform </a:t>
+            </a:r>
+            <a:r>
+              <a:rPr lang="en-US" dirty="0" smtClean="0"/>
+              <a:t>Discovery </a:t>
+            </a:r>
+            <a:r>
+              <a:rPr lang="en-US" dirty="0"/>
+              <a:t>and </a:t>
+            </a:r>
+            <a:r>
+              <a:rPr lang="en-US" dirty="0" smtClean="0"/>
+              <a:t>Alternative </a:t>
+            </a:r>
+            <a:r>
+              <a:rPr lang="en-US" dirty="0"/>
+              <a:t>E</a:t>
+            </a:r>
+            <a:r>
+              <a:rPr lang="en-US" dirty="0" smtClean="0"/>
+              <a:t>xpression</a:t>
+            </a:r>
+          </a:p>
+          <a:p>
+            <a:pPr>
+              <a:defRPr/>
+            </a:pPr>
+            <a:endParaRPr lang="en-US" dirty="0"/>
+          </a:p>
+          <a:p>
+            <a:pPr>
+              <a:defRPr/>
+            </a:pPr>
+            <a:r>
+              <a:rPr lang="en-US" dirty="0" smtClean="0"/>
+              <a:t>Tutorials</a:t>
+            </a:r>
+          </a:p>
+          <a:p>
+            <a:pPr lvl="1">
+              <a:defRPr/>
+            </a:pPr>
+            <a:r>
+              <a:rPr lang="en-US" dirty="0" smtClean="0">
+                <a:latin typeface="Calibri" charset="0"/>
+                <a:ea typeface="ＭＳ Ｐゴシック" charset="0"/>
+              </a:rPr>
+              <a:t>Provide </a:t>
+            </a:r>
+            <a:r>
+              <a:rPr lang="en-US" dirty="0">
+                <a:latin typeface="Calibri" charset="0"/>
+                <a:ea typeface="ＭＳ Ｐゴシック" charset="0"/>
+              </a:rPr>
+              <a:t>a working example of an RNA-seq analysis </a:t>
+            </a:r>
+            <a:r>
+              <a:rPr lang="en-US" dirty="0" smtClean="0">
+                <a:latin typeface="Calibri" charset="0"/>
+                <a:ea typeface="ＭＳ Ｐゴシック" charset="0"/>
+              </a:rPr>
+              <a:t>pipeline</a:t>
+            </a:r>
+          </a:p>
+          <a:p>
+            <a:pPr lvl="1">
+              <a:defRPr/>
+            </a:pPr>
+            <a:r>
+              <a:rPr lang="en-US" dirty="0">
+                <a:latin typeface="Calibri" charset="0"/>
+                <a:ea typeface="ＭＳ Ｐゴシック" charset="0"/>
+              </a:rPr>
+              <a:t>Run in a </a:t>
+            </a:r>
+            <a:r>
+              <a:rPr lang="ja-JP" altLang="en-US" dirty="0">
+                <a:latin typeface="Calibri" charset="0"/>
+                <a:ea typeface="ＭＳ Ｐゴシック" charset="0"/>
+              </a:rPr>
+              <a:t>‘</a:t>
+            </a:r>
+            <a:r>
+              <a:rPr lang="en-US" altLang="ja-JP" dirty="0">
+                <a:latin typeface="Calibri" charset="0"/>
+                <a:ea typeface="ＭＳ Ｐゴシック" charset="0"/>
+              </a:rPr>
+              <a:t>reasonable</a:t>
+            </a:r>
+            <a:r>
+              <a:rPr lang="ja-JP" altLang="en-US" dirty="0">
+                <a:latin typeface="Calibri" charset="0"/>
+                <a:ea typeface="ＭＳ Ｐゴシック" charset="0"/>
+              </a:rPr>
+              <a:t>’</a:t>
+            </a:r>
+            <a:r>
+              <a:rPr lang="en-US" altLang="ja-JP" dirty="0">
+                <a:latin typeface="Calibri" charset="0"/>
+                <a:ea typeface="ＭＳ Ｐゴシック" charset="0"/>
+              </a:rPr>
+              <a:t> amount of time with modest computer </a:t>
+            </a:r>
+            <a:r>
+              <a:rPr lang="en-US" altLang="ja-JP" dirty="0" smtClean="0">
+                <a:latin typeface="Calibri" charset="0"/>
+                <a:ea typeface="ＭＳ Ｐゴシック" charset="0"/>
+              </a:rPr>
+              <a:t>resources</a:t>
+            </a:r>
+          </a:p>
+          <a:p>
+            <a:pPr lvl="1">
+              <a:defRPr/>
+            </a:pPr>
+            <a:r>
+              <a:rPr lang="en-US" dirty="0">
+                <a:latin typeface="Calibri" charset="0"/>
+                <a:ea typeface="ＭＳ Ｐゴシック" charset="0"/>
+              </a:rPr>
+              <a:t>Self contained, self explanatory, </a:t>
+            </a:r>
+            <a:r>
+              <a:rPr lang="en-US" dirty="0" smtClean="0">
+                <a:latin typeface="Calibri" charset="0"/>
+                <a:ea typeface="ＭＳ Ｐゴシック" charset="0"/>
+              </a:rPr>
+              <a:t>portable</a:t>
+            </a:r>
+            <a:endParaRPr lang="en-US" dirty="0">
+              <a:latin typeface="Calibri" charset="0"/>
+              <a:ea typeface="ＭＳ Ｐゴシック" charset="0"/>
+            </a:endParaRPr>
+          </a:p>
+        </p:txBody>
+      </p:sp>
+    </p:spTree>
+    <p:extLst>
+      <p:ext uri="{BB962C8B-B14F-4D97-AF65-F5344CB8AC3E}">
+        <p14:creationId xmlns:p14="http://schemas.microsoft.com/office/powerpoint/2010/main" val="3268672556"/>
+      </p:ext>
+    </p:extLst>
+  </p:cSld>
+  <p:clrMapOvr>
+    <a:masterClrMapping/>
+  </p:clrMapOvr>
+  <p:timing>
+    <p:tnLst>
+      <p:par>
+        <p:cTn xmlns:p14="http://schemas.microsoft.com/office/powerpoint/2010/main" id="1" dur="indefinite" restart="never" nodeType="tmRoot"/>
+      </p:par>
+    </p:tnLst>
+  </p:timing>
+</p:sld>
+</file>
+
+<file path=ppt/slides/slide30.xml><?xml version="1.0" encoding="utf-8"?>
 <p:sld xmlns:a="http://schemas.openxmlformats.org/drawingml/2006/main" xmlns:r="http://schemas.openxmlformats.org/officeDocument/2006/relationships" xmlns:p="http://schemas.openxmlformats.org/presentationml/2006/main">
   <p:cSld>
     <p:spTree>
@@ -12733,7 +14842,7 @@
 </p:sld>
 </file>
 
-<file path=ppt/slides/slide28.xml><?xml version="1.0" encoding="utf-8"?>
+<file path=ppt/slides/slide31.xml><?xml version="1.0" encoding="utf-8"?>
 <p:sld xmlns:a="http://schemas.openxmlformats.org/drawingml/2006/main" xmlns:r="http://schemas.openxmlformats.org/officeDocument/2006/relationships" xmlns:p="http://schemas.openxmlformats.org/presentationml/2006/main">
   <p:cSld>
     <p:spTree>
@@ -12932,7 +15041,7 @@
 </p:sld>
 </file>
 
-<file path=ppt/slides/slide29.xml><?xml version="1.0" encoding="utf-8"?>
+<file path=ppt/slides/slide32.xml><?xml version="1.0" encoding="utf-8"?>
 <p:sld xmlns:a="http://schemas.openxmlformats.org/drawingml/2006/main" xmlns:r="http://schemas.openxmlformats.org/officeDocument/2006/relationships" xmlns:p="http://schemas.openxmlformats.org/presentationml/2006/main">
   <p:cSld>
     <p:spTree>
@@ -13425,311 +15534,7 @@
 </p:sld>
 </file>
 
-<file path=ppt/slides/slide3.xml><?xml version="1.0" encoding="utf-8"?>
-<p:sld xmlns:a="http://schemas.openxmlformats.org/drawingml/2006/main" xmlns:r="http://schemas.openxmlformats.org/officeDocument/2006/relationships" xmlns:p="http://schemas.openxmlformats.org/presentationml/2006/main">
-  <p:cSld>
-    <p:spTree>
-      <p:nvGrpSpPr>
-        <p:cNvPr id="1" name=""/>
-        <p:cNvGrpSpPr/>
-        <p:nvPr/>
-      </p:nvGrpSpPr>
-      <p:grpSpPr>
-        <a:xfrm>
-          <a:off x="0" y="0"/>
-          <a:ext cx="0" cy="0"/>
-          <a:chOff x="0" y="0"/>
-          <a:chExt cx="0" cy="0"/>
-        </a:xfrm>
-      </p:grpSpPr>
-      <p:sp>
-        <p:nvSpPr>
-          <p:cNvPr id="12289" name="Title 1"/>
-          <p:cNvSpPr>
-            <a:spLocks noGrp="1"/>
-          </p:cNvSpPr>
-          <p:nvPr>
-            <p:ph type="title"/>
-          </p:nvPr>
-        </p:nvSpPr>
-        <p:spPr>
-          <a:xfrm>
-            <a:off x="152400" y="-26988"/>
-            <a:ext cx="8839200" cy="1143001"/>
-          </a:xfrm>
-        </p:spPr>
-        <p:txBody>
-          <a:bodyPr/>
-          <a:lstStyle/>
-          <a:p>
-            <a:r>
-              <a:rPr lang="en-US">
-                <a:latin typeface="Calibri" charset="0"/>
-                <a:ea typeface="ＭＳ Ｐゴシック" charset="0"/>
-              </a:rPr>
-              <a:t>Learning objectives of the course</a:t>
-            </a:r>
-          </a:p>
-        </p:txBody>
-      </p:sp>
-      <p:sp>
-        <p:nvSpPr>
-          <p:cNvPr id="3" name="Content Placeholder 2"/>
-          <p:cNvSpPr>
-            <a:spLocks noGrp="1"/>
-          </p:cNvSpPr>
-          <p:nvPr>
-            <p:ph idx="1"/>
-          </p:nvPr>
-        </p:nvSpPr>
-        <p:spPr>
-          <a:xfrm>
-            <a:off x="152400" y="1341438"/>
-            <a:ext cx="8839200" cy="4724400"/>
-          </a:xfrm>
-        </p:spPr>
-        <p:txBody>
-          <a:bodyPr>
-            <a:normAutofit fontScale="92500" lnSpcReduction="10000"/>
-          </a:bodyPr>
-          <a:lstStyle/>
-          <a:p>
-            <a:pPr>
-              <a:defRPr/>
-            </a:pPr>
-            <a:r>
-              <a:rPr lang="en-US" dirty="0"/>
-              <a:t>Module 0: Introduction to cloud computing</a:t>
-            </a:r>
-          </a:p>
-          <a:p>
-            <a:pPr>
-              <a:defRPr/>
-            </a:pPr>
-            <a:r>
-              <a:rPr lang="en-US" dirty="0" smtClean="0"/>
-              <a:t>Module 1: </a:t>
-            </a:r>
-            <a:r>
-              <a:rPr lang="en-US" dirty="0"/>
-              <a:t>Introduction to RNA </a:t>
-            </a:r>
-            <a:r>
-              <a:rPr lang="en-US" dirty="0" smtClean="0"/>
-              <a:t>Sequencing</a:t>
-            </a:r>
-            <a:endParaRPr lang="en-US" dirty="0"/>
-          </a:p>
-          <a:p>
-            <a:pPr>
-              <a:defRPr/>
-            </a:pPr>
-            <a:r>
-              <a:rPr lang="en-US" b="1" dirty="0"/>
-              <a:t>Module </a:t>
-            </a:r>
-            <a:r>
-              <a:rPr lang="en-US" b="1" dirty="0" smtClean="0"/>
-              <a:t>2: Alignment </a:t>
-            </a:r>
-            <a:r>
-              <a:rPr lang="en-US" b="1" dirty="0"/>
-              <a:t>and </a:t>
-            </a:r>
-            <a:r>
-              <a:rPr lang="en-US" b="1" dirty="0" smtClean="0"/>
-              <a:t>Visualization</a:t>
-            </a:r>
-            <a:endParaRPr lang="en-US" b="1" dirty="0"/>
-          </a:p>
-          <a:p>
-            <a:pPr>
-              <a:defRPr/>
-            </a:pPr>
-            <a:r>
-              <a:rPr lang="en-US" dirty="0"/>
-              <a:t>Module </a:t>
-            </a:r>
-            <a:r>
-              <a:rPr lang="en-US" dirty="0" smtClean="0"/>
-              <a:t>3: </a:t>
-            </a:r>
-            <a:r>
-              <a:rPr lang="en-US" dirty="0"/>
-              <a:t>Expression and Differential Expression</a:t>
-            </a:r>
-          </a:p>
-          <a:p>
-            <a:pPr>
-              <a:defRPr/>
-            </a:pPr>
-            <a:r>
-              <a:rPr lang="en-US" dirty="0"/>
-              <a:t>Module </a:t>
-            </a:r>
-            <a:r>
-              <a:rPr lang="en-US" dirty="0" smtClean="0"/>
-              <a:t>4: </a:t>
-            </a:r>
-            <a:r>
-              <a:rPr lang="en-US" dirty="0"/>
-              <a:t>Isoform </a:t>
-            </a:r>
-            <a:r>
-              <a:rPr lang="en-US" dirty="0" smtClean="0"/>
-              <a:t>Discovery </a:t>
-            </a:r>
-            <a:r>
-              <a:rPr lang="en-US" dirty="0"/>
-              <a:t>and </a:t>
-            </a:r>
-            <a:r>
-              <a:rPr lang="en-US" dirty="0" smtClean="0"/>
-              <a:t>Alternative </a:t>
-            </a:r>
-            <a:r>
-              <a:rPr lang="en-US" dirty="0"/>
-              <a:t>E</a:t>
-            </a:r>
-            <a:r>
-              <a:rPr lang="en-US" dirty="0" smtClean="0"/>
-              <a:t>xpression</a:t>
-            </a:r>
-          </a:p>
-          <a:p>
-            <a:pPr>
-              <a:defRPr/>
-            </a:pPr>
-            <a:endParaRPr lang="en-US" dirty="0"/>
-          </a:p>
-          <a:p>
-            <a:pPr>
-              <a:defRPr/>
-            </a:pPr>
-            <a:r>
-              <a:rPr lang="en-US" dirty="0" smtClean="0"/>
-              <a:t>Tutorials</a:t>
-            </a:r>
-          </a:p>
-          <a:p>
-            <a:pPr lvl="1">
-              <a:defRPr/>
-            </a:pPr>
-            <a:r>
-              <a:rPr lang="en-US" dirty="0" smtClean="0">
-                <a:latin typeface="Calibri" charset="0"/>
-                <a:ea typeface="ＭＳ Ｐゴシック" charset="0"/>
-              </a:rPr>
-              <a:t>Provide </a:t>
-            </a:r>
-            <a:r>
-              <a:rPr lang="en-US" dirty="0">
-                <a:latin typeface="Calibri" charset="0"/>
-                <a:ea typeface="ＭＳ Ｐゴシック" charset="0"/>
-              </a:rPr>
-              <a:t>a working example of an RNA-seq analysis </a:t>
-            </a:r>
-            <a:r>
-              <a:rPr lang="en-US" dirty="0" smtClean="0">
-                <a:latin typeface="Calibri" charset="0"/>
-                <a:ea typeface="ＭＳ Ｐゴシック" charset="0"/>
-              </a:rPr>
-              <a:t>pipeline</a:t>
-            </a:r>
-          </a:p>
-          <a:p>
-            <a:pPr lvl="1">
-              <a:defRPr/>
-            </a:pPr>
-            <a:r>
-              <a:rPr lang="en-US" dirty="0">
-                <a:latin typeface="Calibri" charset="0"/>
-                <a:ea typeface="ＭＳ Ｐゴシック" charset="0"/>
-              </a:rPr>
-              <a:t>Run in a </a:t>
-            </a:r>
-            <a:r>
-              <a:rPr lang="ja-JP" altLang="en-US" dirty="0">
-                <a:latin typeface="Calibri" charset="0"/>
-                <a:ea typeface="ＭＳ Ｐゴシック" charset="0"/>
-              </a:rPr>
-              <a:t>‘</a:t>
-            </a:r>
-            <a:r>
-              <a:rPr lang="en-US" altLang="ja-JP" dirty="0">
-                <a:latin typeface="Calibri" charset="0"/>
-                <a:ea typeface="ＭＳ Ｐゴシック" charset="0"/>
-              </a:rPr>
-              <a:t>reasonable</a:t>
-            </a:r>
-            <a:r>
-              <a:rPr lang="ja-JP" altLang="en-US" dirty="0">
-                <a:latin typeface="Calibri" charset="0"/>
-                <a:ea typeface="ＭＳ Ｐゴシック" charset="0"/>
-              </a:rPr>
-              <a:t>’</a:t>
-            </a:r>
-            <a:r>
-              <a:rPr lang="en-US" altLang="ja-JP" dirty="0">
-                <a:latin typeface="Calibri" charset="0"/>
-                <a:ea typeface="ＭＳ Ｐゴシック" charset="0"/>
-              </a:rPr>
-              <a:t> amount of time with modest computer </a:t>
-            </a:r>
-            <a:r>
-              <a:rPr lang="en-US" altLang="ja-JP" dirty="0" smtClean="0">
-                <a:latin typeface="Calibri" charset="0"/>
-                <a:ea typeface="ＭＳ Ｐゴシック" charset="0"/>
-              </a:rPr>
-              <a:t>resources</a:t>
-            </a:r>
-          </a:p>
-          <a:p>
-            <a:pPr lvl="1">
-              <a:defRPr/>
-            </a:pPr>
-            <a:r>
-              <a:rPr lang="en-US" dirty="0">
-                <a:latin typeface="Calibri" charset="0"/>
-                <a:ea typeface="ＭＳ Ｐゴシック" charset="0"/>
-              </a:rPr>
-              <a:t>Self contained, self explanatory, </a:t>
-            </a:r>
-            <a:r>
-              <a:rPr lang="en-US" dirty="0" smtClean="0">
-                <a:latin typeface="Calibri" charset="0"/>
-                <a:ea typeface="ＭＳ Ｐゴシック" charset="0"/>
-              </a:rPr>
-              <a:t>portable</a:t>
-            </a:r>
-            <a:endParaRPr lang="en-US" dirty="0">
-              <a:latin typeface="Calibri" charset="0"/>
-              <a:ea typeface="ＭＳ Ｐゴシック" charset="0"/>
-            </a:endParaRPr>
-          </a:p>
-        </p:txBody>
-      </p:sp>
-    </p:spTree>
-    <p:extLst>
-      <p:ext uri="{BB962C8B-B14F-4D97-AF65-F5344CB8AC3E}">
-        <p14:creationId xmlns:p14="http://schemas.microsoft.com/office/powerpoint/2010/main" val="3268672556"/>
-      </p:ext>
-    </p:extLst>
-  </p:cSld>
-  <p:clrMapOvr>
-    <a:masterClrMapping/>
-  </p:clrMapOvr>
-  <p:timing>
-    <p:tnLst>
-      <p:par>
-        <p:cTn xmlns:p14="http://schemas.microsoft.com/office/powerpoint/2010/main" id="1" dur="indefinite" restart="never" nodeType="tmRoot"/>
-      </p:par>
-    </p:tnLst>
-  </p:timing>
-</p:sld>
-</file>
-
-<file path=ppt/slides/slide30.xml><?xml version="1.0" encoding="utf-8"?>
+<file path=ppt/slides/slide33.xml><?xml version="1.0" encoding="utf-8"?>
 <p:sld xmlns:a="http://schemas.openxmlformats.org/drawingml/2006/main" xmlns:r="http://schemas.openxmlformats.org/officeDocument/2006/relationships" xmlns:p="http://schemas.openxmlformats.org/presentationml/2006/main">
   <p:cSld>
     <p:spTree>
@@ -13955,7 +15760,7 @@
 </p:sld>
 </file>
 
-<file path=ppt/slides/slide31.xml><?xml version="1.0" encoding="utf-8"?>
+<file path=ppt/slides/slide34.xml><?xml version="1.0" encoding="utf-8"?>
 <p:sld xmlns:a="http://schemas.openxmlformats.org/drawingml/2006/main" xmlns:r="http://schemas.openxmlformats.org/officeDocument/2006/relationships" xmlns:p="http://schemas.openxmlformats.org/presentationml/2006/main">
   <p:cSld>
     <p:spTree>
@@ -15097,7 +16902,7 @@
 </p:sld>
 </file>
 
-<file path=ppt/slides/slide32.xml><?xml version="1.0" encoding="utf-8"?>
+<file path=ppt/slides/slide35.xml><?xml version="1.0" encoding="utf-8"?>
 <p:sld xmlns:a="http://schemas.openxmlformats.org/drawingml/2006/main" xmlns:r="http://schemas.openxmlformats.org/officeDocument/2006/relationships" xmlns:p="http://schemas.openxmlformats.org/presentationml/2006/main">
   <p:cSld>
     <p:spTree>
@@ -15628,7 +17433,7 @@
 </p:sld>
 </file>
 
-<file path=ppt/slides/slide33.xml><?xml version="1.0" encoding="utf-8"?>
+<file path=ppt/slides/slide36.xml><?xml version="1.0" encoding="utf-8"?>
 <p:sld xmlns:a="http://schemas.openxmlformats.org/drawingml/2006/main" xmlns:r="http://schemas.openxmlformats.org/officeDocument/2006/relationships" xmlns:p="http://schemas.openxmlformats.org/presentationml/2006/main">
   <p:cSld>
     <p:spTree>
@@ -16335,7 +18140,7 @@
 </p:sld>
 </file>
 
-<file path=ppt/slides/slide34.xml><?xml version="1.0" encoding="utf-8"?>
+<file path=ppt/slides/slide37.xml><?xml version="1.0" encoding="utf-8"?>
 <p:sld xmlns:a="http://schemas.openxmlformats.org/drawingml/2006/main" xmlns:r="http://schemas.openxmlformats.org/officeDocument/2006/relationships" xmlns:p="http://schemas.openxmlformats.org/presentationml/2006/main">
   <p:cSld>
     <p:spTree>
@@ -16642,7 +18447,7 @@
 </p:sld>
 </file>
 
-<file path=ppt/slides/slide35.xml><?xml version="1.0" encoding="utf-8"?>
+<file path=ppt/slides/slide38.xml><?xml version="1.0" encoding="utf-8"?>
 <p:sld xmlns:a="http://schemas.openxmlformats.org/drawingml/2006/main" xmlns:r="http://schemas.openxmlformats.org/officeDocument/2006/relationships" xmlns:p="http://schemas.openxmlformats.org/presentationml/2006/main">
   <p:cSld>
     <p:spTree>
@@ -16737,7 +18542,7 @@
 </p:sld>
 </file>
 
-<file path=ppt/slides/slide36.xml><?xml version="1.0" encoding="utf-8"?>
+<file path=ppt/slides/slide39.xml><?xml version="1.0" encoding="utf-8"?>
 <p:sld xmlns:a="http://schemas.openxmlformats.org/drawingml/2006/main" xmlns:r="http://schemas.openxmlformats.org/officeDocument/2006/relationships" xmlns:p="http://schemas.openxmlformats.org/presentationml/2006/main">
   <p:cSld>
     <p:spTree>
@@ -16847,65 +18652,6 @@
 </p:sld>
 </file>
 
-<file path=ppt/slides/slide37.xml><?xml version="1.0" encoding="utf-8"?>
-<p:sld xmlns:a="http://schemas.openxmlformats.org/drawingml/2006/main" xmlns:r="http://schemas.openxmlformats.org/officeDocument/2006/relationships" xmlns:p="http://schemas.openxmlformats.org/presentationml/2006/main">
-  <p:cSld>
-    <p:spTree>
-      <p:nvGrpSpPr>
-        <p:cNvPr id="1" name=""/>
-        <p:cNvGrpSpPr/>
-        <p:nvPr/>
-      </p:nvGrpSpPr>
-      <p:grpSpPr>
-        <a:xfrm>
-          <a:off x="0" y="0"/>
-          <a:ext cx="0" cy="0"/>
-          <a:chOff x="0" y="0"/>
-          <a:chExt cx="0" cy="0"/>
-        </a:xfrm>
-      </p:grpSpPr>
-      <p:sp>
-        <p:nvSpPr>
-          <p:cNvPr id="11265" name="Content Placeholder 3"/>
-          <p:cNvSpPr>
-            <a:spLocks noGrp="1"/>
-          </p:cNvSpPr>
-          <p:nvPr>
-            <p:ph idx="1"/>
-          </p:nvPr>
-        </p:nvSpPr>
-        <p:spPr>
-          <a:xfrm>
-            <a:off x="152400" y="2667000"/>
-            <a:ext cx="8839200" cy="1600200"/>
-          </a:xfrm>
-        </p:spPr>
-        <p:txBody>
-          <a:bodyPr/>
-          <a:lstStyle/>
-          <a:p>
-            <a:pPr algn="ctr">
-              <a:buFont typeface="Arial" charset="0"/>
-              <a:buNone/>
-            </a:pPr>
-            <a:r>
-              <a:rPr lang="en-US" sz="4400">
-                <a:latin typeface="Calibri" charset="0"/>
-                <a:ea typeface="ＭＳ Ｐゴシック" charset="0"/>
-              </a:rPr>
-              <a:t>Break</a:t>
-            </a:r>
-          </a:p>
-        </p:txBody>
-      </p:sp>
-    </p:spTree>
-  </p:cSld>
-  <p:clrMapOvr>
-    <a:masterClrMapping/>
-  </p:clrMapOvr>
-</p:sld>
-</file>
-
 <file path=ppt/slides/slide4.xml><?xml version="1.0" encoding="utf-8"?>
 <p:sld xmlns:a="http://schemas.openxmlformats.org/drawingml/2006/main" xmlns:r="http://schemas.openxmlformats.org/officeDocument/2006/relationships" xmlns:p="http://schemas.openxmlformats.org/presentationml/2006/main">
   <p:cSld>
@@ -17131,6 +18877,65 @@
       </p:par>
     </p:tnLst>
   </p:timing>
+</p:sld>
+</file>
+
+<file path=ppt/slides/slide40.xml><?xml version="1.0" encoding="utf-8"?>
+<p:sld xmlns:a="http://schemas.openxmlformats.org/drawingml/2006/main" xmlns:r="http://schemas.openxmlformats.org/officeDocument/2006/relationships" xmlns:p="http://schemas.openxmlformats.org/presentationml/2006/main">
+  <p:cSld>
+    <p:spTree>
+      <p:nvGrpSpPr>
+        <p:cNvPr id="1" name=""/>
+        <p:cNvGrpSpPr/>
+        <p:nvPr/>
+      </p:nvGrpSpPr>
+      <p:grpSpPr>
+        <a:xfrm>
+          <a:off x="0" y="0"/>
+          <a:ext cx="0" cy="0"/>
+          <a:chOff x="0" y="0"/>
+          <a:chExt cx="0" cy="0"/>
+        </a:xfrm>
+      </p:grpSpPr>
+      <p:sp>
+        <p:nvSpPr>
+          <p:cNvPr id="11265" name="Content Placeholder 3"/>
+          <p:cNvSpPr>
+            <a:spLocks noGrp="1"/>
+          </p:cNvSpPr>
+          <p:nvPr>
+            <p:ph idx="1"/>
+          </p:nvPr>
+        </p:nvSpPr>
+        <p:spPr>
+          <a:xfrm>
+            <a:off x="152400" y="2667000"/>
+            <a:ext cx="8839200" cy="1600200"/>
+          </a:xfrm>
+        </p:spPr>
+        <p:txBody>
+          <a:bodyPr/>
+          <a:lstStyle/>
+          <a:p>
+            <a:pPr algn="ctr">
+              <a:buFont typeface="Arial" charset="0"/>
+              <a:buNone/>
+            </a:pPr>
+            <a:r>
+              <a:rPr lang="en-US" sz="4400">
+                <a:latin typeface="Calibri" charset="0"/>
+                <a:ea typeface="ＭＳ Ｐゴシック" charset="0"/>
+              </a:rPr>
+              <a:t>Break</a:t>
+            </a:r>
+          </a:p>
+        </p:txBody>
+      </p:sp>
+    </p:spTree>
+  </p:cSld>
+  <p:clrMapOvr>
+    <a:masterClrMapping/>
+  </p:clrMapOvr>
 </p:sld>
 </file>
 
